--- a/微服务架构设计.pptx
+++ b/微服务架构设计.pptx
@@ -5,10 +5,12 @@
     <p:sldMasterId id="2147483648" r:id="rId1"/>
   </p:sldMasterIdLst>
   <p:notesMasterIdLst>
-    <p:notesMasterId r:id="rId3"/>
+    <p:notesMasterId r:id="rId5"/>
   </p:notesMasterIdLst>
   <p:sldIdLst>
     <p:sldId id="296" r:id="rId2"/>
+    <p:sldId id="297" r:id="rId3"/>
+    <p:sldId id="298" r:id="rId4"/>
   </p:sldIdLst>
   <p:sldSz cx="12192000" cy="6858000"/>
   <p:notesSz cx="6858000" cy="9144000"/>
@@ -197,7 +199,7 @@
           <a:p>
             <a:fld id="{BCAB5E81-B69B-48F4-A8D3-A868925CC90D}" type="datetimeFigureOut">
               <a:rPr lang="zh-CN" altLang="en-US" smtClean="0"/>
-              <a:t>2018/5/22</a:t>
+              <a:t>2018/5/24</a:t>
             </a:fld>
             <a:endParaRPr lang="zh-CN" altLang="en-US"/>
           </a:p>
@@ -611,7 +613,7 @@
           <a:p>
             <a:fld id="{9BFA0DB6-8180-4604-A98D-0DD79C15B413}" type="datetimeFigureOut">
               <a:rPr lang="zh-CN" altLang="en-US" smtClean="0"/>
-              <a:t>2018/5/22</a:t>
+              <a:t>2018/5/24</a:t>
             </a:fld>
             <a:endParaRPr lang="zh-CN" altLang="en-US"/>
           </a:p>
@@ -809,7 +811,7 @@
           <a:p>
             <a:fld id="{9BFA0DB6-8180-4604-A98D-0DD79C15B413}" type="datetimeFigureOut">
               <a:rPr lang="zh-CN" altLang="en-US" smtClean="0"/>
-              <a:t>2018/5/22</a:t>
+              <a:t>2018/5/24</a:t>
             </a:fld>
             <a:endParaRPr lang="zh-CN" altLang="en-US"/>
           </a:p>
@@ -1017,7 +1019,7 @@
           <a:p>
             <a:fld id="{9BFA0DB6-8180-4604-A98D-0DD79C15B413}" type="datetimeFigureOut">
               <a:rPr lang="zh-CN" altLang="en-US" smtClean="0"/>
-              <a:t>2018/5/22</a:t>
+              <a:t>2018/5/24</a:t>
             </a:fld>
             <a:endParaRPr lang="zh-CN" altLang="en-US"/>
           </a:p>
@@ -1257,7 +1259,7 @@
           <a:p>
             <a:fld id="{9BFA0DB6-8180-4604-A98D-0DD79C15B413}" type="datetimeFigureOut">
               <a:rPr lang="zh-CN" altLang="en-US" smtClean="0"/>
-              <a:t>2018/5/22</a:t>
+              <a:t>2018/5/24</a:t>
             </a:fld>
             <a:endParaRPr lang="zh-CN" altLang="en-US"/>
           </a:p>
@@ -1532,7 +1534,7 @@
           <a:p>
             <a:fld id="{9BFA0DB6-8180-4604-A98D-0DD79C15B413}" type="datetimeFigureOut">
               <a:rPr lang="zh-CN" altLang="en-US" smtClean="0"/>
-              <a:t>2018/5/22</a:t>
+              <a:t>2018/5/24</a:t>
             </a:fld>
             <a:endParaRPr lang="zh-CN" altLang="en-US"/>
           </a:p>
@@ -1797,7 +1799,7 @@
           <a:p>
             <a:fld id="{9BFA0DB6-8180-4604-A98D-0DD79C15B413}" type="datetimeFigureOut">
               <a:rPr lang="zh-CN" altLang="en-US" smtClean="0"/>
-              <a:t>2018/5/22</a:t>
+              <a:t>2018/5/24</a:t>
             </a:fld>
             <a:endParaRPr lang="zh-CN" altLang="en-US"/>
           </a:p>
@@ -2209,7 +2211,7 @@
           <a:p>
             <a:fld id="{9BFA0DB6-8180-4604-A98D-0DD79C15B413}" type="datetimeFigureOut">
               <a:rPr lang="zh-CN" altLang="en-US" smtClean="0"/>
-              <a:t>2018/5/22</a:t>
+              <a:t>2018/5/24</a:t>
             </a:fld>
             <a:endParaRPr lang="zh-CN" altLang="en-US"/>
           </a:p>
@@ -2350,7 +2352,7 @@
           <a:p>
             <a:fld id="{9BFA0DB6-8180-4604-A98D-0DD79C15B413}" type="datetimeFigureOut">
               <a:rPr lang="zh-CN" altLang="en-US" smtClean="0"/>
-              <a:t>2018/5/22</a:t>
+              <a:t>2018/5/24</a:t>
             </a:fld>
             <a:endParaRPr lang="zh-CN" altLang="en-US"/>
           </a:p>
@@ -2463,7 +2465,7 @@
           <a:p>
             <a:fld id="{9BFA0DB6-8180-4604-A98D-0DD79C15B413}" type="datetimeFigureOut">
               <a:rPr lang="zh-CN" altLang="en-US" smtClean="0"/>
-              <a:t>2018/5/22</a:t>
+              <a:t>2018/5/24</a:t>
             </a:fld>
             <a:endParaRPr lang="zh-CN" altLang="en-US"/>
           </a:p>
@@ -2774,7 +2776,7 @@
           <a:p>
             <a:fld id="{9BFA0DB6-8180-4604-A98D-0DD79C15B413}" type="datetimeFigureOut">
               <a:rPr lang="zh-CN" altLang="en-US" smtClean="0"/>
-              <a:t>2018/5/22</a:t>
+              <a:t>2018/5/24</a:t>
             </a:fld>
             <a:endParaRPr lang="zh-CN" altLang="en-US"/>
           </a:p>
@@ -3062,7 +3064,7 @@
           <a:p>
             <a:fld id="{9BFA0DB6-8180-4604-A98D-0DD79C15B413}" type="datetimeFigureOut">
               <a:rPr lang="zh-CN" altLang="en-US" smtClean="0"/>
-              <a:t>2018/5/22</a:t>
+              <a:t>2018/5/24</a:t>
             </a:fld>
             <a:endParaRPr lang="zh-CN" altLang="en-US"/>
           </a:p>
@@ -3303,7 +3305,7 @@
           <a:p>
             <a:fld id="{9BFA0DB6-8180-4604-A98D-0DD79C15B413}" type="datetimeFigureOut">
               <a:rPr lang="zh-CN" altLang="en-US" smtClean="0"/>
-              <a:t>2018/5/22</a:t>
+              <a:t>2018/5/24</a:t>
             </a:fld>
             <a:endParaRPr lang="zh-CN" altLang="en-US"/>
           </a:p>
@@ -11440,14 +11442,4288 @@
   <p:clrMapOvr>
     <a:masterClrMapping/>
   </p:clrMapOvr>
-  <mc:AlternateContent xmlns:mc="http://schemas.openxmlformats.org/markup-compatibility/2006">
-    <mc:Choice xmlns:p14="http://schemas.microsoft.com/office/powerpoint/2010/main" Requires="p14">
+  <mc:AlternateContent xmlns:mc="http://schemas.openxmlformats.org/markup-compatibility/2006" xmlns:p14="http://schemas.microsoft.com/office/powerpoint/2010/main">
+    <mc:Choice Requires="p14">
       <p:transition spd="slow" p14:dur="1500" advClick="0">
         <p:random/>
       </p:transition>
     </mc:Choice>
-    <mc:Fallback>
+    <mc:Fallback xmlns="">
       <p:transition spd="slow" advClick="0">
+        <p:random/>
+      </p:transition>
+    </mc:Fallback>
+  </mc:AlternateContent>
+</p:sld>
+</file>
+
+<file path=ppt/slides/slide2.xml><?xml version="1.0" encoding="utf-8"?>
+<p:sld xmlns:a="http://schemas.openxmlformats.org/drawingml/2006/main" xmlns:r="http://schemas.openxmlformats.org/officeDocument/2006/relationships" xmlns:p="http://schemas.openxmlformats.org/presentationml/2006/main">
+  <p:cSld>
+    <p:spTree>
+      <p:nvGrpSpPr>
+        <p:cNvPr id="1" name=""/>
+        <p:cNvGrpSpPr/>
+        <p:nvPr/>
+      </p:nvGrpSpPr>
+      <p:grpSpPr>
+        <a:xfrm>
+          <a:off x="0" y="0"/>
+          <a:ext cx="0" cy="0"/>
+          <a:chOff x="0" y="0"/>
+          <a:chExt cx="0" cy="0"/>
+        </a:xfrm>
+      </p:grpSpPr>
+      <p:grpSp>
+        <p:nvGrpSpPr>
+          <p:cNvPr id="2" name="组合 1">
+            <a:extLst>
+              <a:ext uri="{FF2B5EF4-FFF2-40B4-BE49-F238E27FC236}">
+                <a16:creationId xmlns:a16="http://schemas.microsoft.com/office/drawing/2014/main" id="{0A0C1867-98AA-4ACC-97FD-35CB6E10595C}"/>
+              </a:ext>
+            </a:extLst>
+          </p:cNvPr>
+          <p:cNvGrpSpPr/>
+          <p:nvPr/>
+        </p:nvGrpSpPr>
+        <p:grpSpPr>
+          <a:xfrm>
+            <a:off x="164616" y="178180"/>
+            <a:ext cx="2804616" cy="368580"/>
+            <a:chOff x="164616" y="178180"/>
+            <a:chExt cx="2804616" cy="368580"/>
+          </a:xfrm>
+        </p:grpSpPr>
+        <p:cxnSp>
+          <p:nvCxnSpPr>
+            <p:cNvPr id="3" name="直接连接符 2">
+              <a:extLst>
+                <a:ext uri="{FF2B5EF4-FFF2-40B4-BE49-F238E27FC236}">
+                  <a16:creationId xmlns:a16="http://schemas.microsoft.com/office/drawing/2014/main" id="{95ED8DD4-2C71-4D34-8A1A-17EF89AA9D54}"/>
+                </a:ext>
+              </a:extLst>
+            </p:cNvPr>
+            <p:cNvCxnSpPr>
+              <a:cxnSpLocks/>
+            </p:cNvCxnSpPr>
+            <p:nvPr/>
+          </p:nvCxnSpPr>
+          <p:spPr>
+            <a:xfrm flipV="1">
+              <a:off x="164616" y="535956"/>
+              <a:ext cx="2804616" cy="10804"/>
+            </a:xfrm>
+            <a:prstGeom prst="line">
+              <a:avLst/>
+            </a:prstGeom>
+            <a:ln>
+              <a:solidFill>
+                <a:srgbClr val="314865"/>
+              </a:solidFill>
+            </a:ln>
+          </p:spPr>
+          <p:style>
+            <a:lnRef idx="1">
+              <a:schemeClr val="accent1"/>
+            </a:lnRef>
+            <a:fillRef idx="0">
+              <a:schemeClr val="accent1"/>
+            </a:fillRef>
+            <a:effectRef idx="0">
+              <a:schemeClr val="accent1"/>
+            </a:effectRef>
+            <a:fontRef idx="minor">
+              <a:schemeClr val="tx1"/>
+            </a:fontRef>
+          </p:style>
+        </p:cxnSp>
+        <p:sp>
+          <p:nvSpPr>
+            <p:cNvPr id="4" name="文本框 3">
+              <a:extLst>
+                <a:ext uri="{FF2B5EF4-FFF2-40B4-BE49-F238E27FC236}">
+                  <a16:creationId xmlns:a16="http://schemas.microsoft.com/office/drawing/2014/main" id="{7C3B59C8-97CA-45D4-BF07-0BD5AF22A27A}"/>
+                </a:ext>
+              </a:extLst>
+            </p:cNvPr>
+            <p:cNvSpPr txBox="1"/>
+            <p:nvPr/>
+          </p:nvSpPr>
+          <p:spPr>
+            <a:xfrm>
+              <a:off x="534486" y="178180"/>
+              <a:ext cx="2434746" cy="338554"/>
+            </a:xfrm>
+            <a:prstGeom prst="rect">
+              <a:avLst/>
+            </a:prstGeom>
+            <a:noFill/>
+          </p:spPr>
+          <p:txBody>
+            <a:bodyPr wrap="square" rtlCol="0">
+              <a:spAutoFit/>
+            </a:bodyPr>
+            <a:lstStyle/>
+            <a:p>
+              <a:pPr>
+                <a:spcBef>
+                  <a:spcPct val="20000"/>
+                </a:spcBef>
+                <a:buClr>
+                  <a:schemeClr val="hlink"/>
+                </a:buClr>
+                <a:buSzPct val="65000"/>
+              </a:pPr>
+              <a:r>
+                <a:rPr lang="zh-CN" altLang="en-US" sz="1600" b="1" dirty="0">
+                  <a:solidFill>
+                    <a:srgbClr val="314865"/>
+                  </a:solidFill>
+                  <a:effectLst>
+                    <a:innerShdw blurRad="63500" dist="50800" dir="13500000">
+                      <a:prstClr val="black">
+                        <a:alpha val="50000"/>
+                      </a:prstClr>
+                    </a:innerShdw>
+                  </a:effectLst>
+                  <a:latin typeface="Arial"/>
+                  <a:ea typeface="微软雅黑"/>
+                  <a:sym typeface="Arial"/>
+                </a:rPr>
+                <a:t>工程结构</a:t>
+              </a:r>
+            </a:p>
+          </p:txBody>
+        </p:sp>
+        <p:sp>
+          <p:nvSpPr>
+            <p:cNvPr id="5" name="矩形 4">
+              <a:extLst>
+                <a:ext uri="{FF2B5EF4-FFF2-40B4-BE49-F238E27FC236}">
+                  <a16:creationId xmlns:a16="http://schemas.microsoft.com/office/drawing/2014/main" id="{6F616BB0-D976-4296-BE2D-2E740210E0B1}"/>
+                </a:ext>
+              </a:extLst>
+            </p:cNvPr>
+            <p:cNvSpPr/>
+            <p:nvPr/>
+          </p:nvSpPr>
+          <p:spPr>
+            <a:xfrm>
+              <a:off x="164616" y="178180"/>
+              <a:ext cx="47829" cy="284416"/>
+            </a:xfrm>
+            <a:prstGeom prst="rect">
+              <a:avLst/>
+            </a:prstGeom>
+            <a:solidFill>
+              <a:srgbClr val="314865"/>
+            </a:solidFill>
+            <a:ln>
+              <a:solidFill>
+                <a:srgbClr val="314865"/>
+              </a:solidFill>
+            </a:ln>
+          </p:spPr>
+          <p:style>
+            <a:lnRef idx="2">
+              <a:schemeClr val="accent1">
+                <a:shade val="50000"/>
+              </a:schemeClr>
+            </a:lnRef>
+            <a:fillRef idx="1">
+              <a:schemeClr val="accent1"/>
+            </a:fillRef>
+            <a:effectRef idx="0">
+              <a:schemeClr val="accent1"/>
+            </a:effectRef>
+            <a:fontRef idx="minor">
+              <a:schemeClr val="lt1"/>
+            </a:fontRef>
+          </p:style>
+          <p:txBody>
+            <a:bodyPr rtlCol="0" anchor="ctr"/>
+            <a:lstStyle/>
+            <a:p>
+              <a:pPr algn="ctr"/>
+              <a:endParaRPr lang="zh-CN" altLang="en-US">
+                <a:latin typeface="Arial"/>
+                <a:ea typeface="微软雅黑"/>
+                <a:sym typeface="Arial"/>
+              </a:endParaRPr>
+            </a:p>
+          </p:txBody>
+        </p:sp>
+        <p:sp>
+          <p:nvSpPr>
+            <p:cNvPr id="6" name="矩形 5">
+              <a:extLst>
+                <a:ext uri="{FF2B5EF4-FFF2-40B4-BE49-F238E27FC236}">
+                  <a16:creationId xmlns:a16="http://schemas.microsoft.com/office/drawing/2014/main" id="{8550398A-7DFF-4FE0-8E34-18063CCA07D9}"/>
+                </a:ext>
+              </a:extLst>
+            </p:cNvPr>
+            <p:cNvSpPr/>
+            <p:nvPr/>
+          </p:nvSpPr>
+          <p:spPr>
+            <a:xfrm>
+              <a:off x="275779" y="252586"/>
+              <a:ext cx="47828" cy="210010"/>
+            </a:xfrm>
+            <a:prstGeom prst="rect">
+              <a:avLst/>
+            </a:prstGeom>
+            <a:solidFill>
+              <a:srgbClr val="314865"/>
+            </a:solidFill>
+            <a:ln>
+              <a:solidFill>
+                <a:srgbClr val="314865"/>
+              </a:solidFill>
+            </a:ln>
+          </p:spPr>
+          <p:style>
+            <a:lnRef idx="2">
+              <a:schemeClr val="accent1">
+                <a:shade val="50000"/>
+              </a:schemeClr>
+            </a:lnRef>
+            <a:fillRef idx="1">
+              <a:schemeClr val="accent1"/>
+            </a:fillRef>
+            <a:effectRef idx="0">
+              <a:schemeClr val="accent1"/>
+            </a:effectRef>
+            <a:fontRef idx="minor">
+              <a:schemeClr val="lt1"/>
+            </a:fontRef>
+          </p:style>
+          <p:txBody>
+            <a:bodyPr rtlCol="0" anchor="ctr"/>
+            <a:lstStyle/>
+            <a:p>
+              <a:pPr algn="ctr"/>
+              <a:endParaRPr lang="zh-CN" altLang="en-US">
+                <a:latin typeface="Arial"/>
+                <a:ea typeface="微软雅黑"/>
+                <a:sym typeface="Arial"/>
+              </a:endParaRPr>
+            </a:p>
+          </p:txBody>
+        </p:sp>
+        <p:sp>
+          <p:nvSpPr>
+            <p:cNvPr id="7" name="矩形 6">
+              <a:extLst>
+                <a:ext uri="{FF2B5EF4-FFF2-40B4-BE49-F238E27FC236}">
+                  <a16:creationId xmlns:a16="http://schemas.microsoft.com/office/drawing/2014/main" id="{D8F813E4-B562-4D4F-A7C5-B81192E4767A}"/>
+                </a:ext>
+              </a:extLst>
+            </p:cNvPr>
+            <p:cNvSpPr/>
+            <p:nvPr/>
+          </p:nvSpPr>
+          <p:spPr>
+            <a:xfrm flipH="1">
+              <a:off x="377808" y="320388"/>
+              <a:ext cx="47827" cy="142208"/>
+            </a:xfrm>
+            <a:prstGeom prst="rect">
+              <a:avLst/>
+            </a:prstGeom>
+            <a:solidFill>
+              <a:srgbClr val="314865"/>
+            </a:solidFill>
+            <a:ln>
+              <a:solidFill>
+                <a:srgbClr val="314865"/>
+              </a:solidFill>
+            </a:ln>
+          </p:spPr>
+          <p:style>
+            <a:lnRef idx="2">
+              <a:schemeClr val="accent1">
+                <a:shade val="50000"/>
+              </a:schemeClr>
+            </a:lnRef>
+            <a:fillRef idx="1">
+              <a:schemeClr val="accent1"/>
+            </a:fillRef>
+            <a:effectRef idx="0">
+              <a:schemeClr val="accent1"/>
+            </a:effectRef>
+            <a:fontRef idx="minor">
+              <a:schemeClr val="lt1"/>
+            </a:fontRef>
+          </p:style>
+          <p:txBody>
+            <a:bodyPr rtlCol="0" anchor="ctr"/>
+            <a:lstStyle/>
+            <a:p>
+              <a:pPr algn="ctr"/>
+              <a:endParaRPr lang="zh-CN" altLang="en-US">
+                <a:latin typeface="Arial"/>
+                <a:ea typeface="微软雅黑"/>
+                <a:sym typeface="Arial"/>
+              </a:endParaRPr>
+            </a:p>
+          </p:txBody>
+        </p:sp>
+      </p:grpSp>
+      <p:sp>
+        <p:nvSpPr>
+          <p:cNvPr id="8" name="矩形 7">
+            <a:extLst>
+              <a:ext uri="{FF2B5EF4-FFF2-40B4-BE49-F238E27FC236}">
+                <a16:creationId xmlns:a16="http://schemas.microsoft.com/office/drawing/2014/main" id="{02F00BEE-FE42-4970-9F80-C9655D11F8FB}"/>
+              </a:ext>
+            </a:extLst>
+          </p:cNvPr>
+          <p:cNvSpPr/>
+          <p:nvPr/>
+        </p:nvSpPr>
+        <p:spPr>
+          <a:xfrm>
+            <a:off x="599765" y="625450"/>
+            <a:ext cx="2369467" cy="393543"/>
+          </a:xfrm>
+          <a:prstGeom prst="rect">
+            <a:avLst/>
+          </a:prstGeom>
+          <a:solidFill>
+            <a:srgbClr val="00B0F0"/>
+          </a:solidFill>
+          <a:ln>
+            <a:solidFill>
+              <a:srgbClr val="00B0F0"/>
+            </a:solidFill>
+          </a:ln>
+        </p:spPr>
+        <p:style>
+          <a:lnRef idx="2">
+            <a:schemeClr val="accent3">
+              <a:shade val="50000"/>
+            </a:schemeClr>
+          </a:lnRef>
+          <a:fillRef idx="1">
+            <a:schemeClr val="accent3"/>
+          </a:fillRef>
+          <a:effectRef idx="0">
+            <a:schemeClr val="accent3"/>
+          </a:effectRef>
+          <a:fontRef idx="minor">
+            <a:schemeClr val="lt1"/>
+          </a:fontRef>
+        </p:style>
+        <p:txBody>
+          <a:bodyPr vert="horz" rtlCol="0" anchor="ctr"/>
+          <a:lstStyle/>
+          <a:p>
+            <a:pPr algn="ctr"/>
+            <a:r>
+              <a:rPr lang="en-US" altLang="zh-CN" dirty="0" err="1"/>
+              <a:t>pachira-springcloud</a:t>
+            </a:r>
+            <a:endParaRPr lang="zh-CN" altLang="en-US" dirty="0"/>
+          </a:p>
+        </p:txBody>
+      </p:sp>
+      <p:sp>
+        <p:nvSpPr>
+          <p:cNvPr id="9" name="矩形 8">
+            <a:extLst>
+              <a:ext uri="{FF2B5EF4-FFF2-40B4-BE49-F238E27FC236}">
+                <a16:creationId xmlns:a16="http://schemas.microsoft.com/office/drawing/2014/main" id="{0F8B7C15-3528-47EA-A7AA-4BBEF7CAA038}"/>
+              </a:ext>
+            </a:extLst>
+          </p:cNvPr>
+          <p:cNvSpPr/>
+          <p:nvPr/>
+        </p:nvSpPr>
+        <p:spPr>
+          <a:xfrm>
+            <a:off x="2846335" y="1249540"/>
+            <a:ext cx="2369467" cy="393543"/>
+          </a:xfrm>
+          <a:prstGeom prst="rect">
+            <a:avLst/>
+          </a:prstGeom>
+          <a:solidFill>
+            <a:srgbClr val="00B0F0"/>
+          </a:solidFill>
+          <a:ln>
+            <a:solidFill>
+              <a:srgbClr val="00B0F0"/>
+            </a:solidFill>
+          </a:ln>
+        </p:spPr>
+        <p:style>
+          <a:lnRef idx="2">
+            <a:schemeClr val="accent3">
+              <a:shade val="50000"/>
+            </a:schemeClr>
+          </a:lnRef>
+          <a:fillRef idx="1">
+            <a:schemeClr val="accent3"/>
+          </a:fillRef>
+          <a:effectRef idx="0">
+            <a:schemeClr val="accent3"/>
+          </a:effectRef>
+          <a:fontRef idx="minor">
+            <a:schemeClr val="lt1"/>
+          </a:fontRef>
+        </p:style>
+        <p:txBody>
+          <a:bodyPr vert="horz" rtlCol="0" anchor="ctr"/>
+          <a:lstStyle/>
+          <a:p>
+            <a:pPr algn="ctr"/>
+            <a:r>
+              <a:rPr lang="en-US" altLang="zh-CN" dirty="0"/>
+              <a:t>pachira-oauth2</a:t>
+            </a:r>
+            <a:endParaRPr lang="zh-CN" altLang="en-US" dirty="0"/>
+          </a:p>
+        </p:txBody>
+      </p:sp>
+      <p:sp>
+        <p:nvSpPr>
+          <p:cNvPr id="10" name="矩形 9">
+            <a:extLst>
+              <a:ext uri="{FF2B5EF4-FFF2-40B4-BE49-F238E27FC236}">
+                <a16:creationId xmlns:a16="http://schemas.microsoft.com/office/drawing/2014/main" id="{46FF3F43-54AE-4CBB-8200-0D6CD0ED5533}"/>
+              </a:ext>
+            </a:extLst>
+          </p:cNvPr>
+          <p:cNvSpPr/>
+          <p:nvPr/>
+        </p:nvSpPr>
+        <p:spPr>
+          <a:xfrm>
+            <a:off x="2841845" y="2212194"/>
+            <a:ext cx="2369467" cy="393543"/>
+          </a:xfrm>
+          <a:prstGeom prst="rect">
+            <a:avLst/>
+          </a:prstGeom>
+          <a:solidFill>
+            <a:srgbClr val="00B0F0"/>
+          </a:solidFill>
+          <a:ln>
+            <a:solidFill>
+              <a:srgbClr val="00B0F0"/>
+            </a:solidFill>
+          </a:ln>
+        </p:spPr>
+        <p:style>
+          <a:lnRef idx="2">
+            <a:schemeClr val="accent3">
+              <a:shade val="50000"/>
+            </a:schemeClr>
+          </a:lnRef>
+          <a:fillRef idx="1">
+            <a:schemeClr val="accent3"/>
+          </a:fillRef>
+          <a:effectRef idx="0">
+            <a:schemeClr val="accent3"/>
+          </a:effectRef>
+          <a:fontRef idx="minor">
+            <a:schemeClr val="lt1"/>
+          </a:fontRef>
+        </p:style>
+        <p:txBody>
+          <a:bodyPr vert="horz" rtlCol="0" anchor="ctr"/>
+          <a:lstStyle/>
+          <a:p>
+            <a:pPr algn="ctr"/>
+            <a:r>
+              <a:rPr lang="en-US" altLang="zh-CN" dirty="0" err="1"/>
+              <a:t>pachira</a:t>
+            </a:r>
+            <a:r>
+              <a:rPr lang="en-US" altLang="zh-CN" dirty="0"/>
+              <a:t>-scheduler</a:t>
+            </a:r>
+            <a:endParaRPr lang="zh-CN" altLang="en-US" dirty="0"/>
+          </a:p>
+        </p:txBody>
+      </p:sp>
+      <p:sp>
+        <p:nvSpPr>
+          <p:cNvPr id="11" name="矩形 10">
+            <a:extLst>
+              <a:ext uri="{FF2B5EF4-FFF2-40B4-BE49-F238E27FC236}">
+                <a16:creationId xmlns:a16="http://schemas.microsoft.com/office/drawing/2014/main" id="{7BB59EC0-81B1-454A-8183-ED4016A409D8}"/>
+              </a:ext>
+            </a:extLst>
+          </p:cNvPr>
+          <p:cNvSpPr/>
+          <p:nvPr/>
+        </p:nvSpPr>
+        <p:spPr>
+          <a:xfrm>
+            <a:off x="2841844" y="3120004"/>
+            <a:ext cx="2369467" cy="393543"/>
+          </a:xfrm>
+          <a:prstGeom prst="rect">
+            <a:avLst/>
+          </a:prstGeom>
+          <a:solidFill>
+            <a:srgbClr val="00B0F0"/>
+          </a:solidFill>
+          <a:ln>
+            <a:solidFill>
+              <a:srgbClr val="00B0F0"/>
+            </a:solidFill>
+          </a:ln>
+        </p:spPr>
+        <p:style>
+          <a:lnRef idx="2">
+            <a:schemeClr val="accent3">
+              <a:shade val="50000"/>
+            </a:schemeClr>
+          </a:lnRef>
+          <a:fillRef idx="1">
+            <a:schemeClr val="accent3"/>
+          </a:fillRef>
+          <a:effectRef idx="0">
+            <a:schemeClr val="accent3"/>
+          </a:effectRef>
+          <a:fontRef idx="minor">
+            <a:schemeClr val="lt1"/>
+          </a:fontRef>
+        </p:style>
+        <p:txBody>
+          <a:bodyPr vert="horz" rtlCol="0" anchor="ctr"/>
+          <a:lstStyle/>
+          <a:p>
+            <a:pPr algn="ctr"/>
+            <a:r>
+              <a:rPr lang="en-US" altLang="zh-CN" dirty="0" err="1"/>
+              <a:t>pachira</a:t>
+            </a:r>
+            <a:r>
+              <a:rPr lang="en-US" altLang="zh-CN" dirty="0"/>
+              <a:t>-party</a:t>
+            </a:r>
+            <a:endParaRPr lang="zh-CN" altLang="en-US" dirty="0"/>
+          </a:p>
+        </p:txBody>
+      </p:sp>
+      <p:cxnSp>
+        <p:nvCxnSpPr>
+          <p:cNvPr id="13" name="连接符: 肘形 12">
+            <a:extLst>
+              <a:ext uri="{FF2B5EF4-FFF2-40B4-BE49-F238E27FC236}">
+                <a16:creationId xmlns:a16="http://schemas.microsoft.com/office/drawing/2014/main" id="{ACDDE367-C14E-4E1A-869A-F113FAD79A40}"/>
+              </a:ext>
+            </a:extLst>
+          </p:cNvPr>
+          <p:cNvCxnSpPr>
+            <a:stCxn id="8" idx="2"/>
+            <a:endCxn id="9" idx="1"/>
+          </p:cNvCxnSpPr>
+          <p:nvPr/>
+        </p:nvCxnSpPr>
+        <p:spPr>
+          <a:xfrm rot="16200000" flipH="1">
+            <a:off x="2101758" y="701734"/>
+            <a:ext cx="427319" cy="1061836"/>
+          </a:xfrm>
+          <a:prstGeom prst="bentConnector2">
+            <a:avLst/>
+          </a:prstGeom>
+          <a:ln w="15875">
+            <a:solidFill>
+              <a:schemeClr val="tx2"/>
+            </a:solidFill>
+          </a:ln>
+        </p:spPr>
+        <p:style>
+          <a:lnRef idx="1">
+            <a:schemeClr val="dk1"/>
+          </a:lnRef>
+          <a:fillRef idx="0">
+            <a:schemeClr val="dk1"/>
+          </a:fillRef>
+          <a:effectRef idx="0">
+            <a:schemeClr val="dk1"/>
+          </a:effectRef>
+          <a:fontRef idx="minor">
+            <a:schemeClr val="tx1"/>
+          </a:fontRef>
+        </p:style>
+      </p:cxnSp>
+      <p:cxnSp>
+        <p:nvCxnSpPr>
+          <p:cNvPr id="14" name="连接符: 肘形 13">
+            <a:extLst>
+              <a:ext uri="{FF2B5EF4-FFF2-40B4-BE49-F238E27FC236}">
+                <a16:creationId xmlns:a16="http://schemas.microsoft.com/office/drawing/2014/main" id="{D70CE753-B111-4559-B4E0-DD88E2CFFCB7}"/>
+              </a:ext>
+            </a:extLst>
+          </p:cNvPr>
+          <p:cNvCxnSpPr>
+            <a:cxnSpLocks/>
+            <a:stCxn id="8" idx="2"/>
+            <a:endCxn id="10" idx="1"/>
+          </p:cNvCxnSpPr>
+          <p:nvPr/>
+        </p:nvCxnSpPr>
+        <p:spPr>
+          <a:xfrm rot="16200000" flipH="1">
+            <a:off x="1618186" y="1185306"/>
+            <a:ext cx="1389973" cy="1057346"/>
+          </a:xfrm>
+          <a:prstGeom prst="bentConnector2">
+            <a:avLst/>
+          </a:prstGeom>
+          <a:ln w="15875">
+            <a:solidFill>
+              <a:schemeClr val="tx2"/>
+            </a:solidFill>
+          </a:ln>
+        </p:spPr>
+        <p:style>
+          <a:lnRef idx="1">
+            <a:schemeClr val="dk1"/>
+          </a:lnRef>
+          <a:fillRef idx="0">
+            <a:schemeClr val="dk1"/>
+          </a:fillRef>
+          <a:effectRef idx="0">
+            <a:schemeClr val="dk1"/>
+          </a:effectRef>
+          <a:fontRef idx="minor">
+            <a:schemeClr val="tx1"/>
+          </a:fontRef>
+        </p:style>
+      </p:cxnSp>
+      <p:cxnSp>
+        <p:nvCxnSpPr>
+          <p:cNvPr id="17" name="连接符: 肘形 16">
+            <a:extLst>
+              <a:ext uri="{FF2B5EF4-FFF2-40B4-BE49-F238E27FC236}">
+                <a16:creationId xmlns:a16="http://schemas.microsoft.com/office/drawing/2014/main" id="{B4A985EA-6005-4821-A751-C0B911A87924}"/>
+              </a:ext>
+            </a:extLst>
+          </p:cNvPr>
+          <p:cNvCxnSpPr>
+            <a:cxnSpLocks/>
+            <a:stCxn id="8" idx="2"/>
+            <a:endCxn id="11" idx="1"/>
+          </p:cNvCxnSpPr>
+          <p:nvPr/>
+        </p:nvCxnSpPr>
+        <p:spPr>
+          <a:xfrm rot="16200000" flipH="1">
+            <a:off x="1164280" y="1639211"/>
+            <a:ext cx="2297783" cy="1057345"/>
+          </a:xfrm>
+          <a:prstGeom prst="bentConnector2">
+            <a:avLst/>
+          </a:prstGeom>
+          <a:ln w="15875">
+            <a:solidFill>
+              <a:schemeClr val="tx2"/>
+            </a:solidFill>
+          </a:ln>
+        </p:spPr>
+        <p:style>
+          <a:lnRef idx="1">
+            <a:schemeClr val="dk1"/>
+          </a:lnRef>
+          <a:fillRef idx="0">
+            <a:schemeClr val="dk1"/>
+          </a:fillRef>
+          <a:effectRef idx="0">
+            <a:schemeClr val="dk1"/>
+          </a:effectRef>
+          <a:fontRef idx="minor">
+            <a:schemeClr val="tx1"/>
+          </a:fontRef>
+        </p:style>
+      </p:cxnSp>
+      <p:cxnSp>
+        <p:nvCxnSpPr>
+          <p:cNvPr id="20" name="连接符: 肘形 19">
+            <a:extLst>
+              <a:ext uri="{FF2B5EF4-FFF2-40B4-BE49-F238E27FC236}">
+                <a16:creationId xmlns:a16="http://schemas.microsoft.com/office/drawing/2014/main" id="{3E9B82EA-6A42-4005-AD40-DDFB1F25EE81}"/>
+              </a:ext>
+            </a:extLst>
+          </p:cNvPr>
+          <p:cNvCxnSpPr>
+            <a:cxnSpLocks/>
+            <a:stCxn id="8" idx="2"/>
+            <a:endCxn id="22" idx="1"/>
+          </p:cNvCxnSpPr>
+          <p:nvPr/>
+        </p:nvCxnSpPr>
+        <p:spPr>
+          <a:xfrm rot="16200000" flipH="1">
+            <a:off x="-639512" y="3443004"/>
+            <a:ext cx="5364189" cy="516166"/>
+          </a:xfrm>
+          <a:prstGeom prst="bentConnector2">
+            <a:avLst/>
+          </a:prstGeom>
+          <a:ln w="15875">
+            <a:solidFill>
+              <a:schemeClr val="tx2"/>
+            </a:solidFill>
+          </a:ln>
+        </p:spPr>
+        <p:style>
+          <a:lnRef idx="1">
+            <a:schemeClr val="dk1"/>
+          </a:lnRef>
+          <a:fillRef idx="0">
+            <a:schemeClr val="dk1"/>
+          </a:fillRef>
+          <a:effectRef idx="0">
+            <a:schemeClr val="dk1"/>
+          </a:effectRef>
+          <a:fontRef idx="minor">
+            <a:schemeClr val="tx1"/>
+          </a:fontRef>
+        </p:style>
+      </p:cxnSp>
+      <p:sp>
+        <p:nvSpPr>
+          <p:cNvPr id="22" name="文本框 21">
+            <a:extLst>
+              <a:ext uri="{FF2B5EF4-FFF2-40B4-BE49-F238E27FC236}">
+                <a16:creationId xmlns:a16="http://schemas.microsoft.com/office/drawing/2014/main" id="{72BCA158-959A-4BC6-9E27-55F1D0806869}"/>
+              </a:ext>
+            </a:extLst>
+          </p:cNvPr>
+          <p:cNvSpPr txBox="1"/>
+          <p:nvPr/>
+        </p:nvSpPr>
+        <p:spPr>
+          <a:xfrm>
+            <a:off x="2300665" y="6198516"/>
+            <a:ext cx="1056700" cy="369332"/>
+          </a:xfrm>
+          <a:prstGeom prst="rect">
+            <a:avLst/>
+          </a:prstGeom>
+        </p:spPr>
+        <p:txBody>
+          <a:bodyPr wrap="none">
+            <a:spAutoFit/>
+          </a:bodyPr>
+          <a:lstStyle>
+            <a:defPPr>
+              <a:defRPr lang="zh-CN"/>
+            </a:defPPr>
+            <a:lvl1pPr>
+              <a:defRPr>
+                <a:solidFill>
+                  <a:schemeClr val="bg2">
+                    <a:lumMod val="50000"/>
+                  </a:schemeClr>
+                </a:solidFill>
+                <a:latin typeface="Arial"/>
+                <a:ea typeface="微软雅黑"/>
+              </a:defRPr>
+            </a:lvl1pPr>
+          </a:lstStyle>
+          <a:p>
+            <a:r>
+              <a:rPr lang="en-US" altLang="zh-CN" dirty="0"/>
+              <a:t>pom.xml</a:t>
+            </a:r>
+            <a:endParaRPr lang="zh-CN" altLang="en-US" dirty="0"/>
+          </a:p>
+        </p:txBody>
+      </p:sp>
+      <p:sp>
+        <p:nvSpPr>
+          <p:cNvPr id="26" name="文本框 25">
+            <a:extLst>
+              <a:ext uri="{FF2B5EF4-FFF2-40B4-BE49-F238E27FC236}">
+                <a16:creationId xmlns:a16="http://schemas.microsoft.com/office/drawing/2014/main" id="{91162989-B719-461F-89E9-87BFDB965014}"/>
+              </a:ext>
+            </a:extLst>
+          </p:cNvPr>
+          <p:cNvSpPr txBox="1"/>
+          <p:nvPr/>
+        </p:nvSpPr>
+        <p:spPr>
+          <a:xfrm>
+            <a:off x="5684450" y="1734343"/>
+            <a:ext cx="1056700" cy="369332"/>
+          </a:xfrm>
+          <a:prstGeom prst="rect">
+            <a:avLst/>
+          </a:prstGeom>
+        </p:spPr>
+        <p:txBody>
+          <a:bodyPr wrap="none">
+            <a:spAutoFit/>
+          </a:bodyPr>
+          <a:lstStyle>
+            <a:defPPr>
+              <a:defRPr lang="zh-CN"/>
+            </a:defPPr>
+            <a:lvl1pPr>
+              <a:defRPr>
+                <a:solidFill>
+                  <a:schemeClr val="bg2">
+                    <a:lumMod val="50000"/>
+                  </a:schemeClr>
+                </a:solidFill>
+                <a:latin typeface="Arial"/>
+                <a:ea typeface="微软雅黑"/>
+              </a:defRPr>
+            </a:lvl1pPr>
+          </a:lstStyle>
+          <a:p>
+            <a:r>
+              <a:rPr lang="en-US" altLang="zh-CN" dirty="0"/>
+              <a:t>pom.xml</a:t>
+            </a:r>
+            <a:endParaRPr lang="zh-CN" altLang="en-US" dirty="0"/>
+          </a:p>
+        </p:txBody>
+      </p:sp>
+      <p:sp>
+        <p:nvSpPr>
+          <p:cNvPr id="28" name="文本框 27">
+            <a:extLst>
+              <a:ext uri="{FF2B5EF4-FFF2-40B4-BE49-F238E27FC236}">
+                <a16:creationId xmlns:a16="http://schemas.microsoft.com/office/drawing/2014/main" id="{91827065-F689-4BCF-B881-2D332DA3DB11}"/>
+              </a:ext>
+            </a:extLst>
+          </p:cNvPr>
+          <p:cNvSpPr txBox="1"/>
+          <p:nvPr/>
+        </p:nvSpPr>
+        <p:spPr>
+          <a:xfrm>
+            <a:off x="5684450" y="2666242"/>
+            <a:ext cx="1056700" cy="369332"/>
+          </a:xfrm>
+          <a:prstGeom prst="rect">
+            <a:avLst/>
+          </a:prstGeom>
+        </p:spPr>
+        <p:txBody>
+          <a:bodyPr wrap="none">
+            <a:spAutoFit/>
+          </a:bodyPr>
+          <a:lstStyle>
+            <a:defPPr>
+              <a:defRPr lang="zh-CN"/>
+            </a:defPPr>
+            <a:lvl1pPr>
+              <a:defRPr>
+                <a:solidFill>
+                  <a:schemeClr val="bg2">
+                    <a:lumMod val="50000"/>
+                  </a:schemeClr>
+                </a:solidFill>
+                <a:latin typeface="Arial"/>
+                <a:ea typeface="微软雅黑"/>
+              </a:defRPr>
+            </a:lvl1pPr>
+          </a:lstStyle>
+          <a:p>
+            <a:r>
+              <a:rPr lang="en-US" altLang="zh-CN" dirty="0"/>
+              <a:t>pom.xml</a:t>
+            </a:r>
+            <a:endParaRPr lang="zh-CN" altLang="en-US" dirty="0"/>
+          </a:p>
+        </p:txBody>
+      </p:sp>
+      <p:sp>
+        <p:nvSpPr>
+          <p:cNvPr id="29" name="文本框 28">
+            <a:extLst>
+              <a:ext uri="{FF2B5EF4-FFF2-40B4-BE49-F238E27FC236}">
+                <a16:creationId xmlns:a16="http://schemas.microsoft.com/office/drawing/2014/main" id="{5A28A66A-B5E3-4E21-BD62-3F6DBC16C352}"/>
+              </a:ext>
+            </a:extLst>
+          </p:cNvPr>
+          <p:cNvSpPr txBox="1"/>
+          <p:nvPr/>
+        </p:nvSpPr>
+        <p:spPr>
+          <a:xfrm>
+            <a:off x="5701713" y="5958606"/>
+            <a:ext cx="1056700" cy="369332"/>
+          </a:xfrm>
+          <a:prstGeom prst="rect">
+            <a:avLst/>
+          </a:prstGeom>
+        </p:spPr>
+        <p:txBody>
+          <a:bodyPr wrap="none">
+            <a:spAutoFit/>
+          </a:bodyPr>
+          <a:lstStyle>
+            <a:defPPr>
+              <a:defRPr lang="zh-CN"/>
+            </a:defPPr>
+            <a:lvl1pPr>
+              <a:defRPr>
+                <a:solidFill>
+                  <a:schemeClr val="bg2">
+                    <a:lumMod val="50000"/>
+                  </a:schemeClr>
+                </a:solidFill>
+                <a:latin typeface="Arial"/>
+                <a:ea typeface="微软雅黑"/>
+              </a:defRPr>
+            </a:lvl1pPr>
+          </a:lstStyle>
+          <a:p>
+            <a:r>
+              <a:rPr lang="en-US" altLang="zh-CN" dirty="0"/>
+              <a:t>pom.xml</a:t>
+            </a:r>
+            <a:endParaRPr lang="zh-CN" altLang="en-US" dirty="0"/>
+          </a:p>
+        </p:txBody>
+      </p:sp>
+      <p:cxnSp>
+        <p:nvCxnSpPr>
+          <p:cNvPr id="30" name="连接符: 肘形 29">
+            <a:extLst>
+              <a:ext uri="{FF2B5EF4-FFF2-40B4-BE49-F238E27FC236}">
+                <a16:creationId xmlns:a16="http://schemas.microsoft.com/office/drawing/2014/main" id="{00403C76-53DB-4C0B-93F7-C1A12CAD3BCA}"/>
+              </a:ext>
+            </a:extLst>
+          </p:cNvPr>
+          <p:cNvCxnSpPr>
+            <a:cxnSpLocks/>
+            <a:stCxn id="9" idx="2"/>
+            <a:endCxn id="26" idx="1"/>
+          </p:cNvCxnSpPr>
+          <p:nvPr/>
+        </p:nvCxnSpPr>
+        <p:spPr>
+          <a:xfrm rot="16200000" flipH="1">
+            <a:off x="4719796" y="954355"/>
+            <a:ext cx="275926" cy="1653381"/>
+          </a:xfrm>
+          <a:prstGeom prst="bentConnector2">
+            <a:avLst/>
+          </a:prstGeom>
+          <a:ln w="15875">
+            <a:solidFill>
+              <a:schemeClr val="tx2"/>
+            </a:solidFill>
+          </a:ln>
+        </p:spPr>
+        <p:style>
+          <a:lnRef idx="1">
+            <a:schemeClr val="dk1"/>
+          </a:lnRef>
+          <a:fillRef idx="0">
+            <a:schemeClr val="dk1"/>
+          </a:fillRef>
+          <a:effectRef idx="0">
+            <a:schemeClr val="dk1"/>
+          </a:effectRef>
+          <a:fontRef idx="minor">
+            <a:schemeClr val="tx1"/>
+          </a:fontRef>
+        </p:style>
+      </p:cxnSp>
+      <p:cxnSp>
+        <p:nvCxnSpPr>
+          <p:cNvPr id="33" name="连接符: 肘形 32">
+            <a:extLst>
+              <a:ext uri="{FF2B5EF4-FFF2-40B4-BE49-F238E27FC236}">
+                <a16:creationId xmlns:a16="http://schemas.microsoft.com/office/drawing/2014/main" id="{87FBF33A-9478-44D4-ACDA-B8462E63A63C}"/>
+              </a:ext>
+            </a:extLst>
+          </p:cNvPr>
+          <p:cNvCxnSpPr>
+            <a:cxnSpLocks/>
+            <a:stCxn id="10" idx="2"/>
+            <a:endCxn id="28" idx="1"/>
+          </p:cNvCxnSpPr>
+          <p:nvPr/>
+        </p:nvCxnSpPr>
+        <p:spPr>
+          <a:xfrm rot="16200000" flipH="1">
+            <a:off x="4732929" y="1899386"/>
+            <a:ext cx="245171" cy="1657871"/>
+          </a:xfrm>
+          <a:prstGeom prst="bentConnector2">
+            <a:avLst/>
+          </a:prstGeom>
+          <a:ln w="15875">
+            <a:solidFill>
+              <a:schemeClr val="tx2"/>
+            </a:solidFill>
+          </a:ln>
+        </p:spPr>
+        <p:style>
+          <a:lnRef idx="1">
+            <a:schemeClr val="dk1"/>
+          </a:lnRef>
+          <a:fillRef idx="0">
+            <a:schemeClr val="dk1"/>
+          </a:fillRef>
+          <a:effectRef idx="0">
+            <a:schemeClr val="dk1"/>
+          </a:effectRef>
+          <a:fontRef idx="minor">
+            <a:schemeClr val="tx1"/>
+          </a:fontRef>
+        </p:style>
+      </p:cxnSp>
+      <p:sp>
+        <p:nvSpPr>
+          <p:cNvPr id="44" name="矩形 43">
+            <a:extLst>
+              <a:ext uri="{FF2B5EF4-FFF2-40B4-BE49-F238E27FC236}">
+                <a16:creationId xmlns:a16="http://schemas.microsoft.com/office/drawing/2014/main" id="{28965330-990C-4E4A-B43E-3B96F12B72A6}"/>
+              </a:ext>
+            </a:extLst>
+          </p:cNvPr>
+          <p:cNvSpPr/>
+          <p:nvPr/>
+        </p:nvSpPr>
+        <p:spPr>
+          <a:xfrm>
+            <a:off x="5556416" y="3753672"/>
+            <a:ext cx="2369467" cy="393543"/>
+          </a:xfrm>
+          <a:prstGeom prst="rect">
+            <a:avLst/>
+          </a:prstGeom>
+          <a:solidFill>
+            <a:srgbClr val="00B0F0"/>
+          </a:solidFill>
+          <a:ln>
+            <a:solidFill>
+              <a:srgbClr val="00B0F0"/>
+            </a:solidFill>
+          </a:ln>
+        </p:spPr>
+        <p:style>
+          <a:lnRef idx="2">
+            <a:schemeClr val="accent3">
+              <a:shade val="50000"/>
+            </a:schemeClr>
+          </a:lnRef>
+          <a:fillRef idx="1">
+            <a:schemeClr val="accent3"/>
+          </a:fillRef>
+          <a:effectRef idx="0">
+            <a:schemeClr val="accent3"/>
+          </a:effectRef>
+          <a:fontRef idx="minor">
+            <a:schemeClr val="lt1"/>
+          </a:fontRef>
+        </p:style>
+        <p:txBody>
+          <a:bodyPr vert="horz" rtlCol="0" anchor="ctr"/>
+          <a:lstStyle/>
+          <a:p>
+            <a:pPr algn="ctr"/>
+            <a:r>
+              <a:rPr lang="en-US" altLang="zh-CN" dirty="0" err="1"/>
+              <a:t>pachira</a:t>
+            </a:r>
+            <a:r>
+              <a:rPr lang="en-US" altLang="zh-CN" dirty="0"/>
+              <a:t>-party-client</a:t>
+            </a:r>
+            <a:endParaRPr lang="zh-CN" altLang="en-US" dirty="0"/>
+          </a:p>
+        </p:txBody>
+      </p:sp>
+      <p:sp>
+        <p:nvSpPr>
+          <p:cNvPr id="46" name="矩形 45">
+            <a:extLst>
+              <a:ext uri="{FF2B5EF4-FFF2-40B4-BE49-F238E27FC236}">
+                <a16:creationId xmlns:a16="http://schemas.microsoft.com/office/drawing/2014/main" id="{917AE98D-2F8E-4CDF-ADED-2DD059E7D9CC}"/>
+              </a:ext>
+            </a:extLst>
+          </p:cNvPr>
+          <p:cNvSpPr/>
+          <p:nvPr/>
+        </p:nvSpPr>
+        <p:spPr>
+          <a:xfrm>
+            <a:off x="5556416" y="4856139"/>
+            <a:ext cx="2369467" cy="393543"/>
+          </a:xfrm>
+          <a:prstGeom prst="rect">
+            <a:avLst/>
+          </a:prstGeom>
+          <a:solidFill>
+            <a:srgbClr val="00B0F0"/>
+          </a:solidFill>
+          <a:ln>
+            <a:solidFill>
+              <a:srgbClr val="00B0F0"/>
+            </a:solidFill>
+          </a:ln>
+        </p:spPr>
+        <p:style>
+          <a:lnRef idx="2">
+            <a:schemeClr val="accent3">
+              <a:shade val="50000"/>
+            </a:schemeClr>
+          </a:lnRef>
+          <a:fillRef idx="1">
+            <a:schemeClr val="accent3"/>
+          </a:fillRef>
+          <a:effectRef idx="0">
+            <a:schemeClr val="accent3"/>
+          </a:effectRef>
+          <a:fontRef idx="minor">
+            <a:schemeClr val="lt1"/>
+          </a:fontRef>
+        </p:style>
+        <p:txBody>
+          <a:bodyPr vert="horz" rtlCol="0" anchor="ctr"/>
+          <a:lstStyle/>
+          <a:p>
+            <a:pPr algn="ctr"/>
+            <a:r>
+              <a:rPr lang="en-US" altLang="zh-CN" dirty="0" err="1"/>
+              <a:t>pachira</a:t>
+            </a:r>
+            <a:r>
+              <a:rPr lang="en-US" altLang="zh-CN" dirty="0"/>
+              <a:t>-party-server</a:t>
+            </a:r>
+            <a:endParaRPr lang="zh-CN" altLang="en-US" dirty="0"/>
+          </a:p>
+        </p:txBody>
+      </p:sp>
+      <p:cxnSp>
+        <p:nvCxnSpPr>
+          <p:cNvPr id="47" name="连接符: 肘形 46">
+            <a:extLst>
+              <a:ext uri="{FF2B5EF4-FFF2-40B4-BE49-F238E27FC236}">
+                <a16:creationId xmlns:a16="http://schemas.microsoft.com/office/drawing/2014/main" id="{1553BB27-0574-467F-B7B5-AF783B8AC5E4}"/>
+              </a:ext>
+            </a:extLst>
+          </p:cNvPr>
+          <p:cNvCxnSpPr>
+            <a:cxnSpLocks/>
+            <a:stCxn id="11" idx="2"/>
+            <a:endCxn id="44" idx="1"/>
+          </p:cNvCxnSpPr>
+          <p:nvPr/>
+        </p:nvCxnSpPr>
+        <p:spPr>
+          <a:xfrm rot="16200000" flipH="1">
+            <a:off x="4573049" y="2967076"/>
+            <a:ext cx="436897" cy="1529838"/>
+          </a:xfrm>
+          <a:prstGeom prst="bentConnector2">
+            <a:avLst/>
+          </a:prstGeom>
+          <a:ln w="15875">
+            <a:solidFill>
+              <a:schemeClr val="tx2"/>
+            </a:solidFill>
+          </a:ln>
+        </p:spPr>
+        <p:style>
+          <a:lnRef idx="1">
+            <a:schemeClr val="dk1"/>
+          </a:lnRef>
+          <a:fillRef idx="0">
+            <a:schemeClr val="dk1"/>
+          </a:fillRef>
+          <a:effectRef idx="0">
+            <a:schemeClr val="dk1"/>
+          </a:effectRef>
+          <a:fontRef idx="minor">
+            <a:schemeClr val="tx1"/>
+          </a:fontRef>
+        </p:style>
+      </p:cxnSp>
+      <p:cxnSp>
+        <p:nvCxnSpPr>
+          <p:cNvPr id="50" name="连接符: 肘形 49">
+            <a:extLst>
+              <a:ext uri="{FF2B5EF4-FFF2-40B4-BE49-F238E27FC236}">
+                <a16:creationId xmlns:a16="http://schemas.microsoft.com/office/drawing/2014/main" id="{AFB2B94C-4141-4076-813B-E59EE9D87FA8}"/>
+              </a:ext>
+            </a:extLst>
+          </p:cNvPr>
+          <p:cNvCxnSpPr>
+            <a:cxnSpLocks/>
+            <a:stCxn id="11" idx="2"/>
+            <a:endCxn id="46" idx="1"/>
+          </p:cNvCxnSpPr>
+          <p:nvPr/>
+        </p:nvCxnSpPr>
+        <p:spPr>
+          <a:xfrm rot="16200000" flipH="1">
+            <a:off x="4021815" y="3518310"/>
+            <a:ext cx="1539364" cy="1529838"/>
+          </a:xfrm>
+          <a:prstGeom prst="bentConnector2">
+            <a:avLst/>
+          </a:prstGeom>
+          <a:ln w="15875">
+            <a:solidFill>
+              <a:schemeClr val="tx2"/>
+            </a:solidFill>
+          </a:ln>
+        </p:spPr>
+        <p:style>
+          <a:lnRef idx="1">
+            <a:schemeClr val="dk1"/>
+          </a:lnRef>
+          <a:fillRef idx="0">
+            <a:schemeClr val="dk1"/>
+          </a:fillRef>
+          <a:effectRef idx="0">
+            <a:schemeClr val="dk1"/>
+          </a:effectRef>
+          <a:fontRef idx="minor">
+            <a:schemeClr val="tx1"/>
+          </a:fontRef>
+        </p:style>
+      </p:cxnSp>
+      <p:cxnSp>
+        <p:nvCxnSpPr>
+          <p:cNvPr id="53" name="连接符: 肘形 52">
+            <a:extLst>
+              <a:ext uri="{FF2B5EF4-FFF2-40B4-BE49-F238E27FC236}">
+                <a16:creationId xmlns:a16="http://schemas.microsoft.com/office/drawing/2014/main" id="{C21AE780-4C9B-4C79-9F83-1574F062A1A6}"/>
+              </a:ext>
+            </a:extLst>
+          </p:cNvPr>
+          <p:cNvCxnSpPr>
+            <a:cxnSpLocks/>
+            <a:stCxn id="11" idx="2"/>
+            <a:endCxn id="29" idx="1"/>
+          </p:cNvCxnSpPr>
+          <p:nvPr/>
+        </p:nvCxnSpPr>
+        <p:spPr>
+          <a:xfrm rot="16200000" flipH="1">
+            <a:off x="3549283" y="3990841"/>
+            <a:ext cx="2629725" cy="1675135"/>
+          </a:xfrm>
+          <a:prstGeom prst="bentConnector2">
+            <a:avLst/>
+          </a:prstGeom>
+          <a:ln w="15875">
+            <a:solidFill>
+              <a:schemeClr val="tx2"/>
+            </a:solidFill>
+          </a:ln>
+        </p:spPr>
+        <p:style>
+          <a:lnRef idx="1">
+            <a:schemeClr val="dk1"/>
+          </a:lnRef>
+          <a:fillRef idx="0">
+            <a:schemeClr val="dk1"/>
+          </a:fillRef>
+          <a:effectRef idx="0">
+            <a:schemeClr val="dk1"/>
+          </a:effectRef>
+          <a:fontRef idx="minor">
+            <a:schemeClr val="tx1"/>
+          </a:fontRef>
+        </p:style>
+      </p:cxnSp>
+      <p:sp>
+        <p:nvSpPr>
+          <p:cNvPr id="57" name="文本框 56">
+            <a:extLst>
+              <a:ext uri="{FF2B5EF4-FFF2-40B4-BE49-F238E27FC236}">
+                <a16:creationId xmlns:a16="http://schemas.microsoft.com/office/drawing/2014/main" id="{53703ED3-DBFE-4F74-9884-3025174E52CD}"/>
+              </a:ext>
+            </a:extLst>
+          </p:cNvPr>
+          <p:cNvSpPr txBox="1"/>
+          <p:nvPr/>
+        </p:nvSpPr>
+        <p:spPr>
+          <a:xfrm>
+            <a:off x="8545198" y="4325754"/>
+            <a:ext cx="1056700" cy="369332"/>
+          </a:xfrm>
+          <a:prstGeom prst="rect">
+            <a:avLst/>
+          </a:prstGeom>
+        </p:spPr>
+        <p:txBody>
+          <a:bodyPr wrap="none">
+            <a:spAutoFit/>
+          </a:bodyPr>
+          <a:lstStyle>
+            <a:defPPr>
+              <a:defRPr lang="zh-CN"/>
+            </a:defPPr>
+            <a:lvl1pPr>
+              <a:defRPr>
+                <a:solidFill>
+                  <a:schemeClr val="bg2">
+                    <a:lumMod val="50000"/>
+                  </a:schemeClr>
+                </a:solidFill>
+                <a:latin typeface="Arial"/>
+                <a:ea typeface="微软雅黑"/>
+              </a:defRPr>
+            </a:lvl1pPr>
+          </a:lstStyle>
+          <a:p>
+            <a:r>
+              <a:rPr lang="en-US" altLang="zh-CN" dirty="0"/>
+              <a:t>pom.xml</a:t>
+            </a:r>
+            <a:endParaRPr lang="zh-CN" altLang="en-US" dirty="0"/>
+          </a:p>
+        </p:txBody>
+      </p:sp>
+      <p:cxnSp>
+        <p:nvCxnSpPr>
+          <p:cNvPr id="58" name="连接符: 肘形 57">
+            <a:extLst>
+              <a:ext uri="{FF2B5EF4-FFF2-40B4-BE49-F238E27FC236}">
+                <a16:creationId xmlns:a16="http://schemas.microsoft.com/office/drawing/2014/main" id="{EF00434C-EF09-4C26-A78C-0102CB66CBE6}"/>
+              </a:ext>
+            </a:extLst>
+          </p:cNvPr>
+          <p:cNvCxnSpPr>
+            <a:cxnSpLocks/>
+            <a:stCxn id="44" idx="2"/>
+            <a:endCxn id="57" idx="1"/>
+          </p:cNvCxnSpPr>
+          <p:nvPr/>
+        </p:nvCxnSpPr>
+        <p:spPr>
+          <a:xfrm rot="16200000" flipH="1">
+            <a:off x="7461572" y="3426793"/>
+            <a:ext cx="363205" cy="1804048"/>
+          </a:xfrm>
+          <a:prstGeom prst="bentConnector2">
+            <a:avLst/>
+          </a:prstGeom>
+          <a:ln w="15875">
+            <a:solidFill>
+              <a:schemeClr val="tx2"/>
+            </a:solidFill>
+          </a:ln>
+        </p:spPr>
+        <p:style>
+          <a:lnRef idx="1">
+            <a:schemeClr val="dk1"/>
+          </a:lnRef>
+          <a:fillRef idx="0">
+            <a:schemeClr val="dk1"/>
+          </a:fillRef>
+          <a:effectRef idx="0">
+            <a:schemeClr val="dk1"/>
+          </a:effectRef>
+          <a:fontRef idx="minor">
+            <a:schemeClr val="tx1"/>
+          </a:fontRef>
+        </p:style>
+      </p:cxnSp>
+      <p:sp>
+        <p:nvSpPr>
+          <p:cNvPr id="63" name="文本框 62">
+            <a:extLst>
+              <a:ext uri="{FF2B5EF4-FFF2-40B4-BE49-F238E27FC236}">
+                <a16:creationId xmlns:a16="http://schemas.microsoft.com/office/drawing/2014/main" id="{5BCD7129-B46B-4E5D-8847-FFD9C74469B6}"/>
+              </a:ext>
+            </a:extLst>
+          </p:cNvPr>
+          <p:cNvSpPr txBox="1"/>
+          <p:nvPr/>
+        </p:nvSpPr>
+        <p:spPr>
+          <a:xfrm>
+            <a:off x="8545198" y="5612887"/>
+            <a:ext cx="1056700" cy="369332"/>
+          </a:xfrm>
+          <a:prstGeom prst="rect">
+            <a:avLst/>
+          </a:prstGeom>
+        </p:spPr>
+        <p:txBody>
+          <a:bodyPr wrap="none">
+            <a:spAutoFit/>
+          </a:bodyPr>
+          <a:lstStyle>
+            <a:defPPr>
+              <a:defRPr lang="zh-CN"/>
+            </a:defPPr>
+            <a:lvl1pPr>
+              <a:defRPr>
+                <a:solidFill>
+                  <a:schemeClr val="bg2">
+                    <a:lumMod val="50000"/>
+                  </a:schemeClr>
+                </a:solidFill>
+                <a:latin typeface="Arial"/>
+                <a:ea typeface="微软雅黑"/>
+              </a:defRPr>
+            </a:lvl1pPr>
+          </a:lstStyle>
+          <a:p>
+            <a:r>
+              <a:rPr lang="en-US" altLang="zh-CN" dirty="0"/>
+              <a:t>pom.xml</a:t>
+            </a:r>
+            <a:endParaRPr lang="zh-CN" altLang="en-US" dirty="0"/>
+          </a:p>
+        </p:txBody>
+      </p:sp>
+      <p:cxnSp>
+        <p:nvCxnSpPr>
+          <p:cNvPr id="64" name="连接符: 肘形 63">
+            <a:extLst>
+              <a:ext uri="{FF2B5EF4-FFF2-40B4-BE49-F238E27FC236}">
+                <a16:creationId xmlns:a16="http://schemas.microsoft.com/office/drawing/2014/main" id="{DB329B33-6758-4476-B659-763CFBFBCBAE}"/>
+              </a:ext>
+            </a:extLst>
+          </p:cNvPr>
+          <p:cNvCxnSpPr>
+            <a:cxnSpLocks/>
+            <a:stCxn id="46" idx="2"/>
+            <a:endCxn id="63" idx="1"/>
+          </p:cNvCxnSpPr>
+          <p:nvPr/>
+        </p:nvCxnSpPr>
+        <p:spPr>
+          <a:xfrm rot="16200000" flipH="1">
+            <a:off x="7369239" y="4621593"/>
+            <a:ext cx="547871" cy="1804048"/>
+          </a:xfrm>
+          <a:prstGeom prst="bentConnector2">
+            <a:avLst/>
+          </a:prstGeom>
+          <a:ln w="15875">
+            <a:solidFill>
+              <a:schemeClr val="tx2"/>
+            </a:solidFill>
+          </a:ln>
+        </p:spPr>
+        <p:style>
+          <a:lnRef idx="1">
+            <a:schemeClr val="dk1"/>
+          </a:lnRef>
+          <a:fillRef idx="0">
+            <a:schemeClr val="dk1"/>
+          </a:fillRef>
+          <a:effectRef idx="0">
+            <a:schemeClr val="dk1"/>
+          </a:effectRef>
+          <a:fontRef idx="minor">
+            <a:schemeClr val="tx1"/>
+          </a:fontRef>
+        </p:style>
+      </p:cxnSp>
+      <p:sp>
+        <p:nvSpPr>
+          <p:cNvPr id="68" name="矩形 67">
+            <a:extLst>
+              <a:ext uri="{FF2B5EF4-FFF2-40B4-BE49-F238E27FC236}">
+                <a16:creationId xmlns:a16="http://schemas.microsoft.com/office/drawing/2014/main" id="{98686E8E-C4F1-4873-B610-93F7DCECFAB6}"/>
+              </a:ext>
+            </a:extLst>
+          </p:cNvPr>
+          <p:cNvSpPr/>
+          <p:nvPr/>
+        </p:nvSpPr>
+        <p:spPr>
+          <a:xfrm>
+            <a:off x="9455721" y="3745933"/>
+            <a:ext cx="2283510" cy="369332"/>
+          </a:xfrm>
+          <a:prstGeom prst="rect">
+            <a:avLst/>
+          </a:prstGeom>
+        </p:spPr>
+        <p:txBody>
+          <a:bodyPr wrap="none">
+            <a:spAutoFit/>
+          </a:bodyPr>
+          <a:lstStyle/>
+          <a:p>
+            <a:r>
+              <a:rPr lang="en-US" altLang="zh-CN" dirty="0" err="1">
+                <a:solidFill>
+                  <a:schemeClr val="bg2">
+                    <a:lumMod val="50000"/>
+                  </a:schemeClr>
+                </a:solidFill>
+                <a:latin typeface="Arial"/>
+                <a:ea typeface="微软雅黑"/>
+                <a:sym typeface="Arial"/>
+              </a:rPr>
+              <a:t>Entity,dto</a:t>
+            </a:r>
+            <a:r>
+              <a:rPr lang="zh-CN" altLang="en-US" dirty="0">
+                <a:solidFill>
+                  <a:schemeClr val="bg2">
+                    <a:lumMod val="50000"/>
+                  </a:schemeClr>
+                </a:solidFill>
+                <a:latin typeface="Arial"/>
+                <a:ea typeface="微软雅黑"/>
+                <a:sym typeface="Arial"/>
+              </a:rPr>
+              <a:t>等对象定义</a:t>
+            </a:r>
+            <a:endParaRPr lang="zh-CN" altLang="en-US" dirty="0"/>
+          </a:p>
+        </p:txBody>
+      </p:sp>
+      <p:sp>
+        <p:nvSpPr>
+          <p:cNvPr id="69" name="矩形 68">
+            <a:extLst>
+              <a:ext uri="{FF2B5EF4-FFF2-40B4-BE49-F238E27FC236}">
+                <a16:creationId xmlns:a16="http://schemas.microsoft.com/office/drawing/2014/main" id="{6C4B2613-A13D-452B-ADF6-7161A7E1E400}"/>
+              </a:ext>
+            </a:extLst>
+          </p:cNvPr>
+          <p:cNvSpPr/>
+          <p:nvPr/>
+        </p:nvSpPr>
+        <p:spPr>
+          <a:xfrm>
+            <a:off x="9455721" y="4877286"/>
+            <a:ext cx="1800493" cy="369332"/>
+          </a:xfrm>
+          <a:prstGeom prst="rect">
+            <a:avLst/>
+          </a:prstGeom>
+        </p:spPr>
+        <p:txBody>
+          <a:bodyPr wrap="none">
+            <a:spAutoFit/>
+          </a:bodyPr>
+          <a:lstStyle/>
+          <a:p>
+            <a:r>
+              <a:rPr lang="zh-CN" altLang="en-US" dirty="0">
+                <a:solidFill>
+                  <a:schemeClr val="bg2">
+                    <a:lumMod val="50000"/>
+                  </a:schemeClr>
+                </a:solidFill>
+                <a:latin typeface="Arial"/>
+                <a:ea typeface="微软雅黑"/>
+                <a:sym typeface="Arial"/>
+              </a:rPr>
+              <a:t>具体的</a:t>
+            </a:r>
+            <a:r>
+              <a:rPr lang="zh-CN" altLang="en-US">
+                <a:solidFill>
+                  <a:schemeClr val="bg2">
+                    <a:lumMod val="50000"/>
+                  </a:schemeClr>
+                </a:solidFill>
+                <a:latin typeface="Arial"/>
+                <a:ea typeface="微软雅黑"/>
+                <a:sym typeface="Arial"/>
+              </a:rPr>
+              <a:t>服务实现</a:t>
+            </a:r>
+            <a:endParaRPr lang="zh-CN" altLang="en-US" dirty="0"/>
+          </a:p>
+        </p:txBody>
+      </p:sp>
+    </p:spTree>
+    <p:extLst>
+      <p:ext uri="{BB962C8B-B14F-4D97-AF65-F5344CB8AC3E}">
+        <p14:creationId xmlns:p14="http://schemas.microsoft.com/office/powerpoint/2010/main" val="3873841439"/>
+      </p:ext>
+    </p:extLst>
+  </p:cSld>
+  <p:clrMapOvr>
+    <a:masterClrMapping/>
+  </p:clrMapOvr>
+  <mc:AlternateContent xmlns:mc="http://schemas.openxmlformats.org/markup-compatibility/2006" xmlns:p14="http://schemas.microsoft.com/office/powerpoint/2010/main">
+    <mc:Choice Requires="p14">
+      <p:transition spd="slow" p14:dur="1500" advClick="0" advTm="3000">
+        <p:random/>
+      </p:transition>
+    </mc:Choice>
+    <mc:Fallback xmlns="">
+      <p:transition spd="slow" advClick="0" advTm="3000">
+        <p:random/>
+      </p:transition>
+    </mc:Fallback>
+  </mc:AlternateContent>
+</p:sld>
+</file>
+
+<file path=ppt/slides/slide3.xml><?xml version="1.0" encoding="utf-8"?>
+<p:sld xmlns:a="http://schemas.openxmlformats.org/drawingml/2006/main" xmlns:r="http://schemas.openxmlformats.org/officeDocument/2006/relationships" xmlns:p="http://schemas.openxmlformats.org/presentationml/2006/main">
+  <p:cSld>
+    <p:spTree>
+      <p:nvGrpSpPr>
+        <p:cNvPr id="1" name=""/>
+        <p:cNvGrpSpPr/>
+        <p:nvPr/>
+      </p:nvGrpSpPr>
+      <p:grpSpPr>
+        <a:xfrm>
+          <a:off x="0" y="0"/>
+          <a:ext cx="0" cy="0"/>
+          <a:chOff x="0" y="0"/>
+          <a:chExt cx="0" cy="0"/>
+        </a:xfrm>
+      </p:grpSpPr>
+      <p:grpSp>
+        <p:nvGrpSpPr>
+          <p:cNvPr id="2" name="组合 1">
+            <a:extLst>
+              <a:ext uri="{FF2B5EF4-FFF2-40B4-BE49-F238E27FC236}">
+                <a16:creationId xmlns:a16="http://schemas.microsoft.com/office/drawing/2014/main" id="{8DF0E5F1-0658-40A2-B3D9-C5ADE86DA8C6}"/>
+              </a:ext>
+            </a:extLst>
+          </p:cNvPr>
+          <p:cNvGrpSpPr/>
+          <p:nvPr/>
+        </p:nvGrpSpPr>
+        <p:grpSpPr>
+          <a:xfrm>
+            <a:off x="164616" y="178180"/>
+            <a:ext cx="2804616" cy="368580"/>
+            <a:chOff x="164616" y="178180"/>
+            <a:chExt cx="2804616" cy="368580"/>
+          </a:xfrm>
+        </p:grpSpPr>
+        <p:cxnSp>
+          <p:nvCxnSpPr>
+            <p:cNvPr id="3" name="直接连接符 2">
+              <a:extLst>
+                <a:ext uri="{FF2B5EF4-FFF2-40B4-BE49-F238E27FC236}">
+                  <a16:creationId xmlns:a16="http://schemas.microsoft.com/office/drawing/2014/main" id="{2D93CEE9-C98A-4779-B8E0-F58854D2F852}"/>
+                </a:ext>
+              </a:extLst>
+            </p:cNvPr>
+            <p:cNvCxnSpPr>
+              <a:cxnSpLocks/>
+            </p:cNvCxnSpPr>
+            <p:nvPr/>
+          </p:nvCxnSpPr>
+          <p:spPr>
+            <a:xfrm flipV="1">
+              <a:off x="164616" y="535956"/>
+              <a:ext cx="2804616" cy="10804"/>
+            </a:xfrm>
+            <a:prstGeom prst="line">
+              <a:avLst/>
+            </a:prstGeom>
+            <a:ln>
+              <a:solidFill>
+                <a:srgbClr val="314865"/>
+              </a:solidFill>
+            </a:ln>
+          </p:spPr>
+          <p:style>
+            <a:lnRef idx="1">
+              <a:schemeClr val="accent1"/>
+            </a:lnRef>
+            <a:fillRef idx="0">
+              <a:schemeClr val="accent1"/>
+            </a:fillRef>
+            <a:effectRef idx="0">
+              <a:schemeClr val="accent1"/>
+            </a:effectRef>
+            <a:fontRef idx="minor">
+              <a:schemeClr val="tx1"/>
+            </a:fontRef>
+          </p:style>
+        </p:cxnSp>
+        <p:sp>
+          <p:nvSpPr>
+            <p:cNvPr id="4" name="文本框 3">
+              <a:extLst>
+                <a:ext uri="{FF2B5EF4-FFF2-40B4-BE49-F238E27FC236}">
+                  <a16:creationId xmlns:a16="http://schemas.microsoft.com/office/drawing/2014/main" id="{AEA244CD-6978-47C6-8613-38DA4B5E9A4D}"/>
+                </a:ext>
+              </a:extLst>
+            </p:cNvPr>
+            <p:cNvSpPr txBox="1"/>
+            <p:nvPr/>
+          </p:nvSpPr>
+          <p:spPr>
+            <a:xfrm>
+              <a:off x="534486" y="178180"/>
+              <a:ext cx="2434746" cy="338554"/>
+            </a:xfrm>
+            <a:prstGeom prst="rect">
+              <a:avLst/>
+            </a:prstGeom>
+            <a:noFill/>
+          </p:spPr>
+          <p:txBody>
+            <a:bodyPr wrap="square" rtlCol="0">
+              <a:spAutoFit/>
+            </a:bodyPr>
+            <a:lstStyle/>
+            <a:p>
+              <a:pPr>
+                <a:spcBef>
+                  <a:spcPct val="20000"/>
+                </a:spcBef>
+                <a:buClr>
+                  <a:schemeClr val="hlink"/>
+                </a:buClr>
+                <a:buSzPct val="65000"/>
+              </a:pPr>
+              <a:r>
+                <a:rPr lang="zh-CN" altLang="en-US" sz="1600" b="1" dirty="0">
+                  <a:solidFill>
+                    <a:srgbClr val="314865"/>
+                  </a:solidFill>
+                  <a:effectLst>
+                    <a:innerShdw blurRad="63500" dist="50800" dir="13500000">
+                      <a:prstClr val="black">
+                        <a:alpha val="50000"/>
+                      </a:prstClr>
+                    </a:innerShdw>
+                  </a:effectLst>
+                  <a:latin typeface="Arial"/>
+                  <a:ea typeface="微软雅黑"/>
+                  <a:sym typeface="Arial"/>
+                </a:rPr>
+                <a:t>模块依赖调用关系</a:t>
+              </a:r>
+            </a:p>
+          </p:txBody>
+        </p:sp>
+        <p:sp>
+          <p:nvSpPr>
+            <p:cNvPr id="5" name="矩形 4">
+              <a:extLst>
+                <a:ext uri="{FF2B5EF4-FFF2-40B4-BE49-F238E27FC236}">
+                  <a16:creationId xmlns:a16="http://schemas.microsoft.com/office/drawing/2014/main" id="{AAA0991B-C51A-4091-8AC5-2661C88FF405}"/>
+                </a:ext>
+              </a:extLst>
+            </p:cNvPr>
+            <p:cNvSpPr/>
+            <p:nvPr/>
+          </p:nvSpPr>
+          <p:spPr>
+            <a:xfrm>
+              <a:off x="164616" y="178180"/>
+              <a:ext cx="47829" cy="284416"/>
+            </a:xfrm>
+            <a:prstGeom prst="rect">
+              <a:avLst/>
+            </a:prstGeom>
+            <a:solidFill>
+              <a:srgbClr val="314865"/>
+            </a:solidFill>
+            <a:ln>
+              <a:solidFill>
+                <a:srgbClr val="314865"/>
+              </a:solidFill>
+            </a:ln>
+          </p:spPr>
+          <p:style>
+            <a:lnRef idx="2">
+              <a:schemeClr val="accent1">
+                <a:shade val="50000"/>
+              </a:schemeClr>
+            </a:lnRef>
+            <a:fillRef idx="1">
+              <a:schemeClr val="accent1"/>
+            </a:fillRef>
+            <a:effectRef idx="0">
+              <a:schemeClr val="accent1"/>
+            </a:effectRef>
+            <a:fontRef idx="minor">
+              <a:schemeClr val="lt1"/>
+            </a:fontRef>
+          </p:style>
+          <p:txBody>
+            <a:bodyPr rtlCol="0" anchor="ctr"/>
+            <a:lstStyle/>
+            <a:p>
+              <a:pPr algn="ctr"/>
+              <a:endParaRPr lang="zh-CN" altLang="en-US">
+                <a:latin typeface="Arial"/>
+                <a:ea typeface="微软雅黑"/>
+                <a:sym typeface="Arial"/>
+              </a:endParaRPr>
+            </a:p>
+          </p:txBody>
+        </p:sp>
+        <p:sp>
+          <p:nvSpPr>
+            <p:cNvPr id="6" name="矩形 5">
+              <a:extLst>
+                <a:ext uri="{FF2B5EF4-FFF2-40B4-BE49-F238E27FC236}">
+                  <a16:creationId xmlns:a16="http://schemas.microsoft.com/office/drawing/2014/main" id="{5200BB40-C5E8-4567-9961-5701880AA4C3}"/>
+                </a:ext>
+              </a:extLst>
+            </p:cNvPr>
+            <p:cNvSpPr/>
+            <p:nvPr/>
+          </p:nvSpPr>
+          <p:spPr>
+            <a:xfrm>
+              <a:off x="275779" y="252586"/>
+              <a:ext cx="47828" cy="210010"/>
+            </a:xfrm>
+            <a:prstGeom prst="rect">
+              <a:avLst/>
+            </a:prstGeom>
+            <a:solidFill>
+              <a:srgbClr val="314865"/>
+            </a:solidFill>
+            <a:ln>
+              <a:solidFill>
+                <a:srgbClr val="314865"/>
+              </a:solidFill>
+            </a:ln>
+          </p:spPr>
+          <p:style>
+            <a:lnRef idx="2">
+              <a:schemeClr val="accent1">
+                <a:shade val="50000"/>
+              </a:schemeClr>
+            </a:lnRef>
+            <a:fillRef idx="1">
+              <a:schemeClr val="accent1"/>
+            </a:fillRef>
+            <a:effectRef idx="0">
+              <a:schemeClr val="accent1"/>
+            </a:effectRef>
+            <a:fontRef idx="minor">
+              <a:schemeClr val="lt1"/>
+            </a:fontRef>
+          </p:style>
+          <p:txBody>
+            <a:bodyPr rtlCol="0" anchor="ctr"/>
+            <a:lstStyle/>
+            <a:p>
+              <a:pPr algn="ctr"/>
+              <a:endParaRPr lang="zh-CN" altLang="en-US">
+                <a:latin typeface="Arial"/>
+                <a:ea typeface="微软雅黑"/>
+                <a:sym typeface="Arial"/>
+              </a:endParaRPr>
+            </a:p>
+          </p:txBody>
+        </p:sp>
+        <p:sp>
+          <p:nvSpPr>
+            <p:cNvPr id="7" name="矩形 6">
+              <a:extLst>
+                <a:ext uri="{FF2B5EF4-FFF2-40B4-BE49-F238E27FC236}">
+                  <a16:creationId xmlns:a16="http://schemas.microsoft.com/office/drawing/2014/main" id="{C7337CD0-15D2-4B6A-B7C8-ECB73BCA560F}"/>
+                </a:ext>
+              </a:extLst>
+            </p:cNvPr>
+            <p:cNvSpPr/>
+            <p:nvPr/>
+          </p:nvSpPr>
+          <p:spPr>
+            <a:xfrm flipH="1">
+              <a:off x="377808" y="320388"/>
+              <a:ext cx="47827" cy="142208"/>
+            </a:xfrm>
+            <a:prstGeom prst="rect">
+              <a:avLst/>
+            </a:prstGeom>
+            <a:solidFill>
+              <a:srgbClr val="314865"/>
+            </a:solidFill>
+            <a:ln>
+              <a:solidFill>
+                <a:srgbClr val="314865"/>
+              </a:solidFill>
+            </a:ln>
+          </p:spPr>
+          <p:style>
+            <a:lnRef idx="2">
+              <a:schemeClr val="accent1">
+                <a:shade val="50000"/>
+              </a:schemeClr>
+            </a:lnRef>
+            <a:fillRef idx="1">
+              <a:schemeClr val="accent1"/>
+            </a:fillRef>
+            <a:effectRef idx="0">
+              <a:schemeClr val="accent1"/>
+            </a:effectRef>
+            <a:fontRef idx="minor">
+              <a:schemeClr val="lt1"/>
+            </a:fontRef>
+          </p:style>
+          <p:txBody>
+            <a:bodyPr rtlCol="0" anchor="ctr"/>
+            <a:lstStyle/>
+            <a:p>
+              <a:pPr algn="ctr"/>
+              <a:endParaRPr lang="zh-CN" altLang="en-US">
+                <a:latin typeface="Arial"/>
+                <a:ea typeface="微软雅黑"/>
+                <a:sym typeface="Arial"/>
+              </a:endParaRPr>
+            </a:p>
+          </p:txBody>
+        </p:sp>
+      </p:grpSp>
+      <p:grpSp>
+        <p:nvGrpSpPr>
+          <p:cNvPr id="11" name="组合 10">
+            <a:extLst>
+              <a:ext uri="{FF2B5EF4-FFF2-40B4-BE49-F238E27FC236}">
+                <a16:creationId xmlns:a16="http://schemas.microsoft.com/office/drawing/2014/main" id="{433C1A49-4920-47DB-9FEF-B7818C6DEB9C}"/>
+              </a:ext>
+            </a:extLst>
+          </p:cNvPr>
+          <p:cNvGrpSpPr/>
+          <p:nvPr/>
+        </p:nvGrpSpPr>
+        <p:grpSpPr>
+          <a:xfrm>
+            <a:off x="7688608" y="3936097"/>
+            <a:ext cx="2223554" cy="778181"/>
+            <a:chOff x="2616894" y="1249540"/>
+            <a:chExt cx="2223554" cy="778181"/>
+          </a:xfrm>
+        </p:grpSpPr>
+        <p:sp>
+          <p:nvSpPr>
+            <p:cNvPr id="8" name="矩形 7">
+              <a:extLst>
+                <a:ext uri="{FF2B5EF4-FFF2-40B4-BE49-F238E27FC236}">
+                  <a16:creationId xmlns:a16="http://schemas.microsoft.com/office/drawing/2014/main" id="{CAF73C16-7FD6-443D-BF5C-3744601F7882}"/>
+                </a:ext>
+              </a:extLst>
+            </p:cNvPr>
+            <p:cNvSpPr/>
+            <p:nvPr/>
+          </p:nvSpPr>
+          <p:spPr>
+            <a:xfrm>
+              <a:off x="2846335" y="1249540"/>
+              <a:ext cx="1994113" cy="778181"/>
+            </a:xfrm>
+            <a:prstGeom prst="rect">
+              <a:avLst/>
+            </a:prstGeom>
+            <a:solidFill>
+              <a:srgbClr val="00B0F0"/>
+            </a:solidFill>
+            <a:ln>
+              <a:solidFill>
+                <a:srgbClr val="00B0F0"/>
+              </a:solidFill>
+            </a:ln>
+          </p:spPr>
+          <p:style>
+            <a:lnRef idx="2">
+              <a:schemeClr val="accent3">
+                <a:shade val="50000"/>
+              </a:schemeClr>
+            </a:lnRef>
+            <a:fillRef idx="1">
+              <a:schemeClr val="accent3"/>
+            </a:fillRef>
+            <a:effectRef idx="0">
+              <a:schemeClr val="accent3"/>
+            </a:effectRef>
+            <a:fontRef idx="minor">
+              <a:schemeClr val="lt1"/>
+            </a:fontRef>
+          </p:style>
+          <p:txBody>
+            <a:bodyPr vert="horz" rtlCol="0" anchor="ctr"/>
+            <a:lstStyle/>
+            <a:p>
+              <a:pPr algn="ctr"/>
+              <a:r>
+                <a:rPr lang="en-US" altLang="zh-CN" dirty="0"/>
+                <a:t>pachira-oauth2</a:t>
+              </a:r>
+              <a:endParaRPr lang="zh-CN" altLang="en-US" dirty="0"/>
+            </a:p>
+          </p:txBody>
+        </p:sp>
+        <p:sp>
+          <p:nvSpPr>
+            <p:cNvPr id="9" name="矩形 8">
+              <a:extLst>
+                <a:ext uri="{FF2B5EF4-FFF2-40B4-BE49-F238E27FC236}">
+                  <a16:creationId xmlns:a16="http://schemas.microsoft.com/office/drawing/2014/main" id="{043C040F-1EB1-4810-A4F1-B40F19C28DDF}"/>
+                </a:ext>
+              </a:extLst>
+            </p:cNvPr>
+            <p:cNvSpPr/>
+            <p:nvPr/>
+          </p:nvSpPr>
+          <p:spPr>
+            <a:xfrm>
+              <a:off x="2616894" y="1384184"/>
+              <a:ext cx="352338" cy="184557"/>
+            </a:xfrm>
+            <a:prstGeom prst="rect">
+              <a:avLst/>
+            </a:prstGeom>
+            <a:solidFill>
+              <a:srgbClr val="00B0F0"/>
+            </a:solidFill>
+            <a:ln>
+              <a:solidFill>
+                <a:srgbClr val="00B0F0"/>
+              </a:solidFill>
+            </a:ln>
+          </p:spPr>
+          <p:style>
+            <a:lnRef idx="2">
+              <a:schemeClr val="accent3">
+                <a:shade val="50000"/>
+              </a:schemeClr>
+            </a:lnRef>
+            <a:fillRef idx="1">
+              <a:schemeClr val="accent3"/>
+            </a:fillRef>
+            <a:effectRef idx="0">
+              <a:schemeClr val="accent3"/>
+            </a:effectRef>
+            <a:fontRef idx="minor">
+              <a:schemeClr val="lt1"/>
+            </a:fontRef>
+          </p:style>
+          <p:txBody>
+            <a:bodyPr vert="horz" rtlCol="0" anchor="ctr"/>
+            <a:lstStyle/>
+            <a:p>
+              <a:pPr algn="ctr"/>
+              <a:endParaRPr lang="zh-CN" altLang="en-US"/>
+            </a:p>
+          </p:txBody>
+        </p:sp>
+        <p:sp>
+          <p:nvSpPr>
+            <p:cNvPr id="10" name="矩形 9">
+              <a:extLst>
+                <a:ext uri="{FF2B5EF4-FFF2-40B4-BE49-F238E27FC236}">
+                  <a16:creationId xmlns:a16="http://schemas.microsoft.com/office/drawing/2014/main" id="{604A9F75-D48C-49E1-AA5D-7B153BF6CE6D}"/>
+                </a:ext>
+              </a:extLst>
+            </p:cNvPr>
+            <p:cNvSpPr/>
+            <p:nvPr/>
+          </p:nvSpPr>
+          <p:spPr>
+            <a:xfrm>
+              <a:off x="2616894" y="1703385"/>
+              <a:ext cx="352338" cy="184557"/>
+            </a:xfrm>
+            <a:prstGeom prst="rect">
+              <a:avLst/>
+            </a:prstGeom>
+            <a:solidFill>
+              <a:srgbClr val="00B0F0"/>
+            </a:solidFill>
+            <a:ln>
+              <a:solidFill>
+                <a:srgbClr val="00B0F0"/>
+              </a:solidFill>
+            </a:ln>
+          </p:spPr>
+          <p:style>
+            <a:lnRef idx="2">
+              <a:schemeClr val="accent3">
+                <a:shade val="50000"/>
+              </a:schemeClr>
+            </a:lnRef>
+            <a:fillRef idx="1">
+              <a:schemeClr val="accent3"/>
+            </a:fillRef>
+            <a:effectRef idx="0">
+              <a:schemeClr val="accent3"/>
+            </a:effectRef>
+            <a:fontRef idx="minor">
+              <a:schemeClr val="lt1"/>
+            </a:fontRef>
+          </p:style>
+          <p:txBody>
+            <a:bodyPr rot="0" spcFirstLastPara="0" vertOverflow="overflow" horzOverflow="overflow" vert="horz" wrap="square" lIns="91440" tIns="45720" rIns="91440" bIns="45720" numCol="1" spcCol="0" rtlCol="0" fromWordArt="0" anchor="ctr" anchorCtr="0" forceAA="0" compatLnSpc="1">
+              <a:prstTxWarp prst="textNoShape">
+                <a:avLst/>
+              </a:prstTxWarp>
+              <a:noAutofit/>
+            </a:bodyPr>
+            <a:lstStyle/>
+            <a:p>
+              <a:pPr algn="ctr"/>
+              <a:endParaRPr lang="zh-CN" altLang="en-US"/>
+            </a:p>
+          </p:txBody>
+        </p:sp>
+      </p:grpSp>
+      <p:grpSp>
+        <p:nvGrpSpPr>
+          <p:cNvPr id="12" name="组合 11">
+            <a:extLst>
+              <a:ext uri="{FF2B5EF4-FFF2-40B4-BE49-F238E27FC236}">
+                <a16:creationId xmlns:a16="http://schemas.microsoft.com/office/drawing/2014/main" id="{3918F4D0-2E40-4E86-8B39-AEA08F51BC2E}"/>
+              </a:ext>
+            </a:extLst>
+          </p:cNvPr>
+          <p:cNvGrpSpPr/>
+          <p:nvPr/>
+        </p:nvGrpSpPr>
+        <p:grpSpPr>
+          <a:xfrm>
+            <a:off x="7688608" y="5749575"/>
+            <a:ext cx="2223554" cy="778181"/>
+            <a:chOff x="2616894" y="1249540"/>
+            <a:chExt cx="2223554" cy="778181"/>
+          </a:xfrm>
+        </p:grpSpPr>
+        <p:sp>
+          <p:nvSpPr>
+            <p:cNvPr id="13" name="矩形 12">
+              <a:extLst>
+                <a:ext uri="{FF2B5EF4-FFF2-40B4-BE49-F238E27FC236}">
+                  <a16:creationId xmlns:a16="http://schemas.microsoft.com/office/drawing/2014/main" id="{F57919AF-2F8E-421E-B149-FA233784121D}"/>
+                </a:ext>
+              </a:extLst>
+            </p:cNvPr>
+            <p:cNvSpPr/>
+            <p:nvPr/>
+          </p:nvSpPr>
+          <p:spPr>
+            <a:xfrm>
+              <a:off x="2846335" y="1249540"/>
+              <a:ext cx="1994113" cy="778181"/>
+            </a:xfrm>
+            <a:prstGeom prst="rect">
+              <a:avLst/>
+            </a:prstGeom>
+            <a:solidFill>
+              <a:srgbClr val="00B0F0"/>
+            </a:solidFill>
+            <a:ln>
+              <a:solidFill>
+                <a:srgbClr val="00B0F0"/>
+              </a:solidFill>
+            </a:ln>
+          </p:spPr>
+          <p:style>
+            <a:lnRef idx="2">
+              <a:schemeClr val="accent3">
+                <a:shade val="50000"/>
+              </a:schemeClr>
+            </a:lnRef>
+            <a:fillRef idx="1">
+              <a:schemeClr val="accent3"/>
+            </a:fillRef>
+            <a:effectRef idx="0">
+              <a:schemeClr val="accent3"/>
+            </a:effectRef>
+            <a:fontRef idx="minor">
+              <a:schemeClr val="lt1"/>
+            </a:fontRef>
+          </p:style>
+          <p:txBody>
+            <a:bodyPr vert="horz" rtlCol="0" anchor="ctr"/>
+            <a:lstStyle/>
+            <a:p>
+              <a:pPr algn="ctr"/>
+              <a:r>
+                <a:rPr lang="en-US" altLang="zh-CN" dirty="0" err="1"/>
+                <a:t>pachira</a:t>
+              </a:r>
+              <a:r>
+                <a:rPr lang="en-US" altLang="zh-CN" dirty="0"/>
+                <a:t>-party</a:t>
+              </a:r>
+              <a:endParaRPr lang="zh-CN" altLang="en-US" dirty="0"/>
+            </a:p>
+          </p:txBody>
+        </p:sp>
+        <p:sp>
+          <p:nvSpPr>
+            <p:cNvPr id="14" name="矩形 13">
+              <a:extLst>
+                <a:ext uri="{FF2B5EF4-FFF2-40B4-BE49-F238E27FC236}">
+                  <a16:creationId xmlns:a16="http://schemas.microsoft.com/office/drawing/2014/main" id="{B6536811-3443-4B9A-A82D-C857CB6C68BA}"/>
+                </a:ext>
+              </a:extLst>
+            </p:cNvPr>
+            <p:cNvSpPr/>
+            <p:nvPr/>
+          </p:nvSpPr>
+          <p:spPr>
+            <a:xfrm>
+              <a:off x="2616894" y="1384184"/>
+              <a:ext cx="352338" cy="184557"/>
+            </a:xfrm>
+            <a:prstGeom prst="rect">
+              <a:avLst/>
+            </a:prstGeom>
+            <a:solidFill>
+              <a:srgbClr val="00B0F0"/>
+            </a:solidFill>
+            <a:ln>
+              <a:solidFill>
+                <a:srgbClr val="00B0F0"/>
+              </a:solidFill>
+            </a:ln>
+          </p:spPr>
+          <p:style>
+            <a:lnRef idx="2">
+              <a:schemeClr val="accent3">
+                <a:shade val="50000"/>
+              </a:schemeClr>
+            </a:lnRef>
+            <a:fillRef idx="1">
+              <a:schemeClr val="accent3"/>
+            </a:fillRef>
+            <a:effectRef idx="0">
+              <a:schemeClr val="accent3"/>
+            </a:effectRef>
+            <a:fontRef idx="minor">
+              <a:schemeClr val="lt1"/>
+            </a:fontRef>
+          </p:style>
+          <p:txBody>
+            <a:bodyPr vert="horz" rtlCol="0" anchor="ctr"/>
+            <a:lstStyle/>
+            <a:p>
+              <a:pPr algn="ctr"/>
+              <a:endParaRPr lang="zh-CN" altLang="en-US"/>
+            </a:p>
+          </p:txBody>
+        </p:sp>
+        <p:sp>
+          <p:nvSpPr>
+            <p:cNvPr id="15" name="矩形 14">
+              <a:extLst>
+                <a:ext uri="{FF2B5EF4-FFF2-40B4-BE49-F238E27FC236}">
+                  <a16:creationId xmlns:a16="http://schemas.microsoft.com/office/drawing/2014/main" id="{7BEAD78C-6B3B-45AD-BF5A-0019F1CC654E}"/>
+                </a:ext>
+              </a:extLst>
+            </p:cNvPr>
+            <p:cNvSpPr/>
+            <p:nvPr/>
+          </p:nvSpPr>
+          <p:spPr>
+            <a:xfrm>
+              <a:off x="2616894" y="1703385"/>
+              <a:ext cx="352338" cy="184557"/>
+            </a:xfrm>
+            <a:prstGeom prst="rect">
+              <a:avLst/>
+            </a:prstGeom>
+            <a:solidFill>
+              <a:srgbClr val="00B0F0"/>
+            </a:solidFill>
+            <a:ln>
+              <a:solidFill>
+                <a:srgbClr val="00B0F0"/>
+              </a:solidFill>
+            </a:ln>
+          </p:spPr>
+          <p:style>
+            <a:lnRef idx="2">
+              <a:schemeClr val="accent3">
+                <a:shade val="50000"/>
+              </a:schemeClr>
+            </a:lnRef>
+            <a:fillRef idx="1">
+              <a:schemeClr val="accent3"/>
+            </a:fillRef>
+            <a:effectRef idx="0">
+              <a:schemeClr val="accent3"/>
+            </a:effectRef>
+            <a:fontRef idx="minor">
+              <a:schemeClr val="lt1"/>
+            </a:fontRef>
+          </p:style>
+          <p:txBody>
+            <a:bodyPr rot="0" spcFirstLastPara="0" vertOverflow="overflow" horzOverflow="overflow" vert="horz" wrap="square" lIns="91440" tIns="45720" rIns="91440" bIns="45720" numCol="1" spcCol="0" rtlCol="0" fromWordArt="0" anchor="ctr" anchorCtr="0" forceAA="0" compatLnSpc="1">
+              <a:prstTxWarp prst="textNoShape">
+                <a:avLst/>
+              </a:prstTxWarp>
+              <a:noAutofit/>
+            </a:bodyPr>
+            <a:lstStyle/>
+            <a:p>
+              <a:pPr algn="ctr"/>
+              <a:endParaRPr lang="zh-CN" altLang="en-US"/>
+            </a:p>
+          </p:txBody>
+        </p:sp>
+      </p:grpSp>
+      <p:grpSp>
+        <p:nvGrpSpPr>
+          <p:cNvPr id="16" name="组合 15">
+            <a:extLst>
+              <a:ext uri="{FF2B5EF4-FFF2-40B4-BE49-F238E27FC236}">
+                <a16:creationId xmlns:a16="http://schemas.microsoft.com/office/drawing/2014/main" id="{359BB9DD-0857-4568-BA38-CB3E6B64408B}"/>
+              </a:ext>
+            </a:extLst>
+          </p:cNvPr>
+          <p:cNvGrpSpPr/>
+          <p:nvPr/>
+        </p:nvGrpSpPr>
+        <p:grpSpPr>
+          <a:xfrm>
+            <a:off x="4292324" y="5819465"/>
+            <a:ext cx="2223554" cy="778181"/>
+            <a:chOff x="2616894" y="1249540"/>
+            <a:chExt cx="2223554" cy="778181"/>
+          </a:xfrm>
+        </p:grpSpPr>
+        <p:sp>
+          <p:nvSpPr>
+            <p:cNvPr id="17" name="矩形 16">
+              <a:extLst>
+                <a:ext uri="{FF2B5EF4-FFF2-40B4-BE49-F238E27FC236}">
+                  <a16:creationId xmlns:a16="http://schemas.microsoft.com/office/drawing/2014/main" id="{9EB1F06D-D944-4964-9F3F-0C1B96FCB9BD}"/>
+                </a:ext>
+              </a:extLst>
+            </p:cNvPr>
+            <p:cNvSpPr/>
+            <p:nvPr/>
+          </p:nvSpPr>
+          <p:spPr>
+            <a:xfrm>
+              <a:off x="2846335" y="1249540"/>
+              <a:ext cx="1994113" cy="778181"/>
+            </a:xfrm>
+            <a:prstGeom prst="rect">
+              <a:avLst/>
+            </a:prstGeom>
+            <a:solidFill>
+              <a:srgbClr val="00B0F0"/>
+            </a:solidFill>
+            <a:ln>
+              <a:solidFill>
+                <a:srgbClr val="00B0F0"/>
+              </a:solidFill>
+            </a:ln>
+          </p:spPr>
+          <p:style>
+            <a:lnRef idx="2">
+              <a:schemeClr val="accent3">
+                <a:shade val="50000"/>
+              </a:schemeClr>
+            </a:lnRef>
+            <a:fillRef idx="1">
+              <a:schemeClr val="accent3"/>
+            </a:fillRef>
+            <a:effectRef idx="0">
+              <a:schemeClr val="accent3"/>
+            </a:effectRef>
+            <a:fontRef idx="minor">
+              <a:schemeClr val="lt1"/>
+            </a:fontRef>
+          </p:style>
+          <p:txBody>
+            <a:bodyPr vert="horz" rtlCol="0" anchor="ctr"/>
+            <a:lstStyle/>
+            <a:p>
+              <a:pPr algn="ctr"/>
+              <a:r>
+                <a:rPr lang="en-US" altLang="zh-CN" dirty="0" err="1"/>
+                <a:t>pachira</a:t>
+              </a:r>
+              <a:r>
+                <a:rPr lang="en-US" altLang="zh-CN" dirty="0"/>
+                <a:t>-scheduler</a:t>
+              </a:r>
+              <a:endParaRPr lang="zh-CN" altLang="en-US" dirty="0"/>
+            </a:p>
+          </p:txBody>
+        </p:sp>
+        <p:sp>
+          <p:nvSpPr>
+            <p:cNvPr id="18" name="矩形 17">
+              <a:extLst>
+                <a:ext uri="{FF2B5EF4-FFF2-40B4-BE49-F238E27FC236}">
+                  <a16:creationId xmlns:a16="http://schemas.microsoft.com/office/drawing/2014/main" id="{2A591B08-F470-4E75-93C6-B5C9009F4D97}"/>
+                </a:ext>
+              </a:extLst>
+            </p:cNvPr>
+            <p:cNvSpPr/>
+            <p:nvPr/>
+          </p:nvSpPr>
+          <p:spPr>
+            <a:xfrm>
+              <a:off x="2616894" y="1384184"/>
+              <a:ext cx="352338" cy="184557"/>
+            </a:xfrm>
+            <a:prstGeom prst="rect">
+              <a:avLst/>
+            </a:prstGeom>
+            <a:solidFill>
+              <a:srgbClr val="00B0F0"/>
+            </a:solidFill>
+            <a:ln>
+              <a:solidFill>
+                <a:srgbClr val="00B0F0"/>
+              </a:solidFill>
+            </a:ln>
+          </p:spPr>
+          <p:style>
+            <a:lnRef idx="2">
+              <a:schemeClr val="accent3">
+                <a:shade val="50000"/>
+              </a:schemeClr>
+            </a:lnRef>
+            <a:fillRef idx="1">
+              <a:schemeClr val="accent3"/>
+            </a:fillRef>
+            <a:effectRef idx="0">
+              <a:schemeClr val="accent3"/>
+            </a:effectRef>
+            <a:fontRef idx="minor">
+              <a:schemeClr val="lt1"/>
+            </a:fontRef>
+          </p:style>
+          <p:txBody>
+            <a:bodyPr vert="horz" rtlCol="0" anchor="ctr"/>
+            <a:lstStyle/>
+            <a:p>
+              <a:pPr algn="ctr"/>
+              <a:endParaRPr lang="zh-CN" altLang="en-US"/>
+            </a:p>
+          </p:txBody>
+        </p:sp>
+        <p:sp>
+          <p:nvSpPr>
+            <p:cNvPr id="19" name="矩形 18">
+              <a:extLst>
+                <a:ext uri="{FF2B5EF4-FFF2-40B4-BE49-F238E27FC236}">
+                  <a16:creationId xmlns:a16="http://schemas.microsoft.com/office/drawing/2014/main" id="{E9C9B778-4A04-4D05-957E-127E125C03B6}"/>
+                </a:ext>
+              </a:extLst>
+            </p:cNvPr>
+            <p:cNvSpPr/>
+            <p:nvPr/>
+          </p:nvSpPr>
+          <p:spPr>
+            <a:xfrm>
+              <a:off x="2616894" y="1703385"/>
+              <a:ext cx="352338" cy="184557"/>
+            </a:xfrm>
+            <a:prstGeom prst="rect">
+              <a:avLst/>
+            </a:prstGeom>
+            <a:solidFill>
+              <a:srgbClr val="00B0F0"/>
+            </a:solidFill>
+            <a:ln>
+              <a:solidFill>
+                <a:srgbClr val="00B0F0"/>
+              </a:solidFill>
+            </a:ln>
+          </p:spPr>
+          <p:style>
+            <a:lnRef idx="2">
+              <a:schemeClr val="accent3">
+                <a:shade val="50000"/>
+              </a:schemeClr>
+            </a:lnRef>
+            <a:fillRef idx="1">
+              <a:schemeClr val="accent3"/>
+            </a:fillRef>
+            <a:effectRef idx="0">
+              <a:schemeClr val="accent3"/>
+            </a:effectRef>
+            <a:fontRef idx="minor">
+              <a:schemeClr val="lt1"/>
+            </a:fontRef>
+          </p:style>
+          <p:txBody>
+            <a:bodyPr rot="0" spcFirstLastPara="0" vertOverflow="overflow" horzOverflow="overflow" vert="horz" wrap="square" lIns="91440" tIns="45720" rIns="91440" bIns="45720" numCol="1" spcCol="0" rtlCol="0" fromWordArt="0" anchor="ctr" anchorCtr="0" forceAA="0" compatLnSpc="1">
+              <a:prstTxWarp prst="textNoShape">
+                <a:avLst/>
+              </a:prstTxWarp>
+              <a:noAutofit/>
+            </a:bodyPr>
+            <a:lstStyle/>
+            <a:p>
+              <a:pPr algn="ctr"/>
+              <a:endParaRPr lang="zh-CN" altLang="en-US"/>
+            </a:p>
+          </p:txBody>
+        </p:sp>
+      </p:grpSp>
+      <p:cxnSp>
+        <p:nvCxnSpPr>
+          <p:cNvPr id="21" name="直接箭头连接符 20">
+            <a:extLst>
+              <a:ext uri="{FF2B5EF4-FFF2-40B4-BE49-F238E27FC236}">
+                <a16:creationId xmlns:a16="http://schemas.microsoft.com/office/drawing/2014/main" id="{63475E8C-7D87-4E45-976D-07650B3C7A8B}"/>
+              </a:ext>
+            </a:extLst>
+          </p:cNvPr>
+          <p:cNvCxnSpPr>
+            <a:cxnSpLocks/>
+            <a:stCxn id="8" idx="2"/>
+            <a:endCxn id="13" idx="0"/>
+          </p:cNvCxnSpPr>
+          <p:nvPr/>
+        </p:nvCxnSpPr>
+        <p:spPr>
+          <a:xfrm>
+            <a:off x="8915106" y="4714278"/>
+            <a:ext cx="0" cy="1035297"/>
+          </a:xfrm>
+          <a:prstGeom prst="straightConnector1">
+            <a:avLst/>
+          </a:prstGeom>
+          <a:ln w="15875">
+            <a:solidFill>
+              <a:schemeClr val="tx2"/>
+            </a:solidFill>
+            <a:prstDash val="dash"/>
+            <a:tailEnd type="arrow"/>
+          </a:ln>
+        </p:spPr>
+        <p:style>
+          <a:lnRef idx="1">
+            <a:schemeClr val="dk1"/>
+          </a:lnRef>
+          <a:fillRef idx="0">
+            <a:schemeClr val="dk1"/>
+          </a:fillRef>
+          <a:effectRef idx="0">
+            <a:schemeClr val="dk1"/>
+          </a:effectRef>
+          <a:fontRef idx="minor">
+            <a:schemeClr val="tx1"/>
+          </a:fontRef>
+        </p:style>
+      </p:cxnSp>
+      <p:grpSp>
+        <p:nvGrpSpPr>
+          <p:cNvPr id="23" name="组合 22">
+            <a:extLst>
+              <a:ext uri="{FF2B5EF4-FFF2-40B4-BE49-F238E27FC236}">
+                <a16:creationId xmlns:a16="http://schemas.microsoft.com/office/drawing/2014/main" id="{88A9A8EF-1C26-416C-B6C0-33207176C8CB}"/>
+              </a:ext>
+            </a:extLst>
+          </p:cNvPr>
+          <p:cNvGrpSpPr/>
+          <p:nvPr/>
+        </p:nvGrpSpPr>
+        <p:grpSpPr>
+          <a:xfrm>
+            <a:off x="4292324" y="3952950"/>
+            <a:ext cx="2223554" cy="778181"/>
+            <a:chOff x="2616894" y="1249540"/>
+            <a:chExt cx="2223554" cy="778181"/>
+          </a:xfrm>
+        </p:grpSpPr>
+        <p:sp>
+          <p:nvSpPr>
+            <p:cNvPr id="24" name="矩形 23">
+              <a:extLst>
+                <a:ext uri="{FF2B5EF4-FFF2-40B4-BE49-F238E27FC236}">
+                  <a16:creationId xmlns:a16="http://schemas.microsoft.com/office/drawing/2014/main" id="{243685FF-C12D-42C4-A3CA-BDD2FCE6D38B}"/>
+                </a:ext>
+              </a:extLst>
+            </p:cNvPr>
+            <p:cNvSpPr/>
+            <p:nvPr/>
+          </p:nvSpPr>
+          <p:spPr>
+            <a:xfrm>
+              <a:off x="2846335" y="1249540"/>
+              <a:ext cx="1994113" cy="778181"/>
+            </a:xfrm>
+            <a:prstGeom prst="rect">
+              <a:avLst/>
+            </a:prstGeom>
+            <a:solidFill>
+              <a:srgbClr val="00B0F0"/>
+            </a:solidFill>
+            <a:ln>
+              <a:solidFill>
+                <a:srgbClr val="00B0F0"/>
+              </a:solidFill>
+            </a:ln>
+          </p:spPr>
+          <p:style>
+            <a:lnRef idx="2">
+              <a:schemeClr val="accent3">
+                <a:shade val="50000"/>
+              </a:schemeClr>
+            </a:lnRef>
+            <a:fillRef idx="1">
+              <a:schemeClr val="accent3"/>
+            </a:fillRef>
+            <a:effectRef idx="0">
+              <a:schemeClr val="accent3"/>
+            </a:effectRef>
+            <a:fontRef idx="minor">
+              <a:schemeClr val="lt1"/>
+            </a:fontRef>
+          </p:style>
+          <p:txBody>
+            <a:bodyPr vert="horz" rtlCol="0" anchor="ctr"/>
+            <a:lstStyle/>
+            <a:p>
+              <a:pPr algn="ctr"/>
+              <a:r>
+                <a:rPr lang="en-US" altLang="zh-CN" dirty="0" err="1"/>
+                <a:t>pachira-zuul</a:t>
+              </a:r>
+              <a:endParaRPr lang="zh-CN" altLang="en-US" dirty="0"/>
+            </a:p>
+          </p:txBody>
+        </p:sp>
+        <p:sp>
+          <p:nvSpPr>
+            <p:cNvPr id="25" name="矩形 24">
+              <a:extLst>
+                <a:ext uri="{FF2B5EF4-FFF2-40B4-BE49-F238E27FC236}">
+                  <a16:creationId xmlns:a16="http://schemas.microsoft.com/office/drawing/2014/main" id="{B68C1F3A-B5CC-44B7-80D5-CE240314BC97}"/>
+                </a:ext>
+              </a:extLst>
+            </p:cNvPr>
+            <p:cNvSpPr/>
+            <p:nvPr/>
+          </p:nvSpPr>
+          <p:spPr>
+            <a:xfrm>
+              <a:off x="2616894" y="1384184"/>
+              <a:ext cx="352338" cy="184557"/>
+            </a:xfrm>
+            <a:prstGeom prst="rect">
+              <a:avLst/>
+            </a:prstGeom>
+            <a:solidFill>
+              <a:srgbClr val="00B0F0"/>
+            </a:solidFill>
+            <a:ln>
+              <a:solidFill>
+                <a:srgbClr val="00B0F0"/>
+              </a:solidFill>
+            </a:ln>
+          </p:spPr>
+          <p:style>
+            <a:lnRef idx="2">
+              <a:schemeClr val="accent3">
+                <a:shade val="50000"/>
+              </a:schemeClr>
+            </a:lnRef>
+            <a:fillRef idx="1">
+              <a:schemeClr val="accent3"/>
+            </a:fillRef>
+            <a:effectRef idx="0">
+              <a:schemeClr val="accent3"/>
+            </a:effectRef>
+            <a:fontRef idx="minor">
+              <a:schemeClr val="lt1"/>
+            </a:fontRef>
+          </p:style>
+          <p:txBody>
+            <a:bodyPr vert="horz" rtlCol="0" anchor="ctr"/>
+            <a:lstStyle/>
+            <a:p>
+              <a:pPr algn="ctr"/>
+              <a:endParaRPr lang="zh-CN" altLang="en-US"/>
+            </a:p>
+          </p:txBody>
+        </p:sp>
+        <p:sp>
+          <p:nvSpPr>
+            <p:cNvPr id="26" name="矩形 25">
+              <a:extLst>
+                <a:ext uri="{FF2B5EF4-FFF2-40B4-BE49-F238E27FC236}">
+                  <a16:creationId xmlns:a16="http://schemas.microsoft.com/office/drawing/2014/main" id="{B98F09D1-CD91-4FED-ADCF-12BA50E572AC}"/>
+                </a:ext>
+              </a:extLst>
+            </p:cNvPr>
+            <p:cNvSpPr/>
+            <p:nvPr/>
+          </p:nvSpPr>
+          <p:spPr>
+            <a:xfrm>
+              <a:off x="2616894" y="1703385"/>
+              <a:ext cx="352338" cy="184557"/>
+            </a:xfrm>
+            <a:prstGeom prst="rect">
+              <a:avLst/>
+            </a:prstGeom>
+            <a:solidFill>
+              <a:srgbClr val="00B0F0"/>
+            </a:solidFill>
+            <a:ln>
+              <a:solidFill>
+                <a:srgbClr val="00B0F0"/>
+              </a:solidFill>
+            </a:ln>
+          </p:spPr>
+          <p:style>
+            <a:lnRef idx="2">
+              <a:schemeClr val="accent3">
+                <a:shade val="50000"/>
+              </a:schemeClr>
+            </a:lnRef>
+            <a:fillRef idx="1">
+              <a:schemeClr val="accent3"/>
+            </a:fillRef>
+            <a:effectRef idx="0">
+              <a:schemeClr val="accent3"/>
+            </a:effectRef>
+            <a:fontRef idx="minor">
+              <a:schemeClr val="lt1"/>
+            </a:fontRef>
+          </p:style>
+          <p:txBody>
+            <a:bodyPr rot="0" spcFirstLastPara="0" vertOverflow="overflow" horzOverflow="overflow" vert="horz" wrap="square" lIns="91440" tIns="45720" rIns="91440" bIns="45720" numCol="1" spcCol="0" rtlCol="0" fromWordArt="0" anchor="ctr" anchorCtr="0" forceAA="0" compatLnSpc="1">
+              <a:prstTxWarp prst="textNoShape">
+                <a:avLst/>
+              </a:prstTxWarp>
+              <a:noAutofit/>
+            </a:bodyPr>
+            <a:lstStyle/>
+            <a:p>
+              <a:pPr algn="ctr"/>
+              <a:endParaRPr lang="zh-CN" altLang="en-US"/>
+            </a:p>
+          </p:txBody>
+        </p:sp>
+      </p:grpSp>
+      <p:grpSp>
+        <p:nvGrpSpPr>
+          <p:cNvPr id="27" name="组合 26">
+            <a:extLst>
+              <a:ext uri="{FF2B5EF4-FFF2-40B4-BE49-F238E27FC236}">
+                <a16:creationId xmlns:a16="http://schemas.microsoft.com/office/drawing/2014/main" id="{8863B948-AEA0-4571-A365-955E79318407}"/>
+              </a:ext>
+            </a:extLst>
+          </p:cNvPr>
+          <p:cNvGrpSpPr/>
+          <p:nvPr/>
+        </p:nvGrpSpPr>
+        <p:grpSpPr>
+          <a:xfrm>
+            <a:off x="4292324" y="2519514"/>
+            <a:ext cx="2223554" cy="778181"/>
+            <a:chOff x="2616894" y="1249540"/>
+            <a:chExt cx="2223554" cy="778181"/>
+          </a:xfrm>
+        </p:grpSpPr>
+        <p:sp>
+          <p:nvSpPr>
+            <p:cNvPr id="28" name="矩形 27">
+              <a:extLst>
+                <a:ext uri="{FF2B5EF4-FFF2-40B4-BE49-F238E27FC236}">
+                  <a16:creationId xmlns:a16="http://schemas.microsoft.com/office/drawing/2014/main" id="{6D81A306-BEB2-4413-803D-F88F35630016}"/>
+                </a:ext>
+              </a:extLst>
+            </p:cNvPr>
+            <p:cNvSpPr/>
+            <p:nvPr/>
+          </p:nvSpPr>
+          <p:spPr>
+            <a:xfrm>
+              <a:off x="2846335" y="1249540"/>
+              <a:ext cx="1994113" cy="778181"/>
+            </a:xfrm>
+            <a:prstGeom prst="rect">
+              <a:avLst/>
+            </a:prstGeom>
+            <a:solidFill>
+              <a:srgbClr val="00B0F0"/>
+            </a:solidFill>
+            <a:ln>
+              <a:solidFill>
+                <a:srgbClr val="00B0F0"/>
+              </a:solidFill>
+            </a:ln>
+          </p:spPr>
+          <p:style>
+            <a:lnRef idx="2">
+              <a:schemeClr val="accent3">
+                <a:shade val="50000"/>
+              </a:schemeClr>
+            </a:lnRef>
+            <a:fillRef idx="1">
+              <a:schemeClr val="accent3"/>
+            </a:fillRef>
+            <a:effectRef idx="0">
+              <a:schemeClr val="accent3"/>
+            </a:effectRef>
+            <a:fontRef idx="minor">
+              <a:schemeClr val="lt1"/>
+            </a:fontRef>
+          </p:style>
+          <p:txBody>
+            <a:bodyPr vert="horz" rtlCol="0" anchor="ctr"/>
+            <a:lstStyle/>
+            <a:p>
+              <a:pPr algn="ctr"/>
+              <a:r>
+                <a:rPr lang="en-US" altLang="zh-CN" dirty="0"/>
+                <a:t>nginx1</a:t>
+              </a:r>
+            </a:p>
+          </p:txBody>
+        </p:sp>
+        <p:sp>
+          <p:nvSpPr>
+            <p:cNvPr id="29" name="矩形 28">
+              <a:extLst>
+                <a:ext uri="{FF2B5EF4-FFF2-40B4-BE49-F238E27FC236}">
+                  <a16:creationId xmlns:a16="http://schemas.microsoft.com/office/drawing/2014/main" id="{57B98F46-E205-4ECE-9A02-7FD8046DF56A}"/>
+                </a:ext>
+              </a:extLst>
+            </p:cNvPr>
+            <p:cNvSpPr/>
+            <p:nvPr/>
+          </p:nvSpPr>
+          <p:spPr>
+            <a:xfrm>
+              <a:off x="2616894" y="1384184"/>
+              <a:ext cx="352338" cy="184557"/>
+            </a:xfrm>
+            <a:prstGeom prst="rect">
+              <a:avLst/>
+            </a:prstGeom>
+            <a:solidFill>
+              <a:srgbClr val="00B0F0"/>
+            </a:solidFill>
+            <a:ln>
+              <a:solidFill>
+                <a:srgbClr val="00B0F0"/>
+              </a:solidFill>
+            </a:ln>
+          </p:spPr>
+          <p:style>
+            <a:lnRef idx="2">
+              <a:schemeClr val="accent3">
+                <a:shade val="50000"/>
+              </a:schemeClr>
+            </a:lnRef>
+            <a:fillRef idx="1">
+              <a:schemeClr val="accent3"/>
+            </a:fillRef>
+            <a:effectRef idx="0">
+              <a:schemeClr val="accent3"/>
+            </a:effectRef>
+            <a:fontRef idx="minor">
+              <a:schemeClr val="lt1"/>
+            </a:fontRef>
+          </p:style>
+          <p:txBody>
+            <a:bodyPr vert="horz" rtlCol="0" anchor="ctr"/>
+            <a:lstStyle/>
+            <a:p>
+              <a:pPr algn="ctr"/>
+              <a:endParaRPr lang="zh-CN" altLang="en-US"/>
+            </a:p>
+          </p:txBody>
+        </p:sp>
+        <p:sp>
+          <p:nvSpPr>
+            <p:cNvPr id="30" name="矩形 29">
+              <a:extLst>
+                <a:ext uri="{FF2B5EF4-FFF2-40B4-BE49-F238E27FC236}">
+                  <a16:creationId xmlns:a16="http://schemas.microsoft.com/office/drawing/2014/main" id="{2320428F-A457-4A16-AB2E-D7D0ABF1A5AD}"/>
+                </a:ext>
+              </a:extLst>
+            </p:cNvPr>
+            <p:cNvSpPr/>
+            <p:nvPr/>
+          </p:nvSpPr>
+          <p:spPr>
+            <a:xfrm>
+              <a:off x="2616894" y="1703385"/>
+              <a:ext cx="352338" cy="184557"/>
+            </a:xfrm>
+            <a:prstGeom prst="rect">
+              <a:avLst/>
+            </a:prstGeom>
+            <a:solidFill>
+              <a:srgbClr val="00B0F0"/>
+            </a:solidFill>
+            <a:ln>
+              <a:solidFill>
+                <a:srgbClr val="00B0F0"/>
+              </a:solidFill>
+            </a:ln>
+          </p:spPr>
+          <p:style>
+            <a:lnRef idx="2">
+              <a:schemeClr val="accent3">
+                <a:shade val="50000"/>
+              </a:schemeClr>
+            </a:lnRef>
+            <a:fillRef idx="1">
+              <a:schemeClr val="accent3"/>
+            </a:fillRef>
+            <a:effectRef idx="0">
+              <a:schemeClr val="accent3"/>
+            </a:effectRef>
+            <a:fontRef idx="minor">
+              <a:schemeClr val="lt1"/>
+            </a:fontRef>
+          </p:style>
+          <p:txBody>
+            <a:bodyPr rot="0" spcFirstLastPara="0" vertOverflow="overflow" horzOverflow="overflow" vert="horz" wrap="square" lIns="91440" tIns="45720" rIns="91440" bIns="45720" numCol="1" spcCol="0" rtlCol="0" fromWordArt="0" anchor="ctr" anchorCtr="0" forceAA="0" compatLnSpc="1">
+              <a:prstTxWarp prst="textNoShape">
+                <a:avLst/>
+              </a:prstTxWarp>
+              <a:noAutofit/>
+            </a:bodyPr>
+            <a:lstStyle/>
+            <a:p>
+              <a:pPr algn="ctr"/>
+              <a:endParaRPr lang="zh-CN" altLang="en-US"/>
+            </a:p>
+          </p:txBody>
+        </p:sp>
+      </p:grpSp>
+      <p:cxnSp>
+        <p:nvCxnSpPr>
+          <p:cNvPr id="31" name="直接箭头连接符 30">
+            <a:extLst>
+              <a:ext uri="{FF2B5EF4-FFF2-40B4-BE49-F238E27FC236}">
+                <a16:creationId xmlns:a16="http://schemas.microsoft.com/office/drawing/2014/main" id="{A010CA61-5CBC-4387-AD7E-E2C1C3EF2F58}"/>
+              </a:ext>
+            </a:extLst>
+          </p:cNvPr>
+          <p:cNvCxnSpPr>
+            <a:cxnSpLocks/>
+            <a:stCxn id="28" idx="2"/>
+            <a:endCxn id="24" idx="0"/>
+          </p:cNvCxnSpPr>
+          <p:nvPr/>
+        </p:nvCxnSpPr>
+        <p:spPr>
+          <a:xfrm>
+            <a:off x="5518822" y="3297695"/>
+            <a:ext cx="0" cy="655255"/>
+          </a:xfrm>
+          <a:prstGeom prst="straightConnector1">
+            <a:avLst/>
+          </a:prstGeom>
+          <a:ln w="15875">
+            <a:solidFill>
+              <a:schemeClr val="tx2"/>
+            </a:solidFill>
+            <a:prstDash val="dash"/>
+            <a:tailEnd type="arrow"/>
+          </a:ln>
+        </p:spPr>
+        <p:style>
+          <a:lnRef idx="1">
+            <a:schemeClr val="dk1"/>
+          </a:lnRef>
+          <a:fillRef idx="0">
+            <a:schemeClr val="dk1"/>
+          </a:fillRef>
+          <a:effectRef idx="0">
+            <a:schemeClr val="dk1"/>
+          </a:effectRef>
+          <a:fontRef idx="minor">
+            <a:schemeClr val="tx1"/>
+          </a:fontRef>
+        </p:style>
+      </p:cxnSp>
+      <p:cxnSp>
+        <p:nvCxnSpPr>
+          <p:cNvPr id="34" name="直接箭头连接符 33">
+            <a:extLst>
+              <a:ext uri="{FF2B5EF4-FFF2-40B4-BE49-F238E27FC236}">
+                <a16:creationId xmlns:a16="http://schemas.microsoft.com/office/drawing/2014/main" id="{423BE25C-5766-40CE-B21C-ABD6F5D786CF}"/>
+              </a:ext>
+            </a:extLst>
+          </p:cNvPr>
+          <p:cNvCxnSpPr>
+            <a:cxnSpLocks/>
+            <a:stCxn id="24" idx="3"/>
+            <a:endCxn id="8" idx="1"/>
+          </p:cNvCxnSpPr>
+          <p:nvPr/>
+        </p:nvCxnSpPr>
+        <p:spPr>
+          <a:xfrm flipV="1">
+            <a:off x="6515878" y="4325188"/>
+            <a:ext cx="1402171" cy="16853"/>
+          </a:xfrm>
+          <a:prstGeom prst="straightConnector1">
+            <a:avLst/>
+          </a:prstGeom>
+          <a:ln w="15875">
+            <a:solidFill>
+              <a:schemeClr val="tx2"/>
+            </a:solidFill>
+            <a:prstDash val="dash"/>
+            <a:tailEnd type="arrow"/>
+          </a:ln>
+        </p:spPr>
+        <p:style>
+          <a:lnRef idx="1">
+            <a:schemeClr val="dk1"/>
+          </a:lnRef>
+          <a:fillRef idx="0">
+            <a:schemeClr val="dk1"/>
+          </a:fillRef>
+          <a:effectRef idx="0">
+            <a:schemeClr val="dk1"/>
+          </a:effectRef>
+          <a:fontRef idx="minor">
+            <a:schemeClr val="tx1"/>
+          </a:fontRef>
+        </p:style>
+      </p:cxnSp>
+      <p:cxnSp>
+        <p:nvCxnSpPr>
+          <p:cNvPr id="37" name="直接箭头连接符 36">
+            <a:extLst>
+              <a:ext uri="{FF2B5EF4-FFF2-40B4-BE49-F238E27FC236}">
+                <a16:creationId xmlns:a16="http://schemas.microsoft.com/office/drawing/2014/main" id="{58CD47D5-462F-4204-8BD5-D6606D0192E4}"/>
+              </a:ext>
+            </a:extLst>
+          </p:cNvPr>
+          <p:cNvCxnSpPr>
+            <a:cxnSpLocks/>
+            <a:stCxn id="24" idx="2"/>
+            <a:endCxn id="13" idx="0"/>
+          </p:cNvCxnSpPr>
+          <p:nvPr/>
+        </p:nvCxnSpPr>
+        <p:spPr>
+          <a:xfrm>
+            <a:off x="5518822" y="4731131"/>
+            <a:ext cx="3396284" cy="1018444"/>
+          </a:xfrm>
+          <a:prstGeom prst="straightConnector1">
+            <a:avLst/>
+          </a:prstGeom>
+          <a:ln w="15875">
+            <a:solidFill>
+              <a:schemeClr val="tx2"/>
+            </a:solidFill>
+            <a:prstDash val="dash"/>
+            <a:tailEnd type="arrow"/>
+          </a:ln>
+        </p:spPr>
+        <p:style>
+          <a:lnRef idx="1">
+            <a:schemeClr val="dk1"/>
+          </a:lnRef>
+          <a:fillRef idx="0">
+            <a:schemeClr val="dk1"/>
+          </a:fillRef>
+          <a:effectRef idx="0">
+            <a:schemeClr val="dk1"/>
+          </a:effectRef>
+          <a:fontRef idx="minor">
+            <a:schemeClr val="tx1"/>
+          </a:fontRef>
+        </p:style>
+      </p:cxnSp>
+      <p:cxnSp>
+        <p:nvCxnSpPr>
+          <p:cNvPr id="41" name="直接箭头连接符 40">
+            <a:extLst>
+              <a:ext uri="{FF2B5EF4-FFF2-40B4-BE49-F238E27FC236}">
+                <a16:creationId xmlns:a16="http://schemas.microsoft.com/office/drawing/2014/main" id="{E9F27F22-B389-4AAF-9F29-CA82FD402791}"/>
+              </a:ext>
+            </a:extLst>
+          </p:cNvPr>
+          <p:cNvCxnSpPr>
+            <a:cxnSpLocks/>
+            <a:stCxn id="24" idx="2"/>
+            <a:endCxn id="17" idx="0"/>
+          </p:cNvCxnSpPr>
+          <p:nvPr/>
+        </p:nvCxnSpPr>
+        <p:spPr>
+          <a:xfrm>
+            <a:off x="5518822" y="4731131"/>
+            <a:ext cx="0" cy="1088334"/>
+          </a:xfrm>
+          <a:prstGeom prst="straightConnector1">
+            <a:avLst/>
+          </a:prstGeom>
+          <a:ln w="15875">
+            <a:solidFill>
+              <a:schemeClr val="tx2"/>
+            </a:solidFill>
+            <a:prstDash val="dash"/>
+            <a:tailEnd type="arrow"/>
+          </a:ln>
+        </p:spPr>
+        <p:style>
+          <a:lnRef idx="1">
+            <a:schemeClr val="dk1"/>
+          </a:lnRef>
+          <a:fillRef idx="0">
+            <a:schemeClr val="dk1"/>
+          </a:fillRef>
+          <a:effectRef idx="0">
+            <a:schemeClr val="dk1"/>
+          </a:effectRef>
+          <a:fontRef idx="minor">
+            <a:schemeClr val="tx1"/>
+          </a:fontRef>
+        </p:style>
+      </p:cxnSp>
+      <p:grpSp>
+        <p:nvGrpSpPr>
+          <p:cNvPr id="50" name="组合 49">
+            <a:extLst>
+              <a:ext uri="{FF2B5EF4-FFF2-40B4-BE49-F238E27FC236}">
+                <a16:creationId xmlns:a16="http://schemas.microsoft.com/office/drawing/2014/main" id="{F3A5756F-50EF-4501-9843-6E69D70D29A9}"/>
+              </a:ext>
+            </a:extLst>
+          </p:cNvPr>
+          <p:cNvGrpSpPr/>
+          <p:nvPr/>
+        </p:nvGrpSpPr>
+        <p:grpSpPr>
+          <a:xfrm>
+            <a:off x="5850760" y="497498"/>
+            <a:ext cx="2223554" cy="778181"/>
+            <a:chOff x="2616894" y="1249540"/>
+            <a:chExt cx="2223554" cy="778181"/>
+          </a:xfrm>
+        </p:grpSpPr>
+        <p:sp>
+          <p:nvSpPr>
+            <p:cNvPr id="51" name="矩形 50">
+              <a:extLst>
+                <a:ext uri="{FF2B5EF4-FFF2-40B4-BE49-F238E27FC236}">
+                  <a16:creationId xmlns:a16="http://schemas.microsoft.com/office/drawing/2014/main" id="{D8209FF2-0899-46FC-91BB-3C9E634FB586}"/>
+                </a:ext>
+              </a:extLst>
+            </p:cNvPr>
+            <p:cNvSpPr/>
+            <p:nvPr/>
+          </p:nvSpPr>
+          <p:spPr>
+            <a:xfrm>
+              <a:off x="2846335" y="1249540"/>
+              <a:ext cx="1994113" cy="778181"/>
+            </a:xfrm>
+            <a:prstGeom prst="rect">
+              <a:avLst/>
+            </a:prstGeom>
+            <a:solidFill>
+              <a:srgbClr val="00B0F0"/>
+            </a:solidFill>
+            <a:ln>
+              <a:solidFill>
+                <a:srgbClr val="00B0F0"/>
+              </a:solidFill>
+            </a:ln>
+          </p:spPr>
+          <p:style>
+            <a:lnRef idx="2">
+              <a:schemeClr val="accent3">
+                <a:shade val="50000"/>
+              </a:schemeClr>
+            </a:lnRef>
+            <a:fillRef idx="1">
+              <a:schemeClr val="accent3"/>
+            </a:fillRef>
+            <a:effectRef idx="0">
+              <a:schemeClr val="accent3"/>
+            </a:effectRef>
+            <a:fontRef idx="minor">
+              <a:schemeClr val="lt1"/>
+            </a:fontRef>
+          </p:style>
+          <p:txBody>
+            <a:bodyPr vert="horz" rtlCol="0" anchor="ctr"/>
+            <a:lstStyle/>
+            <a:p>
+              <a:pPr algn="ctr"/>
+              <a:r>
+                <a:rPr lang="en-US" altLang="zh-CN" dirty="0" err="1"/>
+                <a:t>pachira-ui</a:t>
+              </a:r>
+              <a:endParaRPr lang="en-US" altLang="zh-CN" dirty="0"/>
+            </a:p>
+            <a:p>
+              <a:pPr algn="ctr"/>
+              <a:r>
+                <a:rPr lang="en-US" altLang="zh-CN" dirty="0"/>
+                <a:t>ReactJS</a:t>
+              </a:r>
+              <a:endParaRPr lang="zh-CN" altLang="en-US" dirty="0"/>
+            </a:p>
+          </p:txBody>
+        </p:sp>
+        <p:sp>
+          <p:nvSpPr>
+            <p:cNvPr id="52" name="矩形 51">
+              <a:extLst>
+                <a:ext uri="{FF2B5EF4-FFF2-40B4-BE49-F238E27FC236}">
+                  <a16:creationId xmlns:a16="http://schemas.microsoft.com/office/drawing/2014/main" id="{E225443E-5383-4135-84C7-06691A3CE9EA}"/>
+                </a:ext>
+              </a:extLst>
+            </p:cNvPr>
+            <p:cNvSpPr/>
+            <p:nvPr/>
+          </p:nvSpPr>
+          <p:spPr>
+            <a:xfrm>
+              <a:off x="2616894" y="1384184"/>
+              <a:ext cx="352338" cy="184557"/>
+            </a:xfrm>
+            <a:prstGeom prst="rect">
+              <a:avLst/>
+            </a:prstGeom>
+            <a:solidFill>
+              <a:srgbClr val="00B0F0"/>
+            </a:solidFill>
+            <a:ln>
+              <a:solidFill>
+                <a:srgbClr val="00B0F0"/>
+              </a:solidFill>
+            </a:ln>
+          </p:spPr>
+          <p:style>
+            <a:lnRef idx="2">
+              <a:schemeClr val="accent3">
+                <a:shade val="50000"/>
+              </a:schemeClr>
+            </a:lnRef>
+            <a:fillRef idx="1">
+              <a:schemeClr val="accent3"/>
+            </a:fillRef>
+            <a:effectRef idx="0">
+              <a:schemeClr val="accent3"/>
+            </a:effectRef>
+            <a:fontRef idx="minor">
+              <a:schemeClr val="lt1"/>
+            </a:fontRef>
+          </p:style>
+          <p:txBody>
+            <a:bodyPr vert="horz" rtlCol="0" anchor="ctr"/>
+            <a:lstStyle/>
+            <a:p>
+              <a:pPr algn="ctr"/>
+              <a:endParaRPr lang="zh-CN" altLang="en-US"/>
+            </a:p>
+          </p:txBody>
+        </p:sp>
+        <p:sp>
+          <p:nvSpPr>
+            <p:cNvPr id="53" name="矩形 52">
+              <a:extLst>
+                <a:ext uri="{FF2B5EF4-FFF2-40B4-BE49-F238E27FC236}">
+                  <a16:creationId xmlns:a16="http://schemas.microsoft.com/office/drawing/2014/main" id="{4D78200C-A6B3-481D-91FD-CF4E4AB2846D}"/>
+                </a:ext>
+              </a:extLst>
+            </p:cNvPr>
+            <p:cNvSpPr/>
+            <p:nvPr/>
+          </p:nvSpPr>
+          <p:spPr>
+            <a:xfrm>
+              <a:off x="2616894" y="1703385"/>
+              <a:ext cx="352338" cy="184557"/>
+            </a:xfrm>
+            <a:prstGeom prst="rect">
+              <a:avLst/>
+            </a:prstGeom>
+            <a:solidFill>
+              <a:srgbClr val="00B0F0"/>
+            </a:solidFill>
+            <a:ln>
+              <a:solidFill>
+                <a:srgbClr val="00B0F0"/>
+              </a:solidFill>
+            </a:ln>
+          </p:spPr>
+          <p:style>
+            <a:lnRef idx="2">
+              <a:schemeClr val="accent3">
+                <a:shade val="50000"/>
+              </a:schemeClr>
+            </a:lnRef>
+            <a:fillRef idx="1">
+              <a:schemeClr val="accent3"/>
+            </a:fillRef>
+            <a:effectRef idx="0">
+              <a:schemeClr val="accent3"/>
+            </a:effectRef>
+            <a:fontRef idx="minor">
+              <a:schemeClr val="lt1"/>
+            </a:fontRef>
+          </p:style>
+          <p:txBody>
+            <a:bodyPr rot="0" spcFirstLastPara="0" vertOverflow="overflow" horzOverflow="overflow" vert="horz" wrap="square" lIns="91440" tIns="45720" rIns="91440" bIns="45720" numCol="1" spcCol="0" rtlCol="0" fromWordArt="0" anchor="ctr" anchorCtr="0" forceAA="0" compatLnSpc="1">
+              <a:prstTxWarp prst="textNoShape">
+                <a:avLst/>
+              </a:prstTxWarp>
+              <a:noAutofit/>
+            </a:bodyPr>
+            <a:lstStyle/>
+            <a:p>
+              <a:pPr algn="ctr"/>
+              <a:endParaRPr lang="zh-CN" altLang="en-US"/>
+            </a:p>
+          </p:txBody>
+        </p:sp>
+      </p:grpSp>
+      <p:cxnSp>
+        <p:nvCxnSpPr>
+          <p:cNvPr id="54" name="直接箭头连接符 53">
+            <a:extLst>
+              <a:ext uri="{FF2B5EF4-FFF2-40B4-BE49-F238E27FC236}">
+                <a16:creationId xmlns:a16="http://schemas.microsoft.com/office/drawing/2014/main" id="{AEAABC10-253E-46D9-BAAB-8EF48752CF88}"/>
+              </a:ext>
+            </a:extLst>
+          </p:cNvPr>
+          <p:cNvCxnSpPr>
+            <a:cxnSpLocks/>
+            <a:stCxn id="51" idx="2"/>
+            <a:endCxn id="28" idx="0"/>
+          </p:cNvCxnSpPr>
+          <p:nvPr/>
+        </p:nvCxnSpPr>
+        <p:spPr>
+          <a:xfrm flipH="1">
+            <a:off x="5518822" y="1275679"/>
+            <a:ext cx="1558436" cy="1243835"/>
+          </a:xfrm>
+          <a:prstGeom prst="straightConnector1">
+            <a:avLst/>
+          </a:prstGeom>
+          <a:ln w="15875">
+            <a:solidFill>
+              <a:schemeClr val="tx2"/>
+            </a:solidFill>
+            <a:prstDash val="dash"/>
+            <a:tailEnd type="arrow"/>
+          </a:ln>
+        </p:spPr>
+        <p:style>
+          <a:lnRef idx="1">
+            <a:schemeClr val="dk1"/>
+          </a:lnRef>
+          <a:fillRef idx="0">
+            <a:schemeClr val="dk1"/>
+          </a:fillRef>
+          <a:effectRef idx="0">
+            <a:schemeClr val="dk1"/>
+          </a:effectRef>
+          <a:fontRef idx="minor">
+            <a:schemeClr val="tx1"/>
+          </a:fontRef>
+        </p:style>
+      </p:cxnSp>
+      <p:grpSp>
+        <p:nvGrpSpPr>
+          <p:cNvPr id="57" name="组合 56">
+            <a:extLst>
+              <a:ext uri="{FF2B5EF4-FFF2-40B4-BE49-F238E27FC236}">
+                <a16:creationId xmlns:a16="http://schemas.microsoft.com/office/drawing/2014/main" id="{973DD20E-D231-4BF7-BE67-841B604C6696}"/>
+              </a:ext>
+            </a:extLst>
+          </p:cNvPr>
+          <p:cNvGrpSpPr/>
+          <p:nvPr/>
+        </p:nvGrpSpPr>
+        <p:grpSpPr>
+          <a:xfrm>
+            <a:off x="7688608" y="2519514"/>
+            <a:ext cx="2223554" cy="778181"/>
+            <a:chOff x="2616894" y="1249540"/>
+            <a:chExt cx="2223554" cy="778181"/>
+          </a:xfrm>
+        </p:grpSpPr>
+        <p:sp>
+          <p:nvSpPr>
+            <p:cNvPr id="58" name="矩形 57">
+              <a:extLst>
+                <a:ext uri="{FF2B5EF4-FFF2-40B4-BE49-F238E27FC236}">
+                  <a16:creationId xmlns:a16="http://schemas.microsoft.com/office/drawing/2014/main" id="{A4B3DA62-6E8D-4DB3-88ED-F5759E81181E}"/>
+                </a:ext>
+              </a:extLst>
+            </p:cNvPr>
+            <p:cNvSpPr/>
+            <p:nvPr/>
+          </p:nvSpPr>
+          <p:spPr>
+            <a:xfrm>
+              <a:off x="2846335" y="1249540"/>
+              <a:ext cx="1994113" cy="778181"/>
+            </a:xfrm>
+            <a:prstGeom prst="rect">
+              <a:avLst/>
+            </a:prstGeom>
+            <a:solidFill>
+              <a:srgbClr val="00B0F0"/>
+            </a:solidFill>
+            <a:ln>
+              <a:solidFill>
+                <a:srgbClr val="00B0F0"/>
+              </a:solidFill>
+            </a:ln>
+          </p:spPr>
+          <p:style>
+            <a:lnRef idx="2">
+              <a:schemeClr val="accent3">
+                <a:shade val="50000"/>
+              </a:schemeClr>
+            </a:lnRef>
+            <a:fillRef idx="1">
+              <a:schemeClr val="accent3"/>
+            </a:fillRef>
+            <a:effectRef idx="0">
+              <a:schemeClr val="accent3"/>
+            </a:effectRef>
+            <a:fontRef idx="minor">
+              <a:schemeClr val="lt1"/>
+            </a:fontRef>
+          </p:style>
+          <p:txBody>
+            <a:bodyPr vert="horz" rtlCol="0" anchor="ctr"/>
+            <a:lstStyle/>
+            <a:p>
+              <a:pPr algn="ctr"/>
+              <a:r>
+                <a:rPr lang="en-US" altLang="zh-CN" dirty="0"/>
+                <a:t>nginx2</a:t>
+              </a:r>
+            </a:p>
+          </p:txBody>
+        </p:sp>
+        <p:sp>
+          <p:nvSpPr>
+            <p:cNvPr id="59" name="矩形 58">
+              <a:extLst>
+                <a:ext uri="{FF2B5EF4-FFF2-40B4-BE49-F238E27FC236}">
+                  <a16:creationId xmlns:a16="http://schemas.microsoft.com/office/drawing/2014/main" id="{02C6E4E6-2E5E-41EE-8959-835CBDC3D099}"/>
+                </a:ext>
+              </a:extLst>
+            </p:cNvPr>
+            <p:cNvSpPr/>
+            <p:nvPr/>
+          </p:nvSpPr>
+          <p:spPr>
+            <a:xfrm>
+              <a:off x="2616894" y="1384184"/>
+              <a:ext cx="352338" cy="184557"/>
+            </a:xfrm>
+            <a:prstGeom prst="rect">
+              <a:avLst/>
+            </a:prstGeom>
+            <a:solidFill>
+              <a:srgbClr val="00B0F0"/>
+            </a:solidFill>
+            <a:ln>
+              <a:solidFill>
+                <a:srgbClr val="00B0F0"/>
+              </a:solidFill>
+            </a:ln>
+          </p:spPr>
+          <p:style>
+            <a:lnRef idx="2">
+              <a:schemeClr val="accent3">
+                <a:shade val="50000"/>
+              </a:schemeClr>
+            </a:lnRef>
+            <a:fillRef idx="1">
+              <a:schemeClr val="accent3"/>
+            </a:fillRef>
+            <a:effectRef idx="0">
+              <a:schemeClr val="accent3"/>
+            </a:effectRef>
+            <a:fontRef idx="minor">
+              <a:schemeClr val="lt1"/>
+            </a:fontRef>
+          </p:style>
+          <p:txBody>
+            <a:bodyPr vert="horz" rtlCol="0" anchor="ctr"/>
+            <a:lstStyle/>
+            <a:p>
+              <a:pPr algn="ctr"/>
+              <a:endParaRPr lang="zh-CN" altLang="en-US"/>
+            </a:p>
+          </p:txBody>
+        </p:sp>
+        <p:sp>
+          <p:nvSpPr>
+            <p:cNvPr id="60" name="矩形 59">
+              <a:extLst>
+                <a:ext uri="{FF2B5EF4-FFF2-40B4-BE49-F238E27FC236}">
+                  <a16:creationId xmlns:a16="http://schemas.microsoft.com/office/drawing/2014/main" id="{F1A6970F-552E-4FB8-83CB-AC60BB3547D2}"/>
+                </a:ext>
+              </a:extLst>
+            </p:cNvPr>
+            <p:cNvSpPr/>
+            <p:nvPr/>
+          </p:nvSpPr>
+          <p:spPr>
+            <a:xfrm>
+              <a:off x="2616894" y="1703385"/>
+              <a:ext cx="352338" cy="184557"/>
+            </a:xfrm>
+            <a:prstGeom prst="rect">
+              <a:avLst/>
+            </a:prstGeom>
+            <a:solidFill>
+              <a:srgbClr val="00B0F0"/>
+            </a:solidFill>
+            <a:ln>
+              <a:solidFill>
+                <a:srgbClr val="00B0F0"/>
+              </a:solidFill>
+            </a:ln>
+          </p:spPr>
+          <p:style>
+            <a:lnRef idx="2">
+              <a:schemeClr val="accent3">
+                <a:shade val="50000"/>
+              </a:schemeClr>
+            </a:lnRef>
+            <a:fillRef idx="1">
+              <a:schemeClr val="accent3"/>
+            </a:fillRef>
+            <a:effectRef idx="0">
+              <a:schemeClr val="accent3"/>
+            </a:effectRef>
+            <a:fontRef idx="minor">
+              <a:schemeClr val="lt1"/>
+            </a:fontRef>
+          </p:style>
+          <p:txBody>
+            <a:bodyPr rot="0" spcFirstLastPara="0" vertOverflow="overflow" horzOverflow="overflow" vert="horz" wrap="square" lIns="91440" tIns="45720" rIns="91440" bIns="45720" numCol="1" spcCol="0" rtlCol="0" fromWordArt="0" anchor="ctr" anchorCtr="0" forceAA="0" compatLnSpc="1">
+              <a:prstTxWarp prst="textNoShape">
+                <a:avLst/>
+              </a:prstTxWarp>
+              <a:noAutofit/>
+            </a:bodyPr>
+            <a:lstStyle/>
+            <a:p>
+              <a:pPr algn="ctr"/>
+              <a:endParaRPr lang="zh-CN" altLang="en-US"/>
+            </a:p>
+          </p:txBody>
+        </p:sp>
+      </p:grpSp>
+      <p:cxnSp>
+        <p:nvCxnSpPr>
+          <p:cNvPr id="61" name="直接箭头连接符 60">
+            <a:extLst>
+              <a:ext uri="{FF2B5EF4-FFF2-40B4-BE49-F238E27FC236}">
+                <a16:creationId xmlns:a16="http://schemas.microsoft.com/office/drawing/2014/main" id="{FD0AE051-6948-4898-833F-7ABC2AF5B60B}"/>
+              </a:ext>
+            </a:extLst>
+          </p:cNvPr>
+          <p:cNvCxnSpPr>
+            <a:cxnSpLocks/>
+            <a:stCxn id="51" idx="2"/>
+            <a:endCxn id="58" idx="0"/>
+          </p:cNvCxnSpPr>
+          <p:nvPr/>
+        </p:nvCxnSpPr>
+        <p:spPr>
+          <a:xfrm>
+            <a:off x="7077258" y="1275679"/>
+            <a:ext cx="1837848" cy="1243835"/>
+          </a:xfrm>
+          <a:prstGeom prst="straightConnector1">
+            <a:avLst/>
+          </a:prstGeom>
+          <a:ln w="15875">
+            <a:solidFill>
+              <a:schemeClr val="tx2"/>
+            </a:solidFill>
+            <a:prstDash val="dash"/>
+            <a:tailEnd type="arrow"/>
+          </a:ln>
+        </p:spPr>
+        <p:style>
+          <a:lnRef idx="1">
+            <a:schemeClr val="dk1"/>
+          </a:lnRef>
+          <a:fillRef idx="0">
+            <a:schemeClr val="dk1"/>
+          </a:fillRef>
+          <a:effectRef idx="0">
+            <a:schemeClr val="dk1"/>
+          </a:effectRef>
+          <a:fontRef idx="minor">
+            <a:schemeClr val="tx1"/>
+          </a:fontRef>
+        </p:style>
+      </p:cxnSp>
+      <p:cxnSp>
+        <p:nvCxnSpPr>
+          <p:cNvPr id="68" name="直接箭头连接符 67">
+            <a:extLst>
+              <a:ext uri="{FF2B5EF4-FFF2-40B4-BE49-F238E27FC236}">
+                <a16:creationId xmlns:a16="http://schemas.microsoft.com/office/drawing/2014/main" id="{BDC4F225-72E9-44EE-A20F-9EC854F9AA6B}"/>
+              </a:ext>
+            </a:extLst>
+          </p:cNvPr>
+          <p:cNvCxnSpPr>
+            <a:cxnSpLocks/>
+            <a:stCxn id="58" idx="2"/>
+            <a:endCxn id="8" idx="0"/>
+          </p:cNvCxnSpPr>
+          <p:nvPr/>
+        </p:nvCxnSpPr>
+        <p:spPr>
+          <a:xfrm>
+            <a:off x="8915106" y="3297695"/>
+            <a:ext cx="0" cy="638402"/>
+          </a:xfrm>
+          <a:prstGeom prst="straightConnector1">
+            <a:avLst/>
+          </a:prstGeom>
+          <a:ln w="15875">
+            <a:solidFill>
+              <a:schemeClr val="tx2"/>
+            </a:solidFill>
+            <a:prstDash val="dash"/>
+            <a:tailEnd type="arrow"/>
+          </a:ln>
+        </p:spPr>
+        <p:style>
+          <a:lnRef idx="1">
+            <a:schemeClr val="dk1"/>
+          </a:lnRef>
+          <a:fillRef idx="0">
+            <a:schemeClr val="dk1"/>
+          </a:fillRef>
+          <a:effectRef idx="0">
+            <a:schemeClr val="dk1"/>
+          </a:effectRef>
+          <a:fontRef idx="minor">
+            <a:schemeClr val="tx1"/>
+          </a:fontRef>
+        </p:style>
+      </p:cxnSp>
+      <p:sp>
+        <p:nvSpPr>
+          <p:cNvPr id="71" name="矩形 70">
+            <a:extLst>
+              <a:ext uri="{FF2B5EF4-FFF2-40B4-BE49-F238E27FC236}">
+                <a16:creationId xmlns:a16="http://schemas.microsoft.com/office/drawing/2014/main" id="{8EA968A3-9042-4046-B89D-FD045D95C139}"/>
+              </a:ext>
+            </a:extLst>
+          </p:cNvPr>
+          <p:cNvSpPr/>
+          <p:nvPr/>
+        </p:nvSpPr>
+        <p:spPr>
+          <a:xfrm>
+            <a:off x="7310509" y="1684987"/>
+            <a:ext cx="2236510" cy="369332"/>
+          </a:xfrm>
+          <a:prstGeom prst="rect">
+            <a:avLst/>
+          </a:prstGeom>
+        </p:spPr>
+        <p:txBody>
+          <a:bodyPr wrap="none">
+            <a:spAutoFit/>
+          </a:bodyPr>
+          <a:lstStyle/>
+          <a:p>
+            <a:r>
+              <a:rPr lang="en-US" altLang="zh-CN" dirty="0">
+                <a:solidFill>
+                  <a:srgbClr val="FF0000"/>
+                </a:solidFill>
+                <a:latin typeface="Arial"/>
+                <a:ea typeface="微软雅黑"/>
+                <a:sym typeface="Arial"/>
+              </a:rPr>
+              <a:t>https://auth.xxx.com</a:t>
+            </a:r>
+            <a:endParaRPr lang="zh-CN" altLang="en-US" dirty="0">
+              <a:solidFill>
+                <a:srgbClr val="FF0000"/>
+              </a:solidFill>
+            </a:endParaRPr>
+          </a:p>
+        </p:txBody>
+      </p:sp>
+      <p:sp>
+        <p:nvSpPr>
+          <p:cNvPr id="72" name="矩形 71">
+            <a:extLst>
+              <a:ext uri="{FF2B5EF4-FFF2-40B4-BE49-F238E27FC236}">
+                <a16:creationId xmlns:a16="http://schemas.microsoft.com/office/drawing/2014/main" id="{53C157BF-B89A-4567-8AD8-295A80F95856}"/>
+              </a:ext>
+            </a:extLst>
+          </p:cNvPr>
+          <p:cNvSpPr/>
+          <p:nvPr/>
+        </p:nvSpPr>
+        <p:spPr>
+          <a:xfrm>
+            <a:off x="4803038" y="1684987"/>
+            <a:ext cx="2095445" cy="369332"/>
+          </a:xfrm>
+          <a:prstGeom prst="rect">
+            <a:avLst/>
+          </a:prstGeom>
+        </p:spPr>
+        <p:txBody>
+          <a:bodyPr wrap="none">
+            <a:spAutoFit/>
+          </a:bodyPr>
+          <a:lstStyle/>
+          <a:p>
+            <a:r>
+              <a:rPr lang="en-US" altLang="zh-CN" dirty="0">
+                <a:solidFill>
+                  <a:srgbClr val="FF0000"/>
+                </a:solidFill>
+                <a:latin typeface="Arial"/>
+                <a:ea typeface="微软雅黑"/>
+                <a:sym typeface="Arial"/>
+              </a:rPr>
+              <a:t>https://api.xxx.com</a:t>
+            </a:r>
+            <a:endParaRPr lang="zh-CN" altLang="en-US" dirty="0">
+              <a:solidFill>
+                <a:srgbClr val="FF0000"/>
+              </a:solidFill>
+            </a:endParaRPr>
+          </a:p>
+        </p:txBody>
+      </p:sp>
+      <p:sp>
+        <p:nvSpPr>
+          <p:cNvPr id="73" name="文本框 72">
+            <a:extLst>
+              <a:ext uri="{FF2B5EF4-FFF2-40B4-BE49-F238E27FC236}">
+                <a16:creationId xmlns:a16="http://schemas.microsoft.com/office/drawing/2014/main" id="{276CCCE7-FBB2-4289-B361-6A26A8F9167D}"/>
+              </a:ext>
+            </a:extLst>
+          </p:cNvPr>
+          <p:cNvSpPr txBox="1"/>
+          <p:nvPr/>
+        </p:nvSpPr>
+        <p:spPr>
+          <a:xfrm>
+            <a:off x="6690236" y="4087594"/>
+            <a:ext cx="800219" cy="276999"/>
+          </a:xfrm>
+          <a:prstGeom prst="rect">
+            <a:avLst/>
+          </a:prstGeom>
+        </p:spPr>
+        <p:txBody>
+          <a:bodyPr wrap="none">
+            <a:spAutoFit/>
+          </a:bodyPr>
+          <a:lstStyle>
+            <a:defPPr>
+              <a:defRPr lang="zh-CN"/>
+            </a:defPPr>
+            <a:lvl1pPr>
+              <a:defRPr>
+                <a:solidFill>
+                  <a:schemeClr val="bg2">
+                    <a:lumMod val="50000"/>
+                  </a:schemeClr>
+                </a:solidFill>
+                <a:latin typeface="Arial"/>
+                <a:ea typeface="微软雅黑"/>
+              </a:defRPr>
+            </a:lvl1pPr>
+          </a:lstStyle>
+          <a:p>
+            <a:r>
+              <a:rPr lang="zh-CN" altLang="en-US" sz="1200" dirty="0"/>
+              <a:t>接口权限</a:t>
+            </a:r>
+          </a:p>
+        </p:txBody>
+      </p:sp>
+      <p:sp>
+        <p:nvSpPr>
+          <p:cNvPr id="74" name="文本框 73">
+            <a:extLst>
+              <a:ext uri="{FF2B5EF4-FFF2-40B4-BE49-F238E27FC236}">
+                <a16:creationId xmlns:a16="http://schemas.microsoft.com/office/drawing/2014/main" id="{FFCA64E0-9982-4FF8-84D6-12EF5DB675E7}"/>
+              </a:ext>
+            </a:extLst>
+          </p:cNvPr>
+          <p:cNvSpPr txBox="1"/>
+          <p:nvPr/>
+        </p:nvSpPr>
+        <p:spPr>
+          <a:xfrm>
+            <a:off x="8215375" y="5034513"/>
+            <a:ext cx="1459054" cy="276999"/>
+          </a:xfrm>
+          <a:prstGeom prst="rect">
+            <a:avLst/>
+          </a:prstGeom>
+        </p:spPr>
+        <p:txBody>
+          <a:bodyPr wrap="none">
+            <a:spAutoFit/>
+          </a:bodyPr>
+          <a:lstStyle>
+            <a:defPPr>
+              <a:defRPr lang="zh-CN"/>
+            </a:defPPr>
+            <a:lvl1pPr>
+              <a:defRPr>
+                <a:solidFill>
+                  <a:schemeClr val="bg2">
+                    <a:lumMod val="50000"/>
+                  </a:schemeClr>
+                </a:solidFill>
+                <a:latin typeface="Arial"/>
+                <a:ea typeface="微软雅黑"/>
+              </a:defRPr>
+            </a:lvl1pPr>
+          </a:lstStyle>
+          <a:p>
+            <a:r>
+              <a:rPr lang="zh-CN" altLang="en-US" sz="1200" dirty="0"/>
+              <a:t>用户</a:t>
+            </a:r>
+            <a:r>
+              <a:rPr lang="en-US" altLang="zh-CN" sz="1200" dirty="0"/>
+              <a:t>/</a:t>
+            </a:r>
+            <a:r>
+              <a:rPr lang="zh-CN" altLang="en-US" sz="1200" dirty="0"/>
+              <a:t>客户信息验证</a:t>
+            </a:r>
+          </a:p>
+        </p:txBody>
+      </p:sp>
+      <p:sp>
+        <p:nvSpPr>
+          <p:cNvPr id="75" name="文本框 74">
+            <a:extLst>
+              <a:ext uri="{FF2B5EF4-FFF2-40B4-BE49-F238E27FC236}">
+                <a16:creationId xmlns:a16="http://schemas.microsoft.com/office/drawing/2014/main" id="{E8D15078-7224-46F4-917F-29EAE8960164}"/>
+              </a:ext>
+            </a:extLst>
+          </p:cNvPr>
+          <p:cNvSpPr txBox="1"/>
+          <p:nvPr/>
+        </p:nvSpPr>
+        <p:spPr>
+          <a:xfrm>
+            <a:off x="6564215" y="5101853"/>
+            <a:ext cx="1151277" cy="276999"/>
+          </a:xfrm>
+          <a:prstGeom prst="rect">
+            <a:avLst/>
+          </a:prstGeom>
+        </p:spPr>
+        <p:txBody>
+          <a:bodyPr wrap="none">
+            <a:spAutoFit/>
+          </a:bodyPr>
+          <a:lstStyle>
+            <a:defPPr>
+              <a:defRPr lang="zh-CN"/>
+            </a:defPPr>
+            <a:lvl1pPr>
+              <a:defRPr>
+                <a:solidFill>
+                  <a:schemeClr val="bg2">
+                    <a:lumMod val="50000"/>
+                  </a:schemeClr>
+                </a:solidFill>
+                <a:latin typeface="Arial"/>
+                <a:ea typeface="微软雅黑"/>
+              </a:defRPr>
+            </a:lvl1pPr>
+          </a:lstStyle>
+          <a:p>
+            <a:r>
+              <a:rPr lang="zh-CN" altLang="en-US" sz="1200" dirty="0"/>
+              <a:t>用户</a:t>
+            </a:r>
+            <a:r>
+              <a:rPr lang="en-US" altLang="zh-CN" sz="1200" dirty="0"/>
+              <a:t>/</a:t>
+            </a:r>
+            <a:r>
+              <a:rPr lang="zh-CN" altLang="en-US" sz="1200" dirty="0"/>
+              <a:t>权限管理</a:t>
+            </a:r>
+          </a:p>
+        </p:txBody>
+      </p:sp>
+      <p:sp>
+        <p:nvSpPr>
+          <p:cNvPr id="76" name="文本框 75">
+            <a:extLst>
+              <a:ext uri="{FF2B5EF4-FFF2-40B4-BE49-F238E27FC236}">
+                <a16:creationId xmlns:a16="http://schemas.microsoft.com/office/drawing/2014/main" id="{19FB0DA2-3BBF-458B-8563-71C75ECD0BF6}"/>
+              </a:ext>
+            </a:extLst>
+          </p:cNvPr>
+          <p:cNvSpPr txBox="1"/>
+          <p:nvPr/>
+        </p:nvSpPr>
+        <p:spPr>
+          <a:xfrm>
+            <a:off x="5058568" y="5122570"/>
+            <a:ext cx="800219" cy="276999"/>
+          </a:xfrm>
+          <a:prstGeom prst="rect">
+            <a:avLst/>
+          </a:prstGeom>
+        </p:spPr>
+        <p:txBody>
+          <a:bodyPr wrap="none">
+            <a:spAutoFit/>
+          </a:bodyPr>
+          <a:lstStyle>
+            <a:defPPr>
+              <a:defRPr lang="zh-CN"/>
+            </a:defPPr>
+            <a:lvl1pPr>
+              <a:defRPr>
+                <a:solidFill>
+                  <a:schemeClr val="bg2">
+                    <a:lumMod val="50000"/>
+                  </a:schemeClr>
+                </a:solidFill>
+                <a:latin typeface="Arial"/>
+                <a:ea typeface="微软雅黑"/>
+              </a:defRPr>
+            </a:lvl1pPr>
+          </a:lstStyle>
+          <a:p>
+            <a:r>
+              <a:rPr lang="zh-CN" altLang="en-US" sz="1200" dirty="0"/>
+              <a:t>任务管理</a:t>
+            </a:r>
+          </a:p>
+        </p:txBody>
+      </p:sp>
+      <p:grpSp>
+        <p:nvGrpSpPr>
+          <p:cNvPr id="77" name="组合 76">
+            <a:extLst>
+              <a:ext uri="{FF2B5EF4-FFF2-40B4-BE49-F238E27FC236}">
+                <a16:creationId xmlns:a16="http://schemas.microsoft.com/office/drawing/2014/main" id="{E162AC25-24AD-433E-9125-014A5BF1BFA8}"/>
+              </a:ext>
+            </a:extLst>
+          </p:cNvPr>
+          <p:cNvGrpSpPr/>
+          <p:nvPr/>
+        </p:nvGrpSpPr>
+        <p:grpSpPr>
+          <a:xfrm>
+            <a:off x="550508" y="4364593"/>
+            <a:ext cx="2223554" cy="778181"/>
+            <a:chOff x="2616894" y="1249540"/>
+            <a:chExt cx="2223554" cy="778181"/>
+          </a:xfrm>
+        </p:grpSpPr>
+        <p:sp>
+          <p:nvSpPr>
+            <p:cNvPr id="78" name="矩形 77">
+              <a:extLst>
+                <a:ext uri="{FF2B5EF4-FFF2-40B4-BE49-F238E27FC236}">
+                  <a16:creationId xmlns:a16="http://schemas.microsoft.com/office/drawing/2014/main" id="{22C01C77-9DCF-452E-812F-33BB69298E5F}"/>
+                </a:ext>
+              </a:extLst>
+            </p:cNvPr>
+            <p:cNvSpPr/>
+            <p:nvPr/>
+          </p:nvSpPr>
+          <p:spPr>
+            <a:xfrm>
+              <a:off x="2846335" y="1249540"/>
+              <a:ext cx="1994113" cy="778181"/>
+            </a:xfrm>
+            <a:prstGeom prst="rect">
+              <a:avLst/>
+            </a:prstGeom>
+            <a:solidFill>
+              <a:srgbClr val="00B0F0"/>
+            </a:solidFill>
+            <a:ln>
+              <a:solidFill>
+                <a:srgbClr val="00B0F0"/>
+              </a:solidFill>
+            </a:ln>
+          </p:spPr>
+          <p:style>
+            <a:lnRef idx="2">
+              <a:schemeClr val="accent3">
+                <a:shade val="50000"/>
+              </a:schemeClr>
+            </a:lnRef>
+            <a:fillRef idx="1">
+              <a:schemeClr val="accent3"/>
+            </a:fillRef>
+            <a:effectRef idx="0">
+              <a:schemeClr val="accent3"/>
+            </a:effectRef>
+            <a:fontRef idx="minor">
+              <a:schemeClr val="lt1"/>
+            </a:fontRef>
+          </p:style>
+          <p:txBody>
+            <a:bodyPr vert="horz" rtlCol="0" anchor="ctr"/>
+            <a:lstStyle/>
+            <a:p>
+              <a:pPr algn="ctr"/>
+              <a:r>
+                <a:rPr lang="en-US" altLang="zh-CN" dirty="0"/>
+                <a:t>zookeeper</a:t>
+              </a:r>
+              <a:endParaRPr lang="zh-CN" altLang="en-US" dirty="0"/>
+            </a:p>
+          </p:txBody>
+        </p:sp>
+        <p:sp>
+          <p:nvSpPr>
+            <p:cNvPr id="79" name="矩形 78">
+              <a:extLst>
+                <a:ext uri="{FF2B5EF4-FFF2-40B4-BE49-F238E27FC236}">
+                  <a16:creationId xmlns:a16="http://schemas.microsoft.com/office/drawing/2014/main" id="{18DF8159-96D8-4E1F-8B2F-C7EA699CCD10}"/>
+                </a:ext>
+              </a:extLst>
+            </p:cNvPr>
+            <p:cNvSpPr/>
+            <p:nvPr/>
+          </p:nvSpPr>
+          <p:spPr>
+            <a:xfrm>
+              <a:off x="2616894" y="1384184"/>
+              <a:ext cx="352338" cy="184557"/>
+            </a:xfrm>
+            <a:prstGeom prst="rect">
+              <a:avLst/>
+            </a:prstGeom>
+            <a:solidFill>
+              <a:srgbClr val="00B0F0"/>
+            </a:solidFill>
+            <a:ln>
+              <a:solidFill>
+                <a:srgbClr val="00B0F0"/>
+              </a:solidFill>
+            </a:ln>
+          </p:spPr>
+          <p:style>
+            <a:lnRef idx="2">
+              <a:schemeClr val="accent3">
+                <a:shade val="50000"/>
+              </a:schemeClr>
+            </a:lnRef>
+            <a:fillRef idx="1">
+              <a:schemeClr val="accent3"/>
+            </a:fillRef>
+            <a:effectRef idx="0">
+              <a:schemeClr val="accent3"/>
+            </a:effectRef>
+            <a:fontRef idx="minor">
+              <a:schemeClr val="lt1"/>
+            </a:fontRef>
+          </p:style>
+          <p:txBody>
+            <a:bodyPr vert="horz" rtlCol="0" anchor="ctr"/>
+            <a:lstStyle/>
+            <a:p>
+              <a:pPr algn="ctr"/>
+              <a:endParaRPr lang="zh-CN" altLang="en-US"/>
+            </a:p>
+          </p:txBody>
+        </p:sp>
+        <p:sp>
+          <p:nvSpPr>
+            <p:cNvPr id="80" name="矩形 79">
+              <a:extLst>
+                <a:ext uri="{FF2B5EF4-FFF2-40B4-BE49-F238E27FC236}">
+                  <a16:creationId xmlns:a16="http://schemas.microsoft.com/office/drawing/2014/main" id="{788CE60A-ABBF-4806-9D11-ABEA57388170}"/>
+                </a:ext>
+              </a:extLst>
+            </p:cNvPr>
+            <p:cNvSpPr/>
+            <p:nvPr/>
+          </p:nvSpPr>
+          <p:spPr>
+            <a:xfrm>
+              <a:off x="2616894" y="1703385"/>
+              <a:ext cx="352338" cy="184557"/>
+            </a:xfrm>
+            <a:prstGeom prst="rect">
+              <a:avLst/>
+            </a:prstGeom>
+            <a:solidFill>
+              <a:srgbClr val="00B0F0"/>
+            </a:solidFill>
+            <a:ln>
+              <a:solidFill>
+                <a:srgbClr val="00B0F0"/>
+              </a:solidFill>
+            </a:ln>
+          </p:spPr>
+          <p:style>
+            <a:lnRef idx="2">
+              <a:schemeClr val="accent3">
+                <a:shade val="50000"/>
+              </a:schemeClr>
+            </a:lnRef>
+            <a:fillRef idx="1">
+              <a:schemeClr val="accent3"/>
+            </a:fillRef>
+            <a:effectRef idx="0">
+              <a:schemeClr val="accent3"/>
+            </a:effectRef>
+            <a:fontRef idx="minor">
+              <a:schemeClr val="lt1"/>
+            </a:fontRef>
+          </p:style>
+          <p:txBody>
+            <a:bodyPr rot="0" spcFirstLastPara="0" vertOverflow="overflow" horzOverflow="overflow" vert="horz" wrap="square" lIns="91440" tIns="45720" rIns="91440" bIns="45720" numCol="1" spcCol="0" rtlCol="0" fromWordArt="0" anchor="ctr" anchorCtr="0" forceAA="0" compatLnSpc="1">
+              <a:prstTxWarp prst="textNoShape">
+                <a:avLst/>
+              </a:prstTxWarp>
+              <a:noAutofit/>
+            </a:bodyPr>
+            <a:lstStyle/>
+            <a:p>
+              <a:pPr algn="ctr"/>
+              <a:endParaRPr lang="zh-CN" altLang="en-US"/>
+            </a:p>
+          </p:txBody>
+        </p:sp>
+      </p:grpSp>
+      <p:cxnSp>
+        <p:nvCxnSpPr>
+          <p:cNvPr id="81" name="直接箭头连接符 80">
+            <a:extLst>
+              <a:ext uri="{FF2B5EF4-FFF2-40B4-BE49-F238E27FC236}">
+                <a16:creationId xmlns:a16="http://schemas.microsoft.com/office/drawing/2014/main" id="{B18F148B-B1AC-46A0-BCA4-82047FFE1A6C}"/>
+              </a:ext>
+            </a:extLst>
+          </p:cNvPr>
+          <p:cNvCxnSpPr>
+            <a:cxnSpLocks/>
+            <a:stCxn id="17" idx="1"/>
+            <a:endCxn id="78" idx="2"/>
+          </p:cNvCxnSpPr>
+          <p:nvPr/>
+        </p:nvCxnSpPr>
+        <p:spPr>
+          <a:xfrm flipH="1" flipV="1">
+            <a:off x="1777006" y="5142774"/>
+            <a:ext cx="2744759" cy="1065782"/>
+          </a:xfrm>
+          <a:prstGeom prst="straightConnector1">
+            <a:avLst/>
+          </a:prstGeom>
+          <a:ln w="15875">
+            <a:solidFill>
+              <a:schemeClr val="tx2"/>
+            </a:solidFill>
+            <a:prstDash val="dash"/>
+            <a:tailEnd type="arrow"/>
+          </a:ln>
+        </p:spPr>
+        <p:style>
+          <a:lnRef idx="1">
+            <a:schemeClr val="dk1"/>
+          </a:lnRef>
+          <a:fillRef idx="0">
+            <a:schemeClr val="dk1"/>
+          </a:fillRef>
+          <a:effectRef idx="0">
+            <a:schemeClr val="dk1"/>
+          </a:effectRef>
+          <a:fontRef idx="minor">
+            <a:schemeClr val="tx1"/>
+          </a:fontRef>
+        </p:style>
+      </p:cxnSp>
+      <p:sp>
+        <p:nvSpPr>
+          <p:cNvPr id="84" name="文本框 83">
+            <a:extLst>
+              <a:ext uri="{FF2B5EF4-FFF2-40B4-BE49-F238E27FC236}">
+                <a16:creationId xmlns:a16="http://schemas.microsoft.com/office/drawing/2014/main" id="{19C5D5DD-007D-4BA0-8E3D-DE44905F7FEB}"/>
+              </a:ext>
+            </a:extLst>
+          </p:cNvPr>
+          <p:cNvSpPr txBox="1"/>
+          <p:nvPr/>
+        </p:nvSpPr>
+        <p:spPr>
+          <a:xfrm>
+            <a:off x="2624728" y="5472576"/>
+            <a:ext cx="1107996" cy="276999"/>
+          </a:xfrm>
+          <a:prstGeom prst="rect">
+            <a:avLst/>
+          </a:prstGeom>
+        </p:spPr>
+        <p:txBody>
+          <a:bodyPr wrap="none">
+            <a:spAutoFit/>
+          </a:bodyPr>
+          <a:lstStyle>
+            <a:defPPr>
+              <a:defRPr lang="zh-CN"/>
+            </a:defPPr>
+            <a:lvl1pPr>
+              <a:defRPr>
+                <a:solidFill>
+                  <a:schemeClr val="bg2">
+                    <a:lumMod val="50000"/>
+                  </a:schemeClr>
+                </a:solidFill>
+                <a:latin typeface="Arial"/>
+                <a:ea typeface="微软雅黑"/>
+              </a:defRPr>
+            </a:lvl1pPr>
+          </a:lstStyle>
+          <a:p>
+            <a:r>
+              <a:rPr lang="zh-CN" altLang="en-US" sz="1200" dirty="0"/>
+              <a:t>任务调度仲裁</a:t>
+            </a:r>
+          </a:p>
+        </p:txBody>
+      </p:sp>
+    </p:spTree>
+    <p:extLst>
+      <p:ext uri="{BB962C8B-B14F-4D97-AF65-F5344CB8AC3E}">
+        <p14:creationId xmlns:p14="http://schemas.microsoft.com/office/powerpoint/2010/main" val="63344595"/>
+      </p:ext>
+    </p:extLst>
+  </p:cSld>
+  <p:clrMapOvr>
+    <a:masterClrMapping/>
+  </p:clrMapOvr>
+  <mc:AlternateContent xmlns:mc="http://schemas.openxmlformats.org/markup-compatibility/2006" xmlns:p14="http://schemas.microsoft.com/office/powerpoint/2010/main">
+    <mc:Choice Requires="p14">
+      <p:transition spd="slow" p14:dur="1500" advClick="0" advTm="3000">
+        <p:random/>
+      </p:transition>
+    </mc:Choice>
+    <mc:Fallback xmlns="">
+      <p:transition spd="slow" advClick="0" advTm="3000">
         <p:random/>
       </p:transition>
     </mc:Fallback>

--- a/微服务架构设计.pptx
+++ b/微服务架构设计.pptx
@@ -5,12 +5,13 @@
     <p:sldMasterId id="2147483648" r:id="rId1"/>
   </p:sldMasterIdLst>
   <p:notesMasterIdLst>
-    <p:notesMasterId r:id="rId5"/>
+    <p:notesMasterId r:id="rId6"/>
   </p:notesMasterIdLst>
   <p:sldIdLst>
     <p:sldId id="296" r:id="rId2"/>
     <p:sldId id="297" r:id="rId3"/>
     <p:sldId id="298" r:id="rId4"/>
+    <p:sldId id="299" r:id="rId5"/>
   </p:sldIdLst>
   <p:sldSz cx="12192000" cy="6858000"/>
   <p:notesSz cx="6858000" cy="9144000"/>
@@ -199,7 +200,7 @@
           <a:p>
             <a:fld id="{BCAB5E81-B69B-48F4-A8D3-A868925CC90D}" type="datetimeFigureOut">
               <a:rPr lang="zh-CN" altLang="en-US" smtClean="0"/>
-              <a:t>2018/5/24</a:t>
+              <a:t>2018/6/5</a:t>
             </a:fld>
             <a:endParaRPr lang="zh-CN" altLang="en-US"/>
           </a:p>
@@ -613,7 +614,7 @@
           <a:p>
             <a:fld id="{9BFA0DB6-8180-4604-A98D-0DD79C15B413}" type="datetimeFigureOut">
               <a:rPr lang="zh-CN" altLang="en-US" smtClean="0"/>
-              <a:t>2018/5/24</a:t>
+              <a:t>2018/6/5</a:t>
             </a:fld>
             <a:endParaRPr lang="zh-CN" altLang="en-US"/>
           </a:p>
@@ -811,7 +812,7 @@
           <a:p>
             <a:fld id="{9BFA0DB6-8180-4604-A98D-0DD79C15B413}" type="datetimeFigureOut">
               <a:rPr lang="zh-CN" altLang="en-US" smtClean="0"/>
-              <a:t>2018/5/24</a:t>
+              <a:t>2018/6/5</a:t>
             </a:fld>
             <a:endParaRPr lang="zh-CN" altLang="en-US"/>
           </a:p>
@@ -1019,7 +1020,7 @@
           <a:p>
             <a:fld id="{9BFA0DB6-8180-4604-A98D-0DD79C15B413}" type="datetimeFigureOut">
               <a:rPr lang="zh-CN" altLang="en-US" smtClean="0"/>
-              <a:t>2018/5/24</a:t>
+              <a:t>2018/6/5</a:t>
             </a:fld>
             <a:endParaRPr lang="zh-CN" altLang="en-US"/>
           </a:p>
@@ -1259,7 +1260,7 @@
           <a:p>
             <a:fld id="{9BFA0DB6-8180-4604-A98D-0DD79C15B413}" type="datetimeFigureOut">
               <a:rPr lang="zh-CN" altLang="en-US" smtClean="0"/>
-              <a:t>2018/5/24</a:t>
+              <a:t>2018/6/5</a:t>
             </a:fld>
             <a:endParaRPr lang="zh-CN" altLang="en-US"/>
           </a:p>
@@ -1534,7 +1535,7 @@
           <a:p>
             <a:fld id="{9BFA0DB6-8180-4604-A98D-0DD79C15B413}" type="datetimeFigureOut">
               <a:rPr lang="zh-CN" altLang="en-US" smtClean="0"/>
-              <a:t>2018/5/24</a:t>
+              <a:t>2018/6/5</a:t>
             </a:fld>
             <a:endParaRPr lang="zh-CN" altLang="en-US"/>
           </a:p>
@@ -1799,7 +1800,7 @@
           <a:p>
             <a:fld id="{9BFA0DB6-8180-4604-A98D-0DD79C15B413}" type="datetimeFigureOut">
               <a:rPr lang="zh-CN" altLang="en-US" smtClean="0"/>
-              <a:t>2018/5/24</a:t>
+              <a:t>2018/6/5</a:t>
             </a:fld>
             <a:endParaRPr lang="zh-CN" altLang="en-US"/>
           </a:p>
@@ -2211,7 +2212,7 @@
           <a:p>
             <a:fld id="{9BFA0DB6-8180-4604-A98D-0DD79C15B413}" type="datetimeFigureOut">
               <a:rPr lang="zh-CN" altLang="en-US" smtClean="0"/>
-              <a:t>2018/5/24</a:t>
+              <a:t>2018/6/5</a:t>
             </a:fld>
             <a:endParaRPr lang="zh-CN" altLang="en-US"/>
           </a:p>
@@ -2352,7 +2353,7 @@
           <a:p>
             <a:fld id="{9BFA0DB6-8180-4604-A98D-0DD79C15B413}" type="datetimeFigureOut">
               <a:rPr lang="zh-CN" altLang="en-US" smtClean="0"/>
-              <a:t>2018/5/24</a:t>
+              <a:t>2018/6/5</a:t>
             </a:fld>
             <a:endParaRPr lang="zh-CN" altLang="en-US"/>
           </a:p>
@@ -2465,7 +2466,7 @@
           <a:p>
             <a:fld id="{9BFA0DB6-8180-4604-A98D-0DD79C15B413}" type="datetimeFigureOut">
               <a:rPr lang="zh-CN" altLang="en-US" smtClean="0"/>
-              <a:t>2018/5/24</a:t>
+              <a:t>2018/6/5</a:t>
             </a:fld>
             <a:endParaRPr lang="zh-CN" altLang="en-US"/>
           </a:p>
@@ -2776,7 +2777,7 @@
           <a:p>
             <a:fld id="{9BFA0DB6-8180-4604-A98D-0DD79C15B413}" type="datetimeFigureOut">
               <a:rPr lang="zh-CN" altLang="en-US" smtClean="0"/>
-              <a:t>2018/5/24</a:t>
+              <a:t>2018/6/5</a:t>
             </a:fld>
             <a:endParaRPr lang="zh-CN" altLang="en-US"/>
           </a:p>
@@ -3064,7 +3065,7 @@
           <a:p>
             <a:fld id="{9BFA0DB6-8180-4604-A98D-0DD79C15B413}" type="datetimeFigureOut">
               <a:rPr lang="zh-CN" altLang="en-US" smtClean="0"/>
-              <a:t>2018/5/24</a:t>
+              <a:t>2018/6/5</a:t>
             </a:fld>
             <a:endParaRPr lang="zh-CN" altLang="en-US"/>
           </a:p>
@@ -3305,7 +3306,7 @@
           <a:p>
             <a:fld id="{9BFA0DB6-8180-4604-A98D-0DD79C15B413}" type="datetimeFigureOut">
               <a:rPr lang="zh-CN" altLang="en-US" smtClean="0"/>
-              <a:t>2018/5/24</a:t>
+              <a:t>2018/6/5</a:t>
             </a:fld>
             <a:endParaRPr lang="zh-CN" altLang="en-US"/>
           </a:p>
@@ -15710,6 +15711,523 @@
     <p:extLst>
       <p:ext uri="{BB962C8B-B14F-4D97-AF65-F5344CB8AC3E}">
         <p14:creationId xmlns:p14="http://schemas.microsoft.com/office/powerpoint/2010/main" val="63344595"/>
+      </p:ext>
+    </p:extLst>
+  </p:cSld>
+  <p:clrMapOvr>
+    <a:masterClrMapping/>
+  </p:clrMapOvr>
+  <mc:AlternateContent xmlns:mc="http://schemas.openxmlformats.org/markup-compatibility/2006" xmlns:p14="http://schemas.microsoft.com/office/powerpoint/2010/main">
+    <mc:Choice Requires="p14">
+      <p:transition spd="slow" p14:dur="1500" advClick="0" advTm="3000">
+        <p:random/>
+      </p:transition>
+    </mc:Choice>
+    <mc:Fallback xmlns="">
+      <p:transition spd="slow" advClick="0" advTm="3000">
+        <p:random/>
+      </p:transition>
+    </mc:Fallback>
+  </mc:AlternateContent>
+</p:sld>
+</file>
+
+<file path=ppt/slides/slide4.xml><?xml version="1.0" encoding="utf-8"?>
+<p:sld xmlns:a="http://schemas.openxmlformats.org/drawingml/2006/main" xmlns:r="http://schemas.openxmlformats.org/officeDocument/2006/relationships" xmlns:p="http://schemas.openxmlformats.org/presentationml/2006/main">
+  <p:cSld>
+    <p:spTree>
+      <p:nvGrpSpPr>
+        <p:cNvPr id="1" name=""/>
+        <p:cNvGrpSpPr/>
+        <p:nvPr/>
+      </p:nvGrpSpPr>
+      <p:grpSpPr>
+        <a:xfrm>
+          <a:off x="0" y="0"/>
+          <a:ext cx="0" cy="0"/>
+          <a:chOff x="0" y="0"/>
+          <a:chExt cx="0" cy="0"/>
+        </a:xfrm>
+      </p:grpSpPr>
+      <p:pic>
+        <p:nvPicPr>
+          <p:cNvPr id="3" name="图片 2">
+            <a:extLst>
+              <a:ext uri="{FF2B5EF4-FFF2-40B4-BE49-F238E27FC236}">
+                <a16:creationId xmlns:a16="http://schemas.microsoft.com/office/drawing/2014/main" id="{97483350-0227-4277-B005-02AB3043B46C}"/>
+              </a:ext>
+            </a:extLst>
+          </p:cNvPr>
+          <p:cNvPicPr>
+            <a:picLocks noChangeAspect="1"/>
+          </p:cNvPicPr>
+          <p:nvPr/>
+        </p:nvPicPr>
+        <p:blipFill>
+          <a:blip r:embed="rId2">
+            <a:extLst>
+              <a:ext uri="{28A0092B-C50C-407E-A947-70E740481C1C}">
+                <a14:useLocalDpi xmlns:a14="http://schemas.microsoft.com/office/drawing/2010/main" val="0"/>
+              </a:ext>
+            </a:extLst>
+          </a:blip>
+          <a:stretch>
+            <a:fillRect/>
+          </a:stretch>
+        </p:blipFill>
+        <p:spPr>
+          <a:xfrm>
+            <a:off x="1401283" y="0"/>
+            <a:ext cx="4758712" cy="6858000"/>
+          </a:xfrm>
+          <a:prstGeom prst="rect">
+            <a:avLst/>
+          </a:prstGeom>
+        </p:spPr>
+      </p:pic>
+      <p:grpSp>
+        <p:nvGrpSpPr>
+          <p:cNvPr id="4" name="组合 3">
+            <a:extLst>
+              <a:ext uri="{FF2B5EF4-FFF2-40B4-BE49-F238E27FC236}">
+                <a16:creationId xmlns:a16="http://schemas.microsoft.com/office/drawing/2014/main" id="{41857DA7-05B6-4A10-8DEA-D08987080049}"/>
+              </a:ext>
+            </a:extLst>
+          </p:cNvPr>
+          <p:cNvGrpSpPr/>
+          <p:nvPr/>
+        </p:nvGrpSpPr>
+        <p:grpSpPr>
+          <a:xfrm>
+            <a:off x="164616" y="178180"/>
+            <a:ext cx="2804616" cy="368580"/>
+            <a:chOff x="164616" y="178180"/>
+            <a:chExt cx="2804616" cy="368580"/>
+          </a:xfrm>
+        </p:grpSpPr>
+        <p:cxnSp>
+          <p:nvCxnSpPr>
+            <p:cNvPr id="5" name="直接连接符 4">
+              <a:extLst>
+                <a:ext uri="{FF2B5EF4-FFF2-40B4-BE49-F238E27FC236}">
+                  <a16:creationId xmlns:a16="http://schemas.microsoft.com/office/drawing/2014/main" id="{22B64E55-391E-44D0-857F-F9880AC87598}"/>
+                </a:ext>
+              </a:extLst>
+            </p:cNvPr>
+            <p:cNvCxnSpPr>
+              <a:cxnSpLocks/>
+            </p:cNvCxnSpPr>
+            <p:nvPr/>
+          </p:nvCxnSpPr>
+          <p:spPr>
+            <a:xfrm flipV="1">
+              <a:off x="164616" y="535956"/>
+              <a:ext cx="2804616" cy="10804"/>
+            </a:xfrm>
+            <a:prstGeom prst="line">
+              <a:avLst/>
+            </a:prstGeom>
+            <a:ln>
+              <a:solidFill>
+                <a:srgbClr val="314865"/>
+              </a:solidFill>
+            </a:ln>
+          </p:spPr>
+          <p:style>
+            <a:lnRef idx="1">
+              <a:schemeClr val="accent1"/>
+            </a:lnRef>
+            <a:fillRef idx="0">
+              <a:schemeClr val="accent1"/>
+            </a:fillRef>
+            <a:effectRef idx="0">
+              <a:schemeClr val="accent1"/>
+            </a:effectRef>
+            <a:fontRef idx="minor">
+              <a:schemeClr val="tx1"/>
+            </a:fontRef>
+          </p:style>
+        </p:cxnSp>
+        <p:sp>
+          <p:nvSpPr>
+            <p:cNvPr id="6" name="文本框 5">
+              <a:extLst>
+                <a:ext uri="{FF2B5EF4-FFF2-40B4-BE49-F238E27FC236}">
+                  <a16:creationId xmlns:a16="http://schemas.microsoft.com/office/drawing/2014/main" id="{55971322-6359-4E34-942D-0332A092B272}"/>
+                </a:ext>
+              </a:extLst>
+            </p:cNvPr>
+            <p:cNvSpPr txBox="1"/>
+            <p:nvPr/>
+          </p:nvSpPr>
+          <p:spPr>
+            <a:xfrm>
+              <a:off x="534486" y="178180"/>
+              <a:ext cx="2434746" cy="338554"/>
+            </a:xfrm>
+            <a:prstGeom prst="rect">
+              <a:avLst/>
+            </a:prstGeom>
+            <a:noFill/>
+          </p:spPr>
+          <p:txBody>
+            <a:bodyPr wrap="square" rtlCol="0">
+              <a:spAutoFit/>
+            </a:bodyPr>
+            <a:lstStyle/>
+            <a:p>
+              <a:pPr>
+                <a:spcBef>
+                  <a:spcPct val="20000"/>
+                </a:spcBef>
+                <a:buClr>
+                  <a:schemeClr val="hlink"/>
+                </a:buClr>
+                <a:buSzPct val="65000"/>
+              </a:pPr>
+              <a:r>
+                <a:rPr lang="en-US" altLang="zh-CN" sz="1600" b="1" dirty="0" err="1">
+                  <a:solidFill>
+                    <a:srgbClr val="314865"/>
+                  </a:solidFill>
+                  <a:effectLst>
+                    <a:innerShdw blurRad="63500" dist="50800" dir="13500000">
+                      <a:prstClr val="black">
+                        <a:alpha val="50000"/>
+                      </a:prstClr>
+                    </a:innerShdw>
+                  </a:effectLst>
+                  <a:latin typeface="Arial"/>
+                  <a:ea typeface="微软雅黑"/>
+                  <a:sym typeface="Arial"/>
+                </a:rPr>
+                <a:t>Pachira</a:t>
+              </a:r>
+              <a:r>
+                <a:rPr lang="en-US" altLang="zh-CN" sz="1600" b="1" dirty="0">
+                  <a:solidFill>
+                    <a:srgbClr val="314865"/>
+                  </a:solidFill>
+                  <a:effectLst>
+                    <a:innerShdw blurRad="63500" dist="50800" dir="13500000">
+                      <a:prstClr val="black">
+                        <a:alpha val="50000"/>
+                      </a:prstClr>
+                    </a:innerShdw>
+                  </a:effectLst>
+                  <a:latin typeface="Arial"/>
+                  <a:ea typeface="微软雅黑"/>
+                  <a:sym typeface="Arial"/>
+                </a:rPr>
+                <a:t>-party</a:t>
+              </a:r>
+              <a:r>
+                <a:rPr lang="zh-CN" altLang="en-US" sz="1600" b="1" dirty="0">
+                  <a:solidFill>
+                    <a:srgbClr val="314865"/>
+                  </a:solidFill>
+                  <a:effectLst>
+                    <a:innerShdw blurRad="63500" dist="50800" dir="13500000">
+                      <a:prstClr val="black">
+                        <a:alpha val="50000"/>
+                      </a:prstClr>
+                    </a:innerShdw>
+                  </a:effectLst>
+                  <a:latin typeface="Arial"/>
+                  <a:ea typeface="微软雅黑"/>
+                  <a:sym typeface="Arial"/>
+                </a:rPr>
+                <a:t>模块</a:t>
+              </a:r>
+              <a:r>
+                <a:rPr lang="en-US" altLang="zh-CN" sz="1600" b="1" dirty="0">
+                  <a:solidFill>
+                    <a:srgbClr val="314865"/>
+                  </a:solidFill>
+                  <a:effectLst>
+                    <a:innerShdw blurRad="63500" dist="50800" dir="13500000">
+                      <a:prstClr val="black">
+                        <a:alpha val="50000"/>
+                      </a:prstClr>
+                    </a:innerShdw>
+                  </a:effectLst>
+                  <a:latin typeface="Arial"/>
+                  <a:ea typeface="微软雅黑"/>
+                  <a:sym typeface="Arial"/>
+                </a:rPr>
+                <a:t>ER</a:t>
+              </a:r>
+              <a:r>
+                <a:rPr lang="zh-CN" altLang="en-US" sz="1600" b="1" dirty="0">
+                  <a:solidFill>
+                    <a:srgbClr val="314865"/>
+                  </a:solidFill>
+                  <a:effectLst>
+                    <a:innerShdw blurRad="63500" dist="50800" dir="13500000">
+                      <a:prstClr val="black">
+                        <a:alpha val="50000"/>
+                      </a:prstClr>
+                    </a:innerShdw>
+                  </a:effectLst>
+                  <a:latin typeface="Arial"/>
+                  <a:ea typeface="微软雅黑"/>
+                  <a:sym typeface="Arial"/>
+                </a:rPr>
+                <a:t>图</a:t>
+              </a:r>
+            </a:p>
+          </p:txBody>
+        </p:sp>
+        <p:sp>
+          <p:nvSpPr>
+            <p:cNvPr id="7" name="矩形 6">
+              <a:extLst>
+                <a:ext uri="{FF2B5EF4-FFF2-40B4-BE49-F238E27FC236}">
+                  <a16:creationId xmlns:a16="http://schemas.microsoft.com/office/drawing/2014/main" id="{A10F4B98-BE7D-443D-B8AF-CB6A33A24C82}"/>
+                </a:ext>
+              </a:extLst>
+            </p:cNvPr>
+            <p:cNvSpPr/>
+            <p:nvPr/>
+          </p:nvSpPr>
+          <p:spPr>
+            <a:xfrm>
+              <a:off x="164616" y="178180"/>
+              <a:ext cx="47829" cy="284416"/>
+            </a:xfrm>
+            <a:prstGeom prst="rect">
+              <a:avLst/>
+            </a:prstGeom>
+            <a:solidFill>
+              <a:srgbClr val="314865"/>
+            </a:solidFill>
+            <a:ln>
+              <a:solidFill>
+                <a:srgbClr val="314865"/>
+              </a:solidFill>
+            </a:ln>
+          </p:spPr>
+          <p:style>
+            <a:lnRef idx="2">
+              <a:schemeClr val="accent1">
+                <a:shade val="50000"/>
+              </a:schemeClr>
+            </a:lnRef>
+            <a:fillRef idx="1">
+              <a:schemeClr val="accent1"/>
+            </a:fillRef>
+            <a:effectRef idx="0">
+              <a:schemeClr val="accent1"/>
+            </a:effectRef>
+            <a:fontRef idx="minor">
+              <a:schemeClr val="lt1"/>
+            </a:fontRef>
+          </p:style>
+          <p:txBody>
+            <a:bodyPr rtlCol="0" anchor="ctr"/>
+            <a:lstStyle/>
+            <a:p>
+              <a:pPr algn="ctr"/>
+              <a:endParaRPr lang="zh-CN" altLang="en-US">
+                <a:latin typeface="Arial"/>
+                <a:ea typeface="微软雅黑"/>
+                <a:sym typeface="Arial"/>
+              </a:endParaRPr>
+            </a:p>
+          </p:txBody>
+        </p:sp>
+        <p:sp>
+          <p:nvSpPr>
+            <p:cNvPr id="8" name="矩形 7">
+              <a:extLst>
+                <a:ext uri="{FF2B5EF4-FFF2-40B4-BE49-F238E27FC236}">
+                  <a16:creationId xmlns:a16="http://schemas.microsoft.com/office/drawing/2014/main" id="{65ABA609-780B-4181-B9A3-F6D4276EEABF}"/>
+                </a:ext>
+              </a:extLst>
+            </p:cNvPr>
+            <p:cNvSpPr/>
+            <p:nvPr/>
+          </p:nvSpPr>
+          <p:spPr>
+            <a:xfrm>
+              <a:off x="275779" y="252586"/>
+              <a:ext cx="47828" cy="210010"/>
+            </a:xfrm>
+            <a:prstGeom prst="rect">
+              <a:avLst/>
+            </a:prstGeom>
+            <a:solidFill>
+              <a:srgbClr val="314865"/>
+            </a:solidFill>
+            <a:ln>
+              <a:solidFill>
+                <a:srgbClr val="314865"/>
+              </a:solidFill>
+            </a:ln>
+          </p:spPr>
+          <p:style>
+            <a:lnRef idx="2">
+              <a:schemeClr val="accent1">
+                <a:shade val="50000"/>
+              </a:schemeClr>
+            </a:lnRef>
+            <a:fillRef idx="1">
+              <a:schemeClr val="accent1"/>
+            </a:fillRef>
+            <a:effectRef idx="0">
+              <a:schemeClr val="accent1"/>
+            </a:effectRef>
+            <a:fontRef idx="minor">
+              <a:schemeClr val="lt1"/>
+            </a:fontRef>
+          </p:style>
+          <p:txBody>
+            <a:bodyPr rtlCol="0" anchor="ctr"/>
+            <a:lstStyle/>
+            <a:p>
+              <a:pPr algn="ctr"/>
+              <a:endParaRPr lang="zh-CN" altLang="en-US">
+                <a:latin typeface="Arial"/>
+                <a:ea typeface="微软雅黑"/>
+                <a:sym typeface="Arial"/>
+              </a:endParaRPr>
+            </a:p>
+          </p:txBody>
+        </p:sp>
+        <p:sp>
+          <p:nvSpPr>
+            <p:cNvPr id="9" name="矩形 8">
+              <a:extLst>
+                <a:ext uri="{FF2B5EF4-FFF2-40B4-BE49-F238E27FC236}">
+                  <a16:creationId xmlns:a16="http://schemas.microsoft.com/office/drawing/2014/main" id="{3B02C34C-1AE5-48A4-A341-BB326AD62AAC}"/>
+                </a:ext>
+              </a:extLst>
+            </p:cNvPr>
+            <p:cNvSpPr/>
+            <p:nvPr/>
+          </p:nvSpPr>
+          <p:spPr>
+            <a:xfrm flipH="1">
+              <a:off x="377808" y="320388"/>
+              <a:ext cx="47827" cy="142208"/>
+            </a:xfrm>
+            <a:prstGeom prst="rect">
+              <a:avLst/>
+            </a:prstGeom>
+            <a:solidFill>
+              <a:srgbClr val="314865"/>
+            </a:solidFill>
+            <a:ln>
+              <a:solidFill>
+                <a:srgbClr val="314865"/>
+              </a:solidFill>
+            </a:ln>
+          </p:spPr>
+          <p:style>
+            <a:lnRef idx="2">
+              <a:schemeClr val="accent1">
+                <a:shade val="50000"/>
+              </a:schemeClr>
+            </a:lnRef>
+            <a:fillRef idx="1">
+              <a:schemeClr val="accent1"/>
+            </a:fillRef>
+            <a:effectRef idx="0">
+              <a:schemeClr val="accent1"/>
+            </a:effectRef>
+            <a:fontRef idx="minor">
+              <a:schemeClr val="lt1"/>
+            </a:fontRef>
+          </p:style>
+          <p:txBody>
+            <a:bodyPr rtlCol="0" anchor="ctr"/>
+            <a:lstStyle/>
+            <a:p>
+              <a:pPr algn="ctr"/>
+              <a:endParaRPr lang="zh-CN" altLang="en-US">
+                <a:latin typeface="Arial"/>
+                <a:ea typeface="微软雅黑"/>
+                <a:sym typeface="Arial"/>
+              </a:endParaRPr>
+            </a:p>
+          </p:txBody>
+        </p:sp>
+      </p:grpSp>
+      <p:pic>
+        <p:nvPicPr>
+          <p:cNvPr id="10" name="图片 9">
+            <a:extLst>
+              <a:ext uri="{FF2B5EF4-FFF2-40B4-BE49-F238E27FC236}">
+                <a16:creationId xmlns:a16="http://schemas.microsoft.com/office/drawing/2014/main" id="{396BCF7B-2D5E-4218-A99E-110E53778EFE}"/>
+              </a:ext>
+            </a:extLst>
+          </p:cNvPr>
+          <p:cNvPicPr>
+            <a:picLocks noChangeAspect="1"/>
+          </p:cNvPicPr>
+          <p:nvPr/>
+        </p:nvPicPr>
+        <p:blipFill>
+          <a:blip r:embed="rId3"/>
+          <a:stretch>
+            <a:fillRect/>
+          </a:stretch>
+        </p:blipFill>
+        <p:spPr>
+          <a:xfrm>
+            <a:off x="6321467" y="831931"/>
+            <a:ext cx="5790476" cy="2276190"/>
+          </a:xfrm>
+          <a:prstGeom prst="rect">
+            <a:avLst/>
+          </a:prstGeom>
+        </p:spPr>
+      </p:pic>
+      <p:cxnSp>
+        <p:nvCxnSpPr>
+          <p:cNvPr id="12" name="连接符: 肘形 11">
+            <a:extLst>
+              <a:ext uri="{FF2B5EF4-FFF2-40B4-BE49-F238E27FC236}">
+                <a16:creationId xmlns:a16="http://schemas.microsoft.com/office/drawing/2014/main" id="{4A58CFC6-139F-471B-B000-6208E7D05753}"/>
+              </a:ext>
+            </a:extLst>
+          </p:cNvPr>
+          <p:cNvCxnSpPr>
+            <a:endCxn id="10" idx="0"/>
+          </p:cNvCxnSpPr>
+          <p:nvPr/>
+        </p:nvCxnSpPr>
+        <p:spPr>
+          <a:xfrm>
+            <a:off x="4018327" y="320388"/>
+            <a:ext cx="5198378" cy="511543"/>
+          </a:xfrm>
+          <a:prstGeom prst="bentConnector2">
+            <a:avLst/>
+          </a:prstGeom>
+          <a:ln>
+            <a:tailEnd type="triangle"/>
+          </a:ln>
+        </p:spPr>
+        <p:style>
+          <a:lnRef idx="1">
+            <a:schemeClr val="accent1"/>
+          </a:lnRef>
+          <a:fillRef idx="0">
+            <a:schemeClr val="accent1"/>
+          </a:fillRef>
+          <a:effectRef idx="0">
+            <a:schemeClr val="accent1"/>
+          </a:effectRef>
+          <a:fontRef idx="minor">
+            <a:schemeClr val="tx1"/>
+          </a:fontRef>
+        </p:style>
+      </p:cxnSp>
+    </p:spTree>
+    <p:extLst>
+      <p:ext uri="{BB962C8B-B14F-4D97-AF65-F5344CB8AC3E}">
+        <p14:creationId xmlns:p14="http://schemas.microsoft.com/office/powerpoint/2010/main" val="2688464123"/>
       </p:ext>
     </p:extLst>
   </p:cSld>

--- a/微服务架构设计.pptx
+++ b/微服务架构设计.pptx
@@ -5,13 +5,15 @@
     <p:sldMasterId id="2147483648" r:id="rId1"/>
   </p:sldMasterIdLst>
   <p:notesMasterIdLst>
-    <p:notesMasterId r:id="rId6"/>
+    <p:notesMasterId r:id="rId8"/>
   </p:notesMasterIdLst>
   <p:sldIdLst>
     <p:sldId id="296" r:id="rId2"/>
     <p:sldId id="297" r:id="rId3"/>
     <p:sldId id="298" r:id="rId4"/>
     <p:sldId id="299" r:id="rId5"/>
+    <p:sldId id="300" r:id="rId6"/>
+    <p:sldId id="301" r:id="rId7"/>
   </p:sldIdLst>
   <p:sldSz cx="12192000" cy="6858000"/>
   <p:notesSz cx="6858000" cy="9144000"/>
@@ -200,7 +202,7 @@
           <a:p>
             <a:fld id="{BCAB5E81-B69B-48F4-A8D3-A868925CC90D}" type="datetimeFigureOut">
               <a:rPr lang="zh-CN" altLang="en-US" smtClean="0"/>
-              <a:t>2018/6/5</a:t>
+              <a:t>2018/8/24</a:t>
             </a:fld>
             <a:endParaRPr lang="zh-CN" altLang="en-US"/>
           </a:p>
@@ -614,7 +616,7 @@
           <a:p>
             <a:fld id="{9BFA0DB6-8180-4604-A98D-0DD79C15B413}" type="datetimeFigureOut">
               <a:rPr lang="zh-CN" altLang="en-US" smtClean="0"/>
-              <a:t>2018/6/5</a:t>
+              <a:t>2018/8/24</a:t>
             </a:fld>
             <a:endParaRPr lang="zh-CN" altLang="en-US"/>
           </a:p>
@@ -812,7 +814,7 @@
           <a:p>
             <a:fld id="{9BFA0DB6-8180-4604-A98D-0DD79C15B413}" type="datetimeFigureOut">
               <a:rPr lang="zh-CN" altLang="en-US" smtClean="0"/>
-              <a:t>2018/6/5</a:t>
+              <a:t>2018/8/24</a:t>
             </a:fld>
             <a:endParaRPr lang="zh-CN" altLang="en-US"/>
           </a:p>
@@ -1020,7 +1022,7 @@
           <a:p>
             <a:fld id="{9BFA0DB6-8180-4604-A98D-0DD79C15B413}" type="datetimeFigureOut">
               <a:rPr lang="zh-CN" altLang="en-US" smtClean="0"/>
-              <a:t>2018/6/5</a:t>
+              <a:t>2018/8/24</a:t>
             </a:fld>
             <a:endParaRPr lang="zh-CN" altLang="en-US"/>
           </a:p>
@@ -1260,7 +1262,7 @@
           <a:p>
             <a:fld id="{9BFA0DB6-8180-4604-A98D-0DD79C15B413}" type="datetimeFigureOut">
               <a:rPr lang="zh-CN" altLang="en-US" smtClean="0"/>
-              <a:t>2018/6/5</a:t>
+              <a:t>2018/8/24</a:t>
             </a:fld>
             <a:endParaRPr lang="zh-CN" altLang="en-US"/>
           </a:p>
@@ -1535,7 +1537,7 @@
           <a:p>
             <a:fld id="{9BFA0DB6-8180-4604-A98D-0DD79C15B413}" type="datetimeFigureOut">
               <a:rPr lang="zh-CN" altLang="en-US" smtClean="0"/>
-              <a:t>2018/6/5</a:t>
+              <a:t>2018/8/24</a:t>
             </a:fld>
             <a:endParaRPr lang="zh-CN" altLang="en-US"/>
           </a:p>
@@ -1800,7 +1802,7 @@
           <a:p>
             <a:fld id="{9BFA0DB6-8180-4604-A98D-0DD79C15B413}" type="datetimeFigureOut">
               <a:rPr lang="zh-CN" altLang="en-US" smtClean="0"/>
-              <a:t>2018/6/5</a:t>
+              <a:t>2018/8/24</a:t>
             </a:fld>
             <a:endParaRPr lang="zh-CN" altLang="en-US"/>
           </a:p>
@@ -2212,7 +2214,7 @@
           <a:p>
             <a:fld id="{9BFA0DB6-8180-4604-A98D-0DD79C15B413}" type="datetimeFigureOut">
               <a:rPr lang="zh-CN" altLang="en-US" smtClean="0"/>
-              <a:t>2018/6/5</a:t>
+              <a:t>2018/8/24</a:t>
             </a:fld>
             <a:endParaRPr lang="zh-CN" altLang="en-US"/>
           </a:p>
@@ -2353,7 +2355,7 @@
           <a:p>
             <a:fld id="{9BFA0DB6-8180-4604-A98D-0DD79C15B413}" type="datetimeFigureOut">
               <a:rPr lang="zh-CN" altLang="en-US" smtClean="0"/>
-              <a:t>2018/6/5</a:t>
+              <a:t>2018/8/24</a:t>
             </a:fld>
             <a:endParaRPr lang="zh-CN" altLang="en-US"/>
           </a:p>
@@ -2466,7 +2468,7 @@
           <a:p>
             <a:fld id="{9BFA0DB6-8180-4604-A98D-0DD79C15B413}" type="datetimeFigureOut">
               <a:rPr lang="zh-CN" altLang="en-US" smtClean="0"/>
-              <a:t>2018/6/5</a:t>
+              <a:t>2018/8/24</a:t>
             </a:fld>
             <a:endParaRPr lang="zh-CN" altLang="en-US"/>
           </a:p>
@@ -2777,7 +2779,7 @@
           <a:p>
             <a:fld id="{9BFA0DB6-8180-4604-A98D-0DD79C15B413}" type="datetimeFigureOut">
               <a:rPr lang="zh-CN" altLang="en-US" smtClean="0"/>
-              <a:t>2018/6/5</a:t>
+              <a:t>2018/8/24</a:t>
             </a:fld>
             <a:endParaRPr lang="zh-CN" altLang="en-US"/>
           </a:p>
@@ -3065,7 +3067,7 @@
           <a:p>
             <a:fld id="{9BFA0DB6-8180-4604-A98D-0DD79C15B413}" type="datetimeFigureOut">
               <a:rPr lang="zh-CN" altLang="en-US" smtClean="0"/>
-              <a:t>2018/6/5</a:t>
+              <a:t>2018/8/24</a:t>
             </a:fld>
             <a:endParaRPr lang="zh-CN" altLang="en-US"/>
           </a:p>
@@ -3306,7 +3308,7 @@
           <a:p>
             <a:fld id="{9BFA0DB6-8180-4604-A98D-0DD79C15B413}" type="datetimeFigureOut">
               <a:rPr lang="zh-CN" altLang="en-US" smtClean="0"/>
-              <a:t>2018/6/5</a:t>
+              <a:t>2018/8/24</a:t>
             </a:fld>
             <a:endParaRPr lang="zh-CN" altLang="en-US"/>
           </a:p>
@@ -9003,7 +9005,7 @@
             <a:pPr algn="ctr"/>
             <a:r>
               <a:rPr lang="en-US" altLang="zh-CN" dirty="0"/>
-              <a:t>Eureka</a:t>
+              <a:t>Consul</a:t>
             </a:r>
             <a:r>
               <a:rPr lang="zh-CN" altLang="en-US" dirty="0"/>
@@ -16228,6 +16230,1052 @@
     <p:extLst>
       <p:ext uri="{BB962C8B-B14F-4D97-AF65-F5344CB8AC3E}">
         <p14:creationId xmlns:p14="http://schemas.microsoft.com/office/powerpoint/2010/main" val="2688464123"/>
+      </p:ext>
+    </p:extLst>
+  </p:cSld>
+  <p:clrMapOvr>
+    <a:masterClrMapping/>
+  </p:clrMapOvr>
+  <mc:AlternateContent xmlns:mc="http://schemas.openxmlformats.org/markup-compatibility/2006" xmlns:p14="http://schemas.microsoft.com/office/powerpoint/2010/main">
+    <mc:Choice Requires="p14">
+      <p:transition spd="slow" p14:dur="1500" advClick="0" advTm="3000">
+        <p:random/>
+      </p:transition>
+    </mc:Choice>
+    <mc:Fallback xmlns="">
+      <p:transition spd="slow" advClick="0" advTm="3000">
+        <p:random/>
+      </p:transition>
+    </mc:Fallback>
+  </mc:AlternateContent>
+</p:sld>
+</file>
+
+<file path=ppt/slides/slide5.xml><?xml version="1.0" encoding="utf-8"?>
+<p:sld xmlns:a="http://schemas.openxmlformats.org/drawingml/2006/main" xmlns:r="http://schemas.openxmlformats.org/officeDocument/2006/relationships" xmlns:p="http://schemas.openxmlformats.org/presentationml/2006/main">
+  <p:cSld>
+    <p:spTree>
+      <p:nvGrpSpPr>
+        <p:cNvPr id="1" name=""/>
+        <p:cNvGrpSpPr/>
+        <p:nvPr/>
+      </p:nvGrpSpPr>
+      <p:grpSpPr>
+        <a:xfrm>
+          <a:off x="0" y="0"/>
+          <a:ext cx="0" cy="0"/>
+          <a:chOff x="0" y="0"/>
+          <a:chExt cx="0" cy="0"/>
+        </a:xfrm>
+      </p:grpSpPr>
+      <p:grpSp>
+        <p:nvGrpSpPr>
+          <p:cNvPr id="4" name="组合 3">
+            <a:extLst>
+              <a:ext uri="{FF2B5EF4-FFF2-40B4-BE49-F238E27FC236}">
+                <a16:creationId xmlns:a16="http://schemas.microsoft.com/office/drawing/2014/main" id="{41857DA7-05B6-4A10-8DEA-D08987080049}"/>
+              </a:ext>
+            </a:extLst>
+          </p:cNvPr>
+          <p:cNvGrpSpPr/>
+          <p:nvPr/>
+        </p:nvGrpSpPr>
+        <p:grpSpPr>
+          <a:xfrm>
+            <a:off x="164616" y="178180"/>
+            <a:ext cx="2804616" cy="368580"/>
+            <a:chOff x="164616" y="178180"/>
+            <a:chExt cx="2804616" cy="368580"/>
+          </a:xfrm>
+        </p:grpSpPr>
+        <p:cxnSp>
+          <p:nvCxnSpPr>
+            <p:cNvPr id="5" name="直接连接符 4">
+              <a:extLst>
+                <a:ext uri="{FF2B5EF4-FFF2-40B4-BE49-F238E27FC236}">
+                  <a16:creationId xmlns:a16="http://schemas.microsoft.com/office/drawing/2014/main" id="{22B64E55-391E-44D0-857F-F9880AC87598}"/>
+                </a:ext>
+              </a:extLst>
+            </p:cNvPr>
+            <p:cNvCxnSpPr>
+              <a:cxnSpLocks/>
+            </p:cNvCxnSpPr>
+            <p:nvPr/>
+          </p:nvCxnSpPr>
+          <p:spPr>
+            <a:xfrm flipV="1">
+              <a:off x="164616" y="535956"/>
+              <a:ext cx="2804616" cy="10804"/>
+            </a:xfrm>
+            <a:prstGeom prst="line">
+              <a:avLst/>
+            </a:prstGeom>
+            <a:ln>
+              <a:solidFill>
+                <a:srgbClr val="314865"/>
+              </a:solidFill>
+            </a:ln>
+          </p:spPr>
+          <p:style>
+            <a:lnRef idx="1">
+              <a:schemeClr val="accent1"/>
+            </a:lnRef>
+            <a:fillRef idx="0">
+              <a:schemeClr val="accent1"/>
+            </a:fillRef>
+            <a:effectRef idx="0">
+              <a:schemeClr val="accent1"/>
+            </a:effectRef>
+            <a:fontRef idx="minor">
+              <a:schemeClr val="tx1"/>
+            </a:fontRef>
+          </p:style>
+        </p:cxnSp>
+        <p:sp>
+          <p:nvSpPr>
+            <p:cNvPr id="6" name="文本框 5">
+              <a:extLst>
+                <a:ext uri="{FF2B5EF4-FFF2-40B4-BE49-F238E27FC236}">
+                  <a16:creationId xmlns:a16="http://schemas.microsoft.com/office/drawing/2014/main" id="{55971322-6359-4E34-942D-0332A092B272}"/>
+                </a:ext>
+              </a:extLst>
+            </p:cNvPr>
+            <p:cNvSpPr txBox="1"/>
+            <p:nvPr/>
+          </p:nvSpPr>
+          <p:spPr>
+            <a:xfrm>
+              <a:off x="534486" y="178180"/>
+              <a:ext cx="2434746" cy="338554"/>
+            </a:xfrm>
+            <a:prstGeom prst="rect">
+              <a:avLst/>
+            </a:prstGeom>
+            <a:noFill/>
+          </p:spPr>
+          <p:txBody>
+            <a:bodyPr wrap="square" rtlCol="0">
+              <a:spAutoFit/>
+            </a:bodyPr>
+            <a:lstStyle/>
+            <a:p>
+              <a:pPr>
+                <a:spcBef>
+                  <a:spcPct val="20000"/>
+                </a:spcBef>
+                <a:buClr>
+                  <a:schemeClr val="hlink"/>
+                </a:buClr>
+                <a:buSzPct val="65000"/>
+              </a:pPr>
+              <a:r>
+                <a:rPr lang="en-US" altLang="zh-CN" sz="1600" b="1" dirty="0">
+                  <a:solidFill>
+                    <a:srgbClr val="314865"/>
+                  </a:solidFill>
+                  <a:effectLst>
+                    <a:innerShdw blurRad="63500" dist="50800" dir="13500000">
+                      <a:prstClr val="black">
+                        <a:alpha val="50000"/>
+                      </a:prstClr>
+                    </a:innerShdw>
+                  </a:effectLst>
+                  <a:latin typeface="Arial"/>
+                  <a:ea typeface="微软雅黑"/>
+                  <a:sym typeface="Arial"/>
+                </a:rPr>
+                <a:t>Consul</a:t>
+              </a:r>
+              <a:r>
+                <a:rPr lang="zh-CN" altLang="en-US" sz="1600" b="1" dirty="0">
+                  <a:solidFill>
+                    <a:srgbClr val="314865"/>
+                  </a:solidFill>
+                  <a:effectLst>
+                    <a:innerShdw blurRad="63500" dist="50800" dir="13500000">
+                      <a:prstClr val="black">
+                        <a:alpha val="50000"/>
+                      </a:prstClr>
+                    </a:innerShdw>
+                  </a:effectLst>
+                  <a:latin typeface="Arial"/>
+                  <a:ea typeface="微软雅黑"/>
+                  <a:sym typeface="Arial"/>
+                </a:rPr>
+                <a:t>注册中心</a:t>
+              </a:r>
+            </a:p>
+          </p:txBody>
+        </p:sp>
+        <p:sp>
+          <p:nvSpPr>
+            <p:cNvPr id="7" name="矩形 6">
+              <a:extLst>
+                <a:ext uri="{FF2B5EF4-FFF2-40B4-BE49-F238E27FC236}">
+                  <a16:creationId xmlns:a16="http://schemas.microsoft.com/office/drawing/2014/main" id="{A10F4B98-BE7D-443D-B8AF-CB6A33A24C82}"/>
+                </a:ext>
+              </a:extLst>
+            </p:cNvPr>
+            <p:cNvSpPr/>
+            <p:nvPr/>
+          </p:nvSpPr>
+          <p:spPr>
+            <a:xfrm>
+              <a:off x="164616" y="178180"/>
+              <a:ext cx="47829" cy="284416"/>
+            </a:xfrm>
+            <a:prstGeom prst="rect">
+              <a:avLst/>
+            </a:prstGeom>
+            <a:solidFill>
+              <a:srgbClr val="314865"/>
+            </a:solidFill>
+            <a:ln>
+              <a:solidFill>
+                <a:srgbClr val="314865"/>
+              </a:solidFill>
+            </a:ln>
+          </p:spPr>
+          <p:style>
+            <a:lnRef idx="2">
+              <a:schemeClr val="accent1">
+                <a:shade val="50000"/>
+              </a:schemeClr>
+            </a:lnRef>
+            <a:fillRef idx="1">
+              <a:schemeClr val="accent1"/>
+            </a:fillRef>
+            <a:effectRef idx="0">
+              <a:schemeClr val="accent1"/>
+            </a:effectRef>
+            <a:fontRef idx="minor">
+              <a:schemeClr val="lt1"/>
+            </a:fontRef>
+          </p:style>
+          <p:txBody>
+            <a:bodyPr rtlCol="0" anchor="ctr"/>
+            <a:lstStyle/>
+            <a:p>
+              <a:pPr algn="ctr"/>
+              <a:endParaRPr lang="zh-CN" altLang="en-US">
+                <a:latin typeface="Arial"/>
+                <a:ea typeface="微软雅黑"/>
+                <a:sym typeface="Arial"/>
+              </a:endParaRPr>
+            </a:p>
+          </p:txBody>
+        </p:sp>
+        <p:sp>
+          <p:nvSpPr>
+            <p:cNvPr id="8" name="矩形 7">
+              <a:extLst>
+                <a:ext uri="{FF2B5EF4-FFF2-40B4-BE49-F238E27FC236}">
+                  <a16:creationId xmlns:a16="http://schemas.microsoft.com/office/drawing/2014/main" id="{65ABA609-780B-4181-B9A3-F6D4276EEABF}"/>
+                </a:ext>
+              </a:extLst>
+            </p:cNvPr>
+            <p:cNvSpPr/>
+            <p:nvPr/>
+          </p:nvSpPr>
+          <p:spPr>
+            <a:xfrm>
+              <a:off x="275779" y="252586"/>
+              <a:ext cx="47828" cy="210010"/>
+            </a:xfrm>
+            <a:prstGeom prst="rect">
+              <a:avLst/>
+            </a:prstGeom>
+            <a:solidFill>
+              <a:srgbClr val="314865"/>
+            </a:solidFill>
+            <a:ln>
+              <a:solidFill>
+                <a:srgbClr val="314865"/>
+              </a:solidFill>
+            </a:ln>
+          </p:spPr>
+          <p:style>
+            <a:lnRef idx="2">
+              <a:schemeClr val="accent1">
+                <a:shade val="50000"/>
+              </a:schemeClr>
+            </a:lnRef>
+            <a:fillRef idx="1">
+              <a:schemeClr val="accent1"/>
+            </a:fillRef>
+            <a:effectRef idx="0">
+              <a:schemeClr val="accent1"/>
+            </a:effectRef>
+            <a:fontRef idx="minor">
+              <a:schemeClr val="lt1"/>
+            </a:fontRef>
+          </p:style>
+          <p:txBody>
+            <a:bodyPr rtlCol="0" anchor="ctr"/>
+            <a:lstStyle/>
+            <a:p>
+              <a:pPr algn="ctr"/>
+              <a:endParaRPr lang="zh-CN" altLang="en-US">
+                <a:latin typeface="Arial"/>
+                <a:ea typeface="微软雅黑"/>
+                <a:sym typeface="Arial"/>
+              </a:endParaRPr>
+            </a:p>
+          </p:txBody>
+        </p:sp>
+        <p:sp>
+          <p:nvSpPr>
+            <p:cNvPr id="9" name="矩形 8">
+              <a:extLst>
+                <a:ext uri="{FF2B5EF4-FFF2-40B4-BE49-F238E27FC236}">
+                  <a16:creationId xmlns:a16="http://schemas.microsoft.com/office/drawing/2014/main" id="{3B02C34C-1AE5-48A4-A341-BB326AD62AAC}"/>
+                </a:ext>
+              </a:extLst>
+            </p:cNvPr>
+            <p:cNvSpPr/>
+            <p:nvPr/>
+          </p:nvSpPr>
+          <p:spPr>
+            <a:xfrm flipH="1">
+              <a:off x="377808" y="320388"/>
+              <a:ext cx="47827" cy="142208"/>
+            </a:xfrm>
+            <a:prstGeom prst="rect">
+              <a:avLst/>
+            </a:prstGeom>
+            <a:solidFill>
+              <a:srgbClr val="314865"/>
+            </a:solidFill>
+            <a:ln>
+              <a:solidFill>
+                <a:srgbClr val="314865"/>
+              </a:solidFill>
+            </a:ln>
+          </p:spPr>
+          <p:style>
+            <a:lnRef idx="2">
+              <a:schemeClr val="accent1">
+                <a:shade val="50000"/>
+              </a:schemeClr>
+            </a:lnRef>
+            <a:fillRef idx="1">
+              <a:schemeClr val="accent1"/>
+            </a:fillRef>
+            <a:effectRef idx="0">
+              <a:schemeClr val="accent1"/>
+            </a:effectRef>
+            <a:fontRef idx="minor">
+              <a:schemeClr val="lt1"/>
+            </a:fontRef>
+          </p:style>
+          <p:txBody>
+            <a:bodyPr rtlCol="0" anchor="ctr"/>
+            <a:lstStyle/>
+            <a:p>
+              <a:pPr algn="ctr"/>
+              <a:endParaRPr lang="zh-CN" altLang="en-US">
+                <a:latin typeface="Arial"/>
+                <a:ea typeface="微软雅黑"/>
+                <a:sym typeface="Arial"/>
+              </a:endParaRPr>
+            </a:p>
+          </p:txBody>
+        </p:sp>
+      </p:grpSp>
+      <p:sp>
+        <p:nvSpPr>
+          <p:cNvPr id="2" name="矩形 1">
+            <a:extLst>
+              <a:ext uri="{FF2B5EF4-FFF2-40B4-BE49-F238E27FC236}">
+                <a16:creationId xmlns:a16="http://schemas.microsoft.com/office/drawing/2014/main" id="{F69E19E6-C2DF-4898-86F2-DC048895B618}"/>
+              </a:ext>
+            </a:extLst>
+          </p:cNvPr>
+          <p:cNvSpPr/>
+          <p:nvPr/>
+        </p:nvSpPr>
+        <p:spPr>
+          <a:xfrm>
+            <a:off x="3115110" y="1033556"/>
+            <a:ext cx="7975135" cy="307777"/>
+          </a:xfrm>
+          <a:prstGeom prst="rect">
+            <a:avLst/>
+          </a:prstGeom>
+          <a:noFill/>
+        </p:spPr>
+        <p:txBody>
+          <a:bodyPr wrap="square" rtlCol="0">
+            <a:spAutoFit/>
+          </a:bodyPr>
+          <a:lstStyle/>
+          <a:p>
+            <a:r>
+              <a:rPr lang="zh-CN" altLang="en-US" sz="1400" dirty="0">
+                <a:solidFill>
+                  <a:schemeClr val="accent1"/>
+                </a:solidFill>
+                <a:latin typeface="微软雅黑" panose="020B0503020204020204" pitchFamily="34" charset="-122"/>
+                <a:ea typeface="微软雅黑" panose="020B0503020204020204" pitchFamily="34" charset="-122"/>
+              </a:rPr>
+              <a:t>https://releases.hashicorp.com/consul/1.2.2/consul_1.2.2_windows_amd64.zip</a:t>
+            </a:r>
+            <a:endParaRPr lang="en-US" altLang="zh-CN" sz="1400" dirty="0">
+              <a:solidFill>
+                <a:schemeClr val="accent1"/>
+              </a:solidFill>
+              <a:latin typeface="微软雅黑" panose="020B0503020204020204" pitchFamily="34" charset="-122"/>
+              <a:ea typeface="微软雅黑" panose="020B0503020204020204" pitchFamily="34" charset="-122"/>
+            </a:endParaRPr>
+          </a:p>
+        </p:txBody>
+      </p:sp>
+      <p:pic>
+        <p:nvPicPr>
+          <p:cNvPr id="11" name="图片 10">
+            <a:extLst>
+              <a:ext uri="{FF2B5EF4-FFF2-40B4-BE49-F238E27FC236}">
+                <a16:creationId xmlns:a16="http://schemas.microsoft.com/office/drawing/2014/main" id="{D48C7AAB-AA10-4D8D-99DB-8ED7E2B58A5F}"/>
+              </a:ext>
+            </a:extLst>
+          </p:cNvPr>
+          <p:cNvPicPr>
+            <a:picLocks noChangeAspect="1"/>
+          </p:cNvPicPr>
+          <p:nvPr/>
+        </p:nvPicPr>
+        <p:blipFill>
+          <a:blip r:embed="rId2"/>
+          <a:stretch>
+            <a:fillRect/>
+          </a:stretch>
+        </p:blipFill>
+        <p:spPr>
+          <a:xfrm>
+            <a:off x="377808" y="916110"/>
+            <a:ext cx="2552381" cy="780952"/>
+          </a:xfrm>
+          <a:prstGeom prst="rect">
+            <a:avLst/>
+          </a:prstGeom>
+        </p:spPr>
+      </p:pic>
+      <p:sp>
+        <p:nvSpPr>
+          <p:cNvPr id="13" name="文本框 12">
+            <a:extLst>
+              <a:ext uri="{FF2B5EF4-FFF2-40B4-BE49-F238E27FC236}">
+                <a16:creationId xmlns:a16="http://schemas.microsoft.com/office/drawing/2014/main" id="{689AB4F3-CDD3-4669-B24F-90EE85A8FBF4}"/>
+              </a:ext>
+            </a:extLst>
+          </p:cNvPr>
+          <p:cNvSpPr txBox="1"/>
+          <p:nvPr/>
+        </p:nvSpPr>
+        <p:spPr>
+          <a:xfrm>
+            <a:off x="474814" y="2066412"/>
+            <a:ext cx="7838675" cy="461665"/>
+          </a:xfrm>
+          <a:prstGeom prst="rect">
+            <a:avLst/>
+          </a:prstGeom>
+          <a:noFill/>
+        </p:spPr>
+        <p:txBody>
+          <a:bodyPr wrap="square" rtlCol="0">
+            <a:spAutoFit/>
+          </a:bodyPr>
+          <a:lstStyle>
+            <a:defPPr>
+              <a:defRPr lang="zh-CN"/>
+            </a:defPPr>
+            <a:lvl1pPr>
+              <a:defRPr sz="1400">
+                <a:latin typeface="微软雅黑" panose="020B0503020204020204" pitchFamily="34" charset="-122"/>
+                <a:ea typeface="微软雅黑" panose="020B0503020204020204" pitchFamily="34" charset="-122"/>
+              </a:defRPr>
+            </a:lvl1pPr>
+          </a:lstStyle>
+          <a:p>
+            <a:r>
+              <a:rPr lang="zh-CN" altLang="en-US" dirty="0"/>
+              <a:t>启动：</a:t>
+            </a:r>
+            <a:endParaRPr lang="en-US" altLang="zh-CN" dirty="0"/>
+          </a:p>
+          <a:p>
+            <a:r>
+              <a:rPr lang="en-US" altLang="zh-CN" sz="1000" dirty="0"/>
+              <a:t>consul agent -server -</a:t>
+            </a:r>
+            <a:r>
+              <a:rPr lang="en-US" altLang="zh-CN" sz="1000" dirty="0" err="1"/>
+              <a:t>ui</a:t>
+            </a:r>
+            <a:r>
+              <a:rPr lang="en-US" altLang="zh-CN" sz="1000" dirty="0"/>
+              <a:t> -dev -datacenter=</a:t>
+            </a:r>
+            <a:r>
+              <a:rPr lang="en-US" altLang="zh-CN" sz="1000" dirty="0" err="1"/>
+              <a:t>qd</a:t>
+            </a:r>
+            <a:endParaRPr lang="zh-CN" altLang="en-US" sz="1000" dirty="0"/>
+          </a:p>
+        </p:txBody>
+      </p:sp>
+      <p:sp>
+        <p:nvSpPr>
+          <p:cNvPr id="14" name="文本框 13">
+            <a:extLst>
+              <a:ext uri="{FF2B5EF4-FFF2-40B4-BE49-F238E27FC236}">
+                <a16:creationId xmlns:a16="http://schemas.microsoft.com/office/drawing/2014/main" id="{364ADD27-A139-48EE-A78D-E2A96E993552}"/>
+              </a:ext>
+            </a:extLst>
+          </p:cNvPr>
+          <p:cNvSpPr txBox="1"/>
+          <p:nvPr/>
+        </p:nvSpPr>
+        <p:spPr>
+          <a:xfrm>
+            <a:off x="474814" y="697499"/>
+            <a:ext cx="1126534" cy="307777"/>
+          </a:xfrm>
+          <a:prstGeom prst="rect">
+            <a:avLst/>
+          </a:prstGeom>
+          <a:noFill/>
+        </p:spPr>
+        <p:txBody>
+          <a:bodyPr wrap="square" rtlCol="0">
+            <a:spAutoFit/>
+          </a:bodyPr>
+          <a:lstStyle>
+            <a:defPPr>
+              <a:defRPr lang="zh-CN"/>
+            </a:defPPr>
+            <a:lvl1pPr>
+              <a:defRPr sz="1400">
+                <a:latin typeface="微软雅黑" panose="020B0503020204020204" pitchFamily="34" charset="-122"/>
+                <a:ea typeface="微软雅黑" panose="020B0503020204020204" pitchFamily="34" charset="-122"/>
+              </a:defRPr>
+            </a:lvl1pPr>
+          </a:lstStyle>
+          <a:p>
+            <a:r>
+              <a:rPr lang="zh-CN" altLang="en-US" dirty="0"/>
+              <a:t>下载：</a:t>
+            </a:r>
+          </a:p>
+        </p:txBody>
+      </p:sp>
+      <p:pic>
+        <p:nvPicPr>
+          <p:cNvPr id="16" name="图片 15">
+            <a:extLst>
+              <a:ext uri="{FF2B5EF4-FFF2-40B4-BE49-F238E27FC236}">
+                <a16:creationId xmlns:a16="http://schemas.microsoft.com/office/drawing/2014/main" id="{550B5E94-1EFE-4ACD-84AF-BDAEA5ED7DCF}"/>
+              </a:ext>
+            </a:extLst>
+          </p:cNvPr>
+          <p:cNvPicPr>
+            <a:picLocks noChangeAspect="1"/>
+          </p:cNvPicPr>
+          <p:nvPr/>
+        </p:nvPicPr>
+        <p:blipFill>
+          <a:blip r:embed="rId3"/>
+          <a:stretch>
+            <a:fillRect/>
+          </a:stretch>
+        </p:blipFill>
+        <p:spPr>
+          <a:xfrm>
+            <a:off x="534486" y="2528077"/>
+            <a:ext cx="8552381" cy="4190476"/>
+          </a:xfrm>
+          <a:prstGeom prst="rect">
+            <a:avLst/>
+          </a:prstGeom>
+        </p:spPr>
+      </p:pic>
+    </p:spTree>
+    <p:extLst>
+      <p:ext uri="{BB962C8B-B14F-4D97-AF65-F5344CB8AC3E}">
+        <p14:creationId xmlns:p14="http://schemas.microsoft.com/office/powerpoint/2010/main" val="3737117351"/>
+      </p:ext>
+    </p:extLst>
+  </p:cSld>
+  <p:clrMapOvr>
+    <a:masterClrMapping/>
+  </p:clrMapOvr>
+  <mc:AlternateContent xmlns:mc="http://schemas.openxmlformats.org/markup-compatibility/2006" xmlns:p14="http://schemas.microsoft.com/office/powerpoint/2010/main">
+    <mc:Choice Requires="p14">
+      <p:transition spd="slow" p14:dur="1500" advClick="0" advTm="3000">
+        <p:random/>
+      </p:transition>
+    </mc:Choice>
+    <mc:Fallback xmlns="">
+      <p:transition spd="slow" advClick="0" advTm="3000">
+        <p:random/>
+      </p:transition>
+    </mc:Fallback>
+  </mc:AlternateContent>
+</p:sld>
+</file>
+
+<file path=ppt/slides/slide6.xml><?xml version="1.0" encoding="utf-8"?>
+<p:sld xmlns:a="http://schemas.openxmlformats.org/drawingml/2006/main" xmlns:r="http://schemas.openxmlformats.org/officeDocument/2006/relationships" xmlns:p="http://schemas.openxmlformats.org/presentationml/2006/main">
+  <p:cSld>
+    <p:spTree>
+      <p:nvGrpSpPr>
+        <p:cNvPr id="1" name=""/>
+        <p:cNvGrpSpPr/>
+        <p:nvPr/>
+      </p:nvGrpSpPr>
+      <p:grpSpPr>
+        <a:xfrm>
+          <a:off x="0" y="0"/>
+          <a:ext cx="0" cy="0"/>
+          <a:chOff x="0" y="0"/>
+          <a:chExt cx="0" cy="0"/>
+        </a:xfrm>
+      </p:grpSpPr>
+      <p:grpSp>
+        <p:nvGrpSpPr>
+          <p:cNvPr id="2" name="组合 1">
+            <a:extLst>
+              <a:ext uri="{FF2B5EF4-FFF2-40B4-BE49-F238E27FC236}">
+                <a16:creationId xmlns:a16="http://schemas.microsoft.com/office/drawing/2014/main" id="{48CF00EF-DE23-4647-9DEC-5E94891AA4DD}"/>
+              </a:ext>
+            </a:extLst>
+          </p:cNvPr>
+          <p:cNvGrpSpPr/>
+          <p:nvPr/>
+        </p:nvGrpSpPr>
+        <p:grpSpPr>
+          <a:xfrm>
+            <a:off x="164616" y="178180"/>
+            <a:ext cx="2804616" cy="368580"/>
+            <a:chOff x="164616" y="178180"/>
+            <a:chExt cx="2804616" cy="368580"/>
+          </a:xfrm>
+        </p:grpSpPr>
+        <p:cxnSp>
+          <p:nvCxnSpPr>
+            <p:cNvPr id="3" name="直接连接符 2">
+              <a:extLst>
+                <a:ext uri="{FF2B5EF4-FFF2-40B4-BE49-F238E27FC236}">
+                  <a16:creationId xmlns:a16="http://schemas.microsoft.com/office/drawing/2014/main" id="{C672B872-6988-4899-B1CC-06838B3C1FD5}"/>
+                </a:ext>
+              </a:extLst>
+            </p:cNvPr>
+            <p:cNvCxnSpPr>
+              <a:cxnSpLocks/>
+            </p:cNvCxnSpPr>
+            <p:nvPr/>
+          </p:nvCxnSpPr>
+          <p:spPr>
+            <a:xfrm flipV="1">
+              <a:off x="164616" y="535956"/>
+              <a:ext cx="2804616" cy="10804"/>
+            </a:xfrm>
+            <a:prstGeom prst="line">
+              <a:avLst/>
+            </a:prstGeom>
+            <a:ln>
+              <a:solidFill>
+                <a:srgbClr val="314865"/>
+              </a:solidFill>
+            </a:ln>
+          </p:spPr>
+          <p:style>
+            <a:lnRef idx="1">
+              <a:schemeClr val="accent1"/>
+            </a:lnRef>
+            <a:fillRef idx="0">
+              <a:schemeClr val="accent1"/>
+            </a:fillRef>
+            <a:effectRef idx="0">
+              <a:schemeClr val="accent1"/>
+            </a:effectRef>
+            <a:fontRef idx="minor">
+              <a:schemeClr val="tx1"/>
+            </a:fontRef>
+          </p:style>
+        </p:cxnSp>
+        <p:sp>
+          <p:nvSpPr>
+            <p:cNvPr id="4" name="文本框 3">
+              <a:extLst>
+                <a:ext uri="{FF2B5EF4-FFF2-40B4-BE49-F238E27FC236}">
+                  <a16:creationId xmlns:a16="http://schemas.microsoft.com/office/drawing/2014/main" id="{ACF5EF3C-28D9-4F11-8565-A2D540540B4F}"/>
+                </a:ext>
+              </a:extLst>
+            </p:cNvPr>
+            <p:cNvSpPr txBox="1"/>
+            <p:nvPr/>
+          </p:nvSpPr>
+          <p:spPr>
+            <a:xfrm>
+              <a:off x="534486" y="178180"/>
+              <a:ext cx="2434746" cy="338554"/>
+            </a:xfrm>
+            <a:prstGeom prst="rect">
+              <a:avLst/>
+            </a:prstGeom>
+            <a:noFill/>
+          </p:spPr>
+          <p:txBody>
+            <a:bodyPr wrap="square" rtlCol="0">
+              <a:spAutoFit/>
+            </a:bodyPr>
+            <a:lstStyle/>
+            <a:p>
+              <a:pPr>
+                <a:spcBef>
+                  <a:spcPct val="20000"/>
+                </a:spcBef>
+                <a:buClr>
+                  <a:schemeClr val="hlink"/>
+                </a:buClr>
+                <a:buSzPct val="65000"/>
+              </a:pPr>
+              <a:r>
+                <a:rPr lang="en-US" altLang="zh-CN" sz="1600" b="1" dirty="0">
+                  <a:solidFill>
+                    <a:srgbClr val="314865"/>
+                  </a:solidFill>
+                  <a:effectLst>
+                    <a:innerShdw blurRad="63500" dist="50800" dir="13500000">
+                      <a:prstClr val="black">
+                        <a:alpha val="50000"/>
+                      </a:prstClr>
+                    </a:innerShdw>
+                  </a:effectLst>
+                  <a:latin typeface="Arial"/>
+                  <a:ea typeface="微软雅黑"/>
+                  <a:sym typeface="Arial"/>
+                </a:rPr>
+                <a:t>Consul</a:t>
+              </a:r>
+              <a:r>
+                <a:rPr lang="zh-CN" altLang="en-US" sz="1600" b="1" dirty="0">
+                  <a:solidFill>
+                    <a:srgbClr val="314865"/>
+                  </a:solidFill>
+                  <a:effectLst>
+                    <a:innerShdw blurRad="63500" dist="50800" dir="13500000">
+                      <a:prstClr val="black">
+                        <a:alpha val="50000"/>
+                      </a:prstClr>
+                    </a:innerShdw>
+                  </a:effectLst>
+                  <a:latin typeface="Arial"/>
+                  <a:ea typeface="微软雅黑"/>
+                  <a:sym typeface="Arial"/>
+                </a:rPr>
+                <a:t>注册中心</a:t>
+              </a:r>
+            </a:p>
+          </p:txBody>
+        </p:sp>
+        <p:sp>
+          <p:nvSpPr>
+            <p:cNvPr id="5" name="矩形 4">
+              <a:extLst>
+                <a:ext uri="{FF2B5EF4-FFF2-40B4-BE49-F238E27FC236}">
+                  <a16:creationId xmlns:a16="http://schemas.microsoft.com/office/drawing/2014/main" id="{EED9DA1A-C219-4FDF-8273-794BA9549601}"/>
+                </a:ext>
+              </a:extLst>
+            </p:cNvPr>
+            <p:cNvSpPr/>
+            <p:nvPr/>
+          </p:nvSpPr>
+          <p:spPr>
+            <a:xfrm>
+              <a:off x="164616" y="178180"/>
+              <a:ext cx="47829" cy="284416"/>
+            </a:xfrm>
+            <a:prstGeom prst="rect">
+              <a:avLst/>
+            </a:prstGeom>
+            <a:solidFill>
+              <a:srgbClr val="314865"/>
+            </a:solidFill>
+            <a:ln>
+              <a:solidFill>
+                <a:srgbClr val="314865"/>
+              </a:solidFill>
+            </a:ln>
+          </p:spPr>
+          <p:style>
+            <a:lnRef idx="2">
+              <a:schemeClr val="accent1">
+                <a:shade val="50000"/>
+              </a:schemeClr>
+            </a:lnRef>
+            <a:fillRef idx="1">
+              <a:schemeClr val="accent1"/>
+            </a:fillRef>
+            <a:effectRef idx="0">
+              <a:schemeClr val="accent1"/>
+            </a:effectRef>
+            <a:fontRef idx="minor">
+              <a:schemeClr val="lt1"/>
+            </a:fontRef>
+          </p:style>
+          <p:txBody>
+            <a:bodyPr rtlCol="0" anchor="ctr"/>
+            <a:lstStyle/>
+            <a:p>
+              <a:pPr algn="ctr"/>
+              <a:endParaRPr lang="zh-CN" altLang="en-US">
+                <a:latin typeface="Arial"/>
+                <a:ea typeface="微软雅黑"/>
+                <a:sym typeface="Arial"/>
+              </a:endParaRPr>
+            </a:p>
+          </p:txBody>
+        </p:sp>
+        <p:sp>
+          <p:nvSpPr>
+            <p:cNvPr id="6" name="矩形 5">
+              <a:extLst>
+                <a:ext uri="{FF2B5EF4-FFF2-40B4-BE49-F238E27FC236}">
+                  <a16:creationId xmlns:a16="http://schemas.microsoft.com/office/drawing/2014/main" id="{2777A70E-1832-45F8-93A5-423EFEDB9B09}"/>
+                </a:ext>
+              </a:extLst>
+            </p:cNvPr>
+            <p:cNvSpPr/>
+            <p:nvPr/>
+          </p:nvSpPr>
+          <p:spPr>
+            <a:xfrm>
+              <a:off x="275779" y="252586"/>
+              <a:ext cx="47828" cy="210010"/>
+            </a:xfrm>
+            <a:prstGeom prst="rect">
+              <a:avLst/>
+            </a:prstGeom>
+            <a:solidFill>
+              <a:srgbClr val="314865"/>
+            </a:solidFill>
+            <a:ln>
+              <a:solidFill>
+                <a:srgbClr val="314865"/>
+              </a:solidFill>
+            </a:ln>
+          </p:spPr>
+          <p:style>
+            <a:lnRef idx="2">
+              <a:schemeClr val="accent1">
+                <a:shade val="50000"/>
+              </a:schemeClr>
+            </a:lnRef>
+            <a:fillRef idx="1">
+              <a:schemeClr val="accent1"/>
+            </a:fillRef>
+            <a:effectRef idx="0">
+              <a:schemeClr val="accent1"/>
+            </a:effectRef>
+            <a:fontRef idx="minor">
+              <a:schemeClr val="lt1"/>
+            </a:fontRef>
+          </p:style>
+          <p:txBody>
+            <a:bodyPr rtlCol="0" anchor="ctr"/>
+            <a:lstStyle/>
+            <a:p>
+              <a:pPr algn="ctr"/>
+              <a:endParaRPr lang="zh-CN" altLang="en-US">
+                <a:latin typeface="Arial"/>
+                <a:ea typeface="微软雅黑"/>
+                <a:sym typeface="Arial"/>
+              </a:endParaRPr>
+            </a:p>
+          </p:txBody>
+        </p:sp>
+        <p:sp>
+          <p:nvSpPr>
+            <p:cNvPr id="7" name="矩形 6">
+              <a:extLst>
+                <a:ext uri="{FF2B5EF4-FFF2-40B4-BE49-F238E27FC236}">
+                  <a16:creationId xmlns:a16="http://schemas.microsoft.com/office/drawing/2014/main" id="{0E39E963-6E95-4A82-959B-7795ED91B2CF}"/>
+                </a:ext>
+              </a:extLst>
+            </p:cNvPr>
+            <p:cNvSpPr/>
+            <p:nvPr/>
+          </p:nvSpPr>
+          <p:spPr>
+            <a:xfrm flipH="1">
+              <a:off x="377808" y="320388"/>
+              <a:ext cx="47827" cy="142208"/>
+            </a:xfrm>
+            <a:prstGeom prst="rect">
+              <a:avLst/>
+            </a:prstGeom>
+            <a:solidFill>
+              <a:srgbClr val="314865"/>
+            </a:solidFill>
+            <a:ln>
+              <a:solidFill>
+                <a:srgbClr val="314865"/>
+              </a:solidFill>
+            </a:ln>
+          </p:spPr>
+          <p:style>
+            <a:lnRef idx="2">
+              <a:schemeClr val="accent1">
+                <a:shade val="50000"/>
+              </a:schemeClr>
+            </a:lnRef>
+            <a:fillRef idx="1">
+              <a:schemeClr val="accent1"/>
+            </a:fillRef>
+            <a:effectRef idx="0">
+              <a:schemeClr val="accent1"/>
+            </a:effectRef>
+            <a:fontRef idx="minor">
+              <a:schemeClr val="lt1"/>
+            </a:fontRef>
+          </p:style>
+          <p:txBody>
+            <a:bodyPr rtlCol="0" anchor="ctr"/>
+            <a:lstStyle/>
+            <a:p>
+              <a:pPr algn="ctr"/>
+              <a:endParaRPr lang="zh-CN" altLang="en-US">
+                <a:latin typeface="Arial"/>
+                <a:ea typeface="微软雅黑"/>
+                <a:sym typeface="Arial"/>
+              </a:endParaRPr>
+            </a:p>
+          </p:txBody>
+        </p:sp>
+      </p:grpSp>
+      <p:sp>
+        <p:nvSpPr>
+          <p:cNvPr id="9" name="文本框 8">
+            <a:extLst>
+              <a:ext uri="{FF2B5EF4-FFF2-40B4-BE49-F238E27FC236}">
+                <a16:creationId xmlns:a16="http://schemas.microsoft.com/office/drawing/2014/main" id="{A1B36167-175A-417D-A073-C56E06306C37}"/>
+              </a:ext>
+            </a:extLst>
+          </p:cNvPr>
+          <p:cNvSpPr txBox="1"/>
+          <p:nvPr/>
+        </p:nvSpPr>
+        <p:spPr>
+          <a:xfrm>
+            <a:off x="474814" y="697499"/>
+            <a:ext cx="1126534" cy="307777"/>
+          </a:xfrm>
+          <a:prstGeom prst="rect">
+            <a:avLst/>
+          </a:prstGeom>
+          <a:noFill/>
+        </p:spPr>
+        <p:txBody>
+          <a:bodyPr wrap="square" rtlCol="0">
+            <a:spAutoFit/>
+          </a:bodyPr>
+          <a:lstStyle>
+            <a:defPPr>
+              <a:defRPr lang="zh-CN"/>
+            </a:defPPr>
+            <a:lvl1pPr>
+              <a:defRPr sz="1400">
+                <a:latin typeface="微软雅黑" panose="020B0503020204020204" pitchFamily="34" charset="-122"/>
+                <a:ea typeface="微软雅黑" panose="020B0503020204020204" pitchFamily="34" charset="-122"/>
+              </a:defRPr>
+            </a:lvl1pPr>
+          </a:lstStyle>
+          <a:p>
+            <a:r>
+              <a:rPr lang="zh-CN" altLang="en-US" dirty="0"/>
+              <a:t>访问：</a:t>
+            </a:r>
+          </a:p>
+        </p:txBody>
+      </p:sp>
+      <p:sp>
+        <p:nvSpPr>
+          <p:cNvPr id="10" name="矩形 9">
+            <a:extLst>
+              <a:ext uri="{FF2B5EF4-FFF2-40B4-BE49-F238E27FC236}">
+                <a16:creationId xmlns:a16="http://schemas.microsoft.com/office/drawing/2014/main" id="{74D02C4A-4A54-464A-B4DA-EAEB108F2A90}"/>
+              </a:ext>
+            </a:extLst>
+          </p:cNvPr>
+          <p:cNvSpPr/>
+          <p:nvPr/>
+        </p:nvSpPr>
+        <p:spPr>
+          <a:xfrm>
+            <a:off x="1194031" y="697499"/>
+            <a:ext cx="7975135" cy="307777"/>
+          </a:xfrm>
+          <a:prstGeom prst="rect">
+            <a:avLst/>
+          </a:prstGeom>
+          <a:noFill/>
+        </p:spPr>
+        <p:txBody>
+          <a:bodyPr wrap="square" rtlCol="0">
+            <a:spAutoFit/>
+          </a:bodyPr>
+          <a:lstStyle/>
+          <a:p>
+            <a:r>
+              <a:rPr lang="en-US" altLang="zh-CN" sz="1400" dirty="0">
+                <a:solidFill>
+                  <a:schemeClr val="accent1"/>
+                </a:solidFill>
+                <a:latin typeface="微软雅黑" panose="020B0503020204020204" pitchFamily="34" charset="-122"/>
+                <a:ea typeface="微软雅黑" panose="020B0503020204020204" pitchFamily="34" charset="-122"/>
+              </a:rPr>
+              <a:t>http://127.0.0.1:8500/ui</a:t>
+            </a:r>
+          </a:p>
+        </p:txBody>
+      </p:sp>
+      <p:pic>
+        <p:nvPicPr>
+          <p:cNvPr id="11" name="图片 10">
+            <a:extLst>
+              <a:ext uri="{FF2B5EF4-FFF2-40B4-BE49-F238E27FC236}">
+                <a16:creationId xmlns:a16="http://schemas.microsoft.com/office/drawing/2014/main" id="{AE746C83-9E0C-466F-BC1E-F1EEDCDFD339}"/>
+              </a:ext>
+            </a:extLst>
+          </p:cNvPr>
+          <p:cNvPicPr>
+            <a:picLocks noChangeAspect="1"/>
+          </p:cNvPicPr>
+          <p:nvPr/>
+        </p:nvPicPr>
+        <p:blipFill>
+          <a:blip r:embed="rId2"/>
+          <a:stretch>
+            <a:fillRect/>
+          </a:stretch>
+        </p:blipFill>
+        <p:spPr>
+          <a:xfrm>
+            <a:off x="581598" y="1472058"/>
+            <a:ext cx="9200000" cy="4333333"/>
+          </a:xfrm>
+          <a:prstGeom prst="rect">
+            <a:avLst/>
+          </a:prstGeom>
+        </p:spPr>
+      </p:pic>
+    </p:spTree>
+    <p:extLst>
+      <p:ext uri="{BB962C8B-B14F-4D97-AF65-F5344CB8AC3E}">
+        <p14:creationId xmlns:p14="http://schemas.microsoft.com/office/powerpoint/2010/main" val="2186647252"/>
       </p:ext>
     </p:extLst>
   </p:cSld>
